--- a/Doc/Cajero Automático Multimoneda.pptx
+++ b/Doc/Cajero Automático Multimoneda.pptx
@@ -16,6 +16,15 @@
     <p:sldId id="264" r:id="rId10"/>
     <p:sldId id="265" r:id="rId11"/>
     <p:sldId id="266" r:id="rId12"/>
+    <p:sldId id="267" r:id="rId13"/>
+    <p:sldId id="268" r:id="rId14"/>
+    <p:sldId id="269" r:id="rId15"/>
+    <p:sldId id="272" r:id="rId16"/>
+    <p:sldId id="273" r:id="rId17"/>
+    <p:sldId id="274" r:id="rId18"/>
+    <p:sldId id="275" r:id="rId19"/>
+    <p:sldId id="276" r:id="rId20"/>
+    <p:sldId id="277" r:id="rId21"/>
   </p:sldIdLst>
   <p:sldSz cx="12192000" cy="6858000"/>
   <p:notesSz cx="6858000" cy="9144000"/>
@@ -7477,6 +7486,4098 @@
 </p:sld>
 </file>
 
+<file path=ppt/slides/slide12.xml><?xml version="1.0" encoding="utf-8"?>
+<p:sld xmlns:a="http://schemas.openxmlformats.org/drawingml/2006/main" xmlns:r="http://schemas.openxmlformats.org/officeDocument/2006/relationships" xmlns:p="http://schemas.openxmlformats.org/presentationml/2006/main" show="0">
+  <p:cSld>
+    <p:bg>
+      <p:bgPr>
+        <a:gradFill rotWithShape="1">
+          <a:gsLst>
+            <a:gs pos="0">
+              <a:schemeClr val="bg2">
+                <a:tint val="97000"/>
+                <a:hueMod val="88000"/>
+                <a:satMod val="130000"/>
+                <a:lumMod val="124000"/>
+              </a:schemeClr>
+            </a:gs>
+            <a:gs pos="100000">
+              <a:schemeClr val="bg2">
+                <a:tint val="96000"/>
+                <a:shade val="88000"/>
+                <a:hueMod val="108000"/>
+                <a:satMod val="164000"/>
+                <a:lumMod val="76000"/>
+              </a:schemeClr>
+            </a:gs>
+          </a:gsLst>
+          <a:path path="circle">
+            <a:fillToRect l="45000" t="65000" r="125000" b="100000"/>
+          </a:path>
+        </a:gradFill>
+        <a:effectLst/>
+      </p:bgPr>
+    </p:bg>
+    <p:spTree>
+      <p:nvGrpSpPr>
+        <p:cNvPr id="1" name=""/>
+        <p:cNvGrpSpPr/>
+        <p:nvPr/>
+      </p:nvGrpSpPr>
+      <p:grpSpPr>
+        <a:xfrm>
+          <a:off x="0" y="0"/>
+          <a:ext cx="0" cy="0"/>
+          <a:chOff x="0" y="0"/>
+          <a:chExt cx="0" cy="0"/>
+        </a:xfrm>
+      </p:grpSpPr>
+      <p:pic>
+        <p:nvPicPr>
+          <p:cNvPr id="10" name="Picture 9">
+            <a:extLst>
+              <a:ext uri="{FF2B5EF4-FFF2-40B4-BE49-F238E27FC236}">
+                <a16:creationId xmlns:a16="http://schemas.microsoft.com/office/drawing/2014/main" id="{91B28F63-CF00-448F-B141-FE33C33B1891}"/>
+              </a:ext>
+              <a:ext uri="{C183D7F6-B498-43B3-948B-1728B52AA6E4}">
+                <adec:decorative xmlns:adec="http://schemas.microsoft.com/office/drawing/2017/decorative" val="1"/>
+              </a:ext>
+            </a:extLst>
+          </p:cNvPr>
+          <p:cNvPicPr>
+            <a:picLocks noGrp="1" noRot="1" noChangeAspect="1" noMove="1" noResize="1" noEditPoints="1" noAdjustHandles="1" noChangeArrowheads="1" noChangeShapeType="1" noCrop="1"/>
+          </p:cNvPicPr>
+          <p:nvPr>
+            <p:extLst>
+              <p:ext uri="{386F3935-93C4-4BCD-93E2-E3B085C9AB24}">
+                <p16:designElem xmlns:p16="http://schemas.microsoft.com/office/powerpoint/2015/main" val="1"/>
+              </p:ext>
+            </p:extLst>
+          </p:nvPr>
+        </p:nvPicPr>
+        <p:blipFill rotWithShape="1">
+          <a:blip r:embed="rId2">
+            <a:extLst>
+              <a:ext uri="{28A0092B-C50C-407E-A947-70E740481C1C}">
+                <a14:useLocalDpi xmlns:a14="http://schemas.microsoft.com/office/drawing/2010/main" val="0"/>
+              </a:ext>
+            </a:extLst>
+          </a:blip>
+          <a:srcRect l="3613"/>
+          <a:stretch/>
+        </p:blipFill>
+        <p:spPr>
+          <a:xfrm>
+            <a:off x="0" y="2669685"/>
+            <a:ext cx="4037012" cy="4188315"/>
+          </a:xfrm>
+          <a:prstGeom prst="rect">
+            <a:avLst/>
+          </a:prstGeom>
+        </p:spPr>
+      </p:pic>
+      <p:pic>
+        <p:nvPicPr>
+          <p:cNvPr id="12" name="Picture 11">
+            <a:extLst>
+              <a:ext uri="{FF2B5EF4-FFF2-40B4-BE49-F238E27FC236}">
+                <a16:creationId xmlns:a16="http://schemas.microsoft.com/office/drawing/2014/main" id="{2AE609E2-8522-44E4-9077-980E5BCF3E14}"/>
+              </a:ext>
+              <a:ext uri="{C183D7F6-B498-43B3-948B-1728B52AA6E4}">
+                <adec:decorative xmlns:adec="http://schemas.microsoft.com/office/drawing/2017/decorative" val="1"/>
+              </a:ext>
+            </a:extLst>
+          </p:cNvPr>
+          <p:cNvPicPr>
+            <a:picLocks noGrp="1" noRot="1" noChangeAspect="1" noMove="1" noResize="1" noEditPoints="1" noAdjustHandles="1" noChangeArrowheads="1" noChangeShapeType="1" noCrop="1"/>
+          </p:cNvPicPr>
+          <p:nvPr>
+            <p:extLst>
+              <p:ext uri="{386F3935-93C4-4BCD-93E2-E3B085C9AB24}">
+                <p16:designElem xmlns:p16="http://schemas.microsoft.com/office/powerpoint/2015/main" val="1"/>
+              </p:ext>
+            </p:extLst>
+          </p:nvPr>
+        </p:nvPicPr>
+        <p:blipFill rotWithShape="1">
+          <a:blip r:embed="rId3">
+            <a:extLst>
+              <a:ext uri="{28A0092B-C50C-407E-A947-70E740481C1C}">
+                <a14:useLocalDpi xmlns:a14="http://schemas.microsoft.com/office/drawing/2010/main" val="0"/>
+              </a:ext>
+            </a:extLst>
+          </a:blip>
+          <a:srcRect l="35640"/>
+          <a:stretch/>
+        </p:blipFill>
+        <p:spPr>
+          <a:xfrm>
+            <a:off x="0" y="2892347"/>
+            <a:ext cx="1522412" cy="2365453"/>
+          </a:xfrm>
+          <a:prstGeom prst="rect">
+            <a:avLst/>
+          </a:prstGeom>
+        </p:spPr>
+      </p:pic>
+      <p:sp>
+        <p:nvSpPr>
+          <p:cNvPr id="14" name="Oval 13">
+            <a:extLst>
+              <a:ext uri="{FF2B5EF4-FFF2-40B4-BE49-F238E27FC236}">
+                <a16:creationId xmlns:a16="http://schemas.microsoft.com/office/drawing/2014/main" id="{4FA533C5-33E3-4611-AF9F-72811D8B26A6}"/>
+              </a:ext>
+              <a:ext uri="{C183D7F6-B498-43B3-948B-1728B52AA6E4}">
+                <adec:decorative xmlns:adec="http://schemas.microsoft.com/office/drawing/2017/decorative" val="1"/>
+              </a:ext>
+            </a:extLst>
+          </p:cNvPr>
+          <p:cNvSpPr>
+            <a:spLocks noGrp="1" noRot="1" noChangeAspect="1" noMove="1" noResize="1" noEditPoints="1" noAdjustHandles="1" noChangeArrowheads="1" noChangeShapeType="1" noTextEdit="1"/>
+          </p:cNvSpPr>
+          <p:nvPr>
+            <p:extLst>
+              <p:ext uri="{386F3935-93C4-4BCD-93E2-E3B085C9AB24}">
+                <p16:designElem xmlns:p16="http://schemas.microsoft.com/office/powerpoint/2015/main" val="1"/>
+              </p:ext>
+            </p:extLst>
+          </p:nvPr>
+        </p:nvSpPr>
+        <p:spPr>
+          <a:xfrm>
+            <a:off x="8609012" y="1676400"/>
+            <a:ext cx="2819400" cy="2819400"/>
+          </a:xfrm>
+          <a:prstGeom prst="ellipse">
+            <a:avLst/>
+          </a:prstGeom>
+          <a:gradFill flip="none" rotWithShape="1">
+            <a:gsLst>
+              <a:gs pos="0">
+                <a:schemeClr val="bg2">
+                  <a:lumMod val="60000"/>
+                  <a:lumOff val="40000"/>
+                  <a:alpha val="7000"/>
+                </a:schemeClr>
+              </a:gs>
+              <a:gs pos="69000">
+                <a:schemeClr val="bg2">
+                  <a:lumMod val="60000"/>
+                  <a:lumOff val="40000"/>
+                  <a:alpha val="0"/>
+                </a:schemeClr>
+              </a:gs>
+              <a:gs pos="36000">
+                <a:schemeClr val="bg2">
+                  <a:lumMod val="60000"/>
+                  <a:lumOff val="40000"/>
+                  <a:alpha val="6000"/>
+                </a:schemeClr>
+              </a:gs>
+            </a:gsLst>
+            <a:path path="circle">
+              <a:fillToRect l="50000" t="50000" r="50000" b="50000"/>
+            </a:path>
+            <a:tileRect/>
+          </a:gradFill>
+          <a:ln>
+            <a:noFill/>
+          </a:ln>
+          <a:effectLst/>
+        </p:spPr>
+        <p:style>
+          <a:lnRef idx="1">
+            <a:schemeClr val="accent1"/>
+          </a:lnRef>
+          <a:fillRef idx="3">
+            <a:schemeClr val="accent1"/>
+          </a:fillRef>
+          <a:effectRef idx="2">
+            <a:schemeClr val="accent1"/>
+          </a:effectRef>
+          <a:fontRef idx="minor">
+            <a:schemeClr val="lt1"/>
+          </a:fontRef>
+        </p:style>
+        <p:txBody>
+          <a:bodyPr/>
+          <a:lstStyle/>
+          <a:p>
+            <a:endParaRPr lang="es-BO"/>
+          </a:p>
+        </p:txBody>
+      </p:sp>
+      <p:pic>
+        <p:nvPicPr>
+          <p:cNvPr id="16" name="Picture 15">
+            <a:extLst>
+              <a:ext uri="{FF2B5EF4-FFF2-40B4-BE49-F238E27FC236}">
+                <a16:creationId xmlns:a16="http://schemas.microsoft.com/office/drawing/2014/main" id="{8949AD42-25FD-4C3D-9EEE-B7FEC5809988}"/>
+              </a:ext>
+              <a:ext uri="{C183D7F6-B498-43B3-948B-1728B52AA6E4}">
+                <adec:decorative xmlns:adec="http://schemas.microsoft.com/office/drawing/2017/decorative" val="1"/>
+              </a:ext>
+            </a:extLst>
+          </p:cNvPr>
+          <p:cNvPicPr>
+            <a:picLocks noGrp="1" noRot="1" noChangeAspect="1" noMove="1" noResize="1" noEditPoints="1" noAdjustHandles="1" noChangeArrowheads="1" noChangeShapeType="1" noCrop="1"/>
+          </p:cNvPicPr>
+          <p:nvPr>
+            <p:extLst>
+              <p:ext uri="{386F3935-93C4-4BCD-93E2-E3B085C9AB24}">
+                <p16:designElem xmlns:p16="http://schemas.microsoft.com/office/powerpoint/2015/main" val="1"/>
+              </p:ext>
+            </p:extLst>
+          </p:nvPr>
+        </p:nvPicPr>
+        <p:blipFill rotWithShape="1">
+          <a:blip r:embed="rId4">
+            <a:extLst>
+              <a:ext uri="{28A0092B-C50C-407E-A947-70E740481C1C}">
+                <a14:useLocalDpi xmlns:a14="http://schemas.microsoft.com/office/drawing/2010/main" val="0"/>
+              </a:ext>
+            </a:extLst>
+          </a:blip>
+          <a:srcRect t="28813"/>
+          <a:stretch/>
+        </p:blipFill>
+        <p:spPr>
+          <a:xfrm>
+            <a:off x="7999412" y="0"/>
+            <a:ext cx="1603387" cy="1141407"/>
+          </a:xfrm>
+          <a:prstGeom prst="rect">
+            <a:avLst/>
+          </a:prstGeom>
+        </p:spPr>
+      </p:pic>
+      <p:pic>
+        <p:nvPicPr>
+          <p:cNvPr id="18" name="Picture 17">
+            <a:extLst>
+              <a:ext uri="{FF2B5EF4-FFF2-40B4-BE49-F238E27FC236}">
+                <a16:creationId xmlns:a16="http://schemas.microsoft.com/office/drawing/2014/main" id="{6AC7D913-60B7-4603-881B-831DA5D3A940}"/>
+              </a:ext>
+              <a:ext uri="{C183D7F6-B498-43B3-948B-1728B52AA6E4}">
+                <adec:decorative xmlns:adec="http://schemas.microsoft.com/office/drawing/2017/decorative" val="1"/>
+              </a:ext>
+            </a:extLst>
+          </p:cNvPr>
+          <p:cNvPicPr>
+            <a:picLocks noGrp="1" noRot="1" noChangeAspect="1" noMove="1" noResize="1" noEditPoints="1" noAdjustHandles="1" noChangeArrowheads="1" noChangeShapeType="1" noCrop="1"/>
+          </p:cNvPicPr>
+          <p:nvPr>
+            <p:extLst>
+              <p:ext uri="{386F3935-93C4-4BCD-93E2-E3B085C9AB24}">
+                <p16:designElem xmlns:p16="http://schemas.microsoft.com/office/powerpoint/2015/main" val="1"/>
+              </p:ext>
+            </p:extLst>
+          </p:nvPr>
+        </p:nvPicPr>
+        <p:blipFill rotWithShape="1">
+          <a:blip r:embed="rId5">
+            <a:extLst>
+              <a:ext uri="{28A0092B-C50C-407E-A947-70E740481C1C}">
+                <a14:useLocalDpi xmlns:a14="http://schemas.microsoft.com/office/drawing/2010/main" val="0"/>
+              </a:ext>
+            </a:extLst>
+          </a:blip>
+          <a:srcRect b="23320"/>
+          <a:stretch/>
+        </p:blipFill>
+        <p:spPr>
+          <a:xfrm>
+            <a:off x="8605878" y="6096000"/>
+            <a:ext cx="993734" cy="762000"/>
+          </a:xfrm>
+          <a:prstGeom prst="rect">
+            <a:avLst/>
+          </a:prstGeom>
+        </p:spPr>
+      </p:pic>
+      <p:sp>
+        <p:nvSpPr>
+          <p:cNvPr id="20" name="Rectangle 19">
+            <a:extLst>
+              <a:ext uri="{FF2B5EF4-FFF2-40B4-BE49-F238E27FC236}">
+                <a16:creationId xmlns:a16="http://schemas.microsoft.com/office/drawing/2014/main" id="{87F0FDC4-AD8C-47D9-9131-623C98ADB0AE}"/>
+              </a:ext>
+              <a:ext uri="{C183D7F6-B498-43B3-948B-1728B52AA6E4}">
+                <adec:decorative xmlns:adec="http://schemas.microsoft.com/office/drawing/2017/decorative" val="1"/>
+              </a:ext>
+            </a:extLst>
+          </p:cNvPr>
+          <p:cNvSpPr>
+            <a:spLocks noGrp="1" noRot="1" noChangeAspect="1" noMove="1" noResize="1" noEditPoints="1" noAdjustHandles="1" noChangeArrowheads="1" noChangeShapeType="1" noTextEdit="1"/>
+          </p:cNvSpPr>
+          <p:nvPr>
+            <p:extLst>
+              <p:ext uri="{386F3935-93C4-4BCD-93E2-E3B085C9AB24}">
+                <p16:designElem xmlns:p16="http://schemas.microsoft.com/office/powerpoint/2015/main" val="1"/>
+              </p:ext>
+            </p:extLst>
+          </p:nvPr>
+        </p:nvSpPr>
+        <p:spPr>
+          <a:xfrm>
+            <a:off x="10437812" y="0"/>
+            <a:ext cx="685800" cy="1143000"/>
+          </a:xfrm>
+          <a:prstGeom prst="rect">
+            <a:avLst/>
+          </a:prstGeom>
+          <a:solidFill>
+            <a:schemeClr val="accent1"/>
+          </a:solidFill>
+          <a:ln>
+            <a:noFill/>
+          </a:ln>
+        </p:spPr>
+        <p:style>
+          <a:lnRef idx="1">
+            <a:schemeClr val="accent1"/>
+          </a:lnRef>
+          <a:fillRef idx="3">
+            <a:schemeClr val="accent1"/>
+          </a:fillRef>
+          <a:effectRef idx="2">
+            <a:schemeClr val="accent1"/>
+          </a:effectRef>
+          <a:fontRef idx="minor">
+            <a:schemeClr val="lt1"/>
+          </a:fontRef>
+        </p:style>
+        <p:txBody>
+          <a:bodyPr/>
+          <a:lstStyle/>
+          <a:p>
+            <a:endParaRPr lang="es-BO"/>
+          </a:p>
+        </p:txBody>
+      </p:sp>
+      <p:sp>
+        <p:nvSpPr>
+          <p:cNvPr id="22" name="Rectangle 21">
+            <a:extLst>
+              <a:ext uri="{FF2B5EF4-FFF2-40B4-BE49-F238E27FC236}">
+                <a16:creationId xmlns:a16="http://schemas.microsoft.com/office/drawing/2014/main" id="{DE27238C-8EAF-4098-86E6-7723B7DAE601}"/>
+              </a:ext>
+              <a:ext uri="{C183D7F6-B498-43B3-948B-1728B52AA6E4}">
+                <adec:decorative xmlns:adec="http://schemas.microsoft.com/office/drawing/2017/decorative" val="1"/>
+              </a:ext>
+            </a:extLst>
+          </p:cNvPr>
+          <p:cNvSpPr>
+            <a:spLocks noGrp="1" noRot="1" noChangeAspect="1" noMove="1" noResize="1" noEditPoints="1" noAdjustHandles="1" noChangeArrowheads="1" noChangeShapeType="1" noTextEdit="1"/>
+          </p:cNvSpPr>
+          <p:nvPr>
+            <p:extLst>
+              <p:ext uri="{386F3935-93C4-4BCD-93E2-E3B085C9AB24}">
+                <p16:designElem xmlns:p16="http://schemas.microsoft.com/office/powerpoint/2015/main" val="1"/>
+              </p:ext>
+            </p:extLst>
+          </p:nvPr>
+        </p:nvSpPr>
+        <p:spPr>
+          <a:xfrm>
+            <a:off x="1" y="0"/>
+            <a:ext cx="12192000" cy="6858000"/>
+          </a:xfrm>
+          <a:prstGeom prst="rect">
+            <a:avLst/>
+          </a:prstGeom>
+          <a:solidFill>
+            <a:schemeClr val="tx2"/>
+          </a:solidFill>
+          <a:ln>
+            <a:noFill/>
+          </a:ln>
+        </p:spPr>
+        <p:style>
+          <a:lnRef idx="2">
+            <a:schemeClr val="accent1">
+              <a:shade val="50000"/>
+            </a:schemeClr>
+          </a:lnRef>
+          <a:fillRef idx="1003">
+            <a:schemeClr val="dk2"/>
+          </a:fillRef>
+          <a:effectRef idx="0">
+            <a:schemeClr val="accent1"/>
+          </a:effectRef>
+          <a:fontRef idx="minor">
+            <a:schemeClr val="lt1"/>
+          </a:fontRef>
+        </p:style>
+        <p:txBody>
+          <a:bodyPr rtlCol="0" anchor="ctr"/>
+          <a:lstStyle/>
+          <a:p>
+            <a:pPr algn="ctr"/>
+            <a:endParaRPr lang="en-US"/>
+          </a:p>
+        </p:txBody>
+      </p:sp>
+      <p:sp>
+        <p:nvSpPr>
+          <p:cNvPr id="24" name="Freeform 36">
+            <a:extLst>
+              <a:ext uri="{FF2B5EF4-FFF2-40B4-BE49-F238E27FC236}">
+                <a16:creationId xmlns:a16="http://schemas.microsoft.com/office/drawing/2014/main" id="{992F97B1-1891-4FCC-9E5F-BA97EDB48F89}"/>
+              </a:ext>
+              <a:ext uri="{C183D7F6-B498-43B3-948B-1728B52AA6E4}">
+                <adec:decorative xmlns:adec="http://schemas.microsoft.com/office/drawing/2017/decorative" val="1"/>
+              </a:ext>
+            </a:extLst>
+          </p:cNvPr>
+          <p:cNvSpPr>
+            <a:spLocks noGrp="1" noRot="1" noChangeAspect="1" noMove="1" noResize="1" noEditPoints="1" noAdjustHandles="1" noChangeArrowheads="1" noChangeShapeType="1" noTextEdit="1"/>
+          </p:cNvSpPr>
+          <p:nvPr>
+            <p:extLst>
+              <p:ext uri="{386F3935-93C4-4BCD-93E2-E3B085C9AB24}">
+                <p16:designElem xmlns:p16="http://schemas.microsoft.com/office/powerpoint/2015/main" val="1"/>
+              </p:ext>
+            </p:extLst>
+          </p:nvPr>
+        </p:nvSpPr>
+        <p:spPr>
+          <a:xfrm flipH="1">
+            <a:off x="9351010" y="0"/>
+            <a:ext cx="559472" cy="3709642"/>
+          </a:xfrm>
+          <a:custGeom>
+            <a:avLst/>
+            <a:gdLst>
+              <a:gd name="connsiteX0" fmla="*/ 0 w 559472"/>
+              <a:gd name="connsiteY0" fmla="*/ 0 h 3709642"/>
+              <a:gd name="connsiteX1" fmla="*/ 473952 w 559472"/>
+              <a:gd name="connsiteY1" fmla="*/ 0 h 3709642"/>
+              <a:gd name="connsiteX2" fmla="*/ 485840 w 559472"/>
+              <a:gd name="connsiteY2" fmla="*/ 161194 h 3709642"/>
+              <a:gd name="connsiteX3" fmla="*/ 523949 w 559472"/>
+              <a:gd name="connsiteY3" fmla="*/ 3672197 h 3709642"/>
+              <a:gd name="connsiteX4" fmla="*/ 454748 w 559472"/>
+              <a:gd name="connsiteY4" fmla="*/ 3709642 h 3709642"/>
+              <a:gd name="connsiteX5" fmla="*/ 448224 w 559472"/>
+              <a:gd name="connsiteY5" fmla="*/ 3510471 h 3709642"/>
+              <a:gd name="connsiteX6" fmla="*/ 443564 w 559472"/>
+              <a:gd name="connsiteY6" fmla="*/ 3408563 h 3709642"/>
+              <a:gd name="connsiteX7" fmla="*/ 438902 w 559472"/>
+              <a:gd name="connsiteY7" fmla="*/ 3304407 h 3709642"/>
+              <a:gd name="connsiteX8" fmla="*/ 433941 w 559472"/>
+              <a:gd name="connsiteY8" fmla="*/ 3198777 h 3709642"/>
+              <a:gd name="connsiteX9" fmla="*/ 427584 w 559472"/>
+              <a:gd name="connsiteY9" fmla="*/ 3092510 h 3709642"/>
+              <a:gd name="connsiteX10" fmla="*/ 420988 w 559472"/>
+              <a:gd name="connsiteY10" fmla="*/ 2984390 h 3709642"/>
+              <a:gd name="connsiteX11" fmla="*/ 414330 w 559472"/>
+              <a:gd name="connsiteY11" fmla="*/ 2874401 h 3709642"/>
+              <a:gd name="connsiteX12" fmla="*/ 406840 w 559472"/>
+              <a:gd name="connsiteY12" fmla="*/ 2762980 h 3709642"/>
+              <a:gd name="connsiteX13" fmla="*/ 397745 w 559472"/>
+              <a:gd name="connsiteY13" fmla="*/ 2650566 h 3709642"/>
+              <a:gd name="connsiteX14" fmla="*/ 389154 w 559472"/>
+              <a:gd name="connsiteY14" fmla="*/ 2536612 h 3709642"/>
+              <a:gd name="connsiteX15" fmla="*/ 379225 w 559472"/>
+              <a:gd name="connsiteY15" fmla="*/ 2421642 h 3709642"/>
+              <a:gd name="connsiteX16" fmla="*/ 368316 w 559472"/>
+              <a:gd name="connsiteY16" fmla="*/ 2305627 h 3709642"/>
+              <a:gd name="connsiteX17" fmla="*/ 357466 w 559472"/>
+              <a:gd name="connsiteY17" fmla="*/ 2189233 h 3709642"/>
+              <a:gd name="connsiteX18" fmla="*/ 344982 w 559472"/>
+              <a:gd name="connsiteY18" fmla="*/ 2071473 h 3709642"/>
+              <a:gd name="connsiteX19" fmla="*/ 332466 w 559472"/>
+              <a:gd name="connsiteY19" fmla="*/ 1952216 h 3709642"/>
+              <a:gd name="connsiteX20" fmla="*/ 319121 w 559472"/>
+              <a:gd name="connsiteY20" fmla="*/ 1833776 h 3709642"/>
+              <a:gd name="connsiteX21" fmla="*/ 304408 w 559472"/>
+              <a:gd name="connsiteY21" fmla="*/ 1713948 h 3709642"/>
+              <a:gd name="connsiteX22" fmla="*/ 288685 w 559472"/>
+              <a:gd name="connsiteY22" fmla="*/ 1592703 h 3709642"/>
+              <a:gd name="connsiteX23" fmla="*/ 273050 w 559472"/>
+              <a:gd name="connsiteY23" fmla="*/ 1471451 h 3709642"/>
+              <a:gd name="connsiteX24" fmla="*/ 255813 w 559472"/>
+              <a:gd name="connsiteY24" fmla="*/ 1350328 h 3709642"/>
+              <a:gd name="connsiteX25" fmla="*/ 237060 w 559472"/>
+              <a:gd name="connsiteY25" fmla="*/ 1227080 h 3709642"/>
+              <a:gd name="connsiteX26" fmla="*/ 218488 w 559472"/>
+              <a:gd name="connsiteY26" fmla="*/ 1106065 h 3709642"/>
+              <a:gd name="connsiteX27" fmla="*/ 198221 w 559472"/>
+              <a:gd name="connsiteY27" fmla="*/ 982940 h 3709642"/>
+              <a:gd name="connsiteX28" fmla="*/ 177152 w 559472"/>
+              <a:gd name="connsiteY28" fmla="*/ 858755 h 3709642"/>
+              <a:gd name="connsiteX29" fmla="*/ 155551 w 559472"/>
+              <a:gd name="connsiteY29" fmla="*/ 736861 h 3709642"/>
+              <a:gd name="connsiteX30" fmla="*/ 131782 w 559472"/>
+              <a:gd name="connsiteY30" fmla="*/ 613645 h 3709642"/>
+              <a:gd name="connsiteX31" fmla="*/ 107123 w 559472"/>
+              <a:gd name="connsiteY31" fmla="*/ 490500 h 3709642"/>
+              <a:gd name="connsiteX32" fmla="*/ 82552 w 559472"/>
+              <a:gd name="connsiteY32" fmla="*/ 367348 h 3709642"/>
+              <a:gd name="connsiteX33" fmla="*/ 55608 w 559472"/>
+              <a:gd name="connsiteY33" fmla="*/ 244762 h 3709642"/>
+              <a:gd name="connsiteX34" fmla="*/ 28130 w 559472"/>
+              <a:gd name="connsiteY34" fmla="*/ 122220 h 3709642"/>
+              <a:gd name="connsiteX35" fmla="*/ 0 w 559472"/>
+              <a:gd name="connsiteY35" fmla="*/ 0 h 3709642"/>
+            </a:gdLst>
+            <a:ahLst/>
+            <a:cxnLst>
+              <a:cxn ang="0">
+                <a:pos x="connsiteX0" y="connsiteY0"/>
+              </a:cxn>
+              <a:cxn ang="0">
+                <a:pos x="connsiteX1" y="connsiteY1"/>
+              </a:cxn>
+              <a:cxn ang="0">
+                <a:pos x="connsiteX2" y="connsiteY2"/>
+              </a:cxn>
+              <a:cxn ang="0">
+                <a:pos x="connsiteX3" y="connsiteY3"/>
+              </a:cxn>
+              <a:cxn ang="0">
+                <a:pos x="connsiteX4" y="connsiteY4"/>
+              </a:cxn>
+              <a:cxn ang="0">
+                <a:pos x="connsiteX5" y="connsiteY5"/>
+              </a:cxn>
+              <a:cxn ang="0">
+                <a:pos x="connsiteX6" y="connsiteY6"/>
+              </a:cxn>
+              <a:cxn ang="0">
+                <a:pos x="connsiteX7" y="connsiteY7"/>
+              </a:cxn>
+              <a:cxn ang="0">
+                <a:pos x="connsiteX8" y="connsiteY8"/>
+              </a:cxn>
+              <a:cxn ang="0">
+                <a:pos x="connsiteX9" y="connsiteY9"/>
+              </a:cxn>
+              <a:cxn ang="0">
+                <a:pos x="connsiteX10" y="connsiteY10"/>
+              </a:cxn>
+              <a:cxn ang="0">
+                <a:pos x="connsiteX11" y="connsiteY11"/>
+              </a:cxn>
+              <a:cxn ang="0">
+                <a:pos x="connsiteX12" y="connsiteY12"/>
+              </a:cxn>
+              <a:cxn ang="0">
+                <a:pos x="connsiteX13" y="connsiteY13"/>
+              </a:cxn>
+              <a:cxn ang="0">
+                <a:pos x="connsiteX14" y="connsiteY14"/>
+              </a:cxn>
+              <a:cxn ang="0">
+                <a:pos x="connsiteX15" y="connsiteY15"/>
+              </a:cxn>
+              <a:cxn ang="0">
+                <a:pos x="connsiteX16" y="connsiteY16"/>
+              </a:cxn>
+              <a:cxn ang="0">
+                <a:pos x="connsiteX17" y="connsiteY17"/>
+              </a:cxn>
+              <a:cxn ang="0">
+                <a:pos x="connsiteX18" y="connsiteY18"/>
+              </a:cxn>
+              <a:cxn ang="0">
+                <a:pos x="connsiteX19" y="connsiteY19"/>
+              </a:cxn>
+              <a:cxn ang="0">
+                <a:pos x="connsiteX20" y="connsiteY20"/>
+              </a:cxn>
+              <a:cxn ang="0">
+                <a:pos x="connsiteX21" y="connsiteY21"/>
+              </a:cxn>
+              <a:cxn ang="0">
+                <a:pos x="connsiteX22" y="connsiteY22"/>
+              </a:cxn>
+              <a:cxn ang="0">
+                <a:pos x="connsiteX23" y="connsiteY23"/>
+              </a:cxn>
+              <a:cxn ang="0">
+                <a:pos x="connsiteX24" y="connsiteY24"/>
+              </a:cxn>
+              <a:cxn ang="0">
+                <a:pos x="connsiteX25" y="connsiteY25"/>
+              </a:cxn>
+              <a:cxn ang="0">
+                <a:pos x="connsiteX26" y="connsiteY26"/>
+              </a:cxn>
+              <a:cxn ang="0">
+                <a:pos x="connsiteX27" y="connsiteY27"/>
+              </a:cxn>
+              <a:cxn ang="0">
+                <a:pos x="connsiteX28" y="connsiteY28"/>
+              </a:cxn>
+              <a:cxn ang="0">
+                <a:pos x="connsiteX29" y="connsiteY29"/>
+              </a:cxn>
+              <a:cxn ang="0">
+                <a:pos x="connsiteX30" y="connsiteY30"/>
+              </a:cxn>
+              <a:cxn ang="0">
+                <a:pos x="connsiteX31" y="connsiteY31"/>
+              </a:cxn>
+              <a:cxn ang="0">
+                <a:pos x="connsiteX32" y="connsiteY32"/>
+              </a:cxn>
+              <a:cxn ang="0">
+                <a:pos x="connsiteX33" y="connsiteY33"/>
+              </a:cxn>
+              <a:cxn ang="0">
+                <a:pos x="connsiteX34" y="connsiteY34"/>
+              </a:cxn>
+              <a:cxn ang="0">
+                <a:pos x="connsiteX35" y="connsiteY35"/>
+              </a:cxn>
+            </a:cxnLst>
+            <a:rect l="l" t="t" r="r" b="b"/>
+            <a:pathLst>
+              <a:path w="559472" h="3709642">
+                <a:moveTo>
+                  <a:pt x="0" y="0"/>
+                </a:moveTo>
+                <a:lnTo>
+                  <a:pt x="473952" y="0"/>
+                </a:lnTo>
+                <a:lnTo>
+                  <a:pt x="485840" y="161194"/>
+                </a:lnTo>
+                <a:cubicBezTo>
+                  <a:pt x="552063" y="1147770"/>
+                  <a:pt x="592441" y="3086737"/>
+                  <a:pt x="523949" y="3672197"/>
+                </a:cubicBezTo>
+                <a:cubicBezTo>
+                  <a:pt x="500842" y="3684557"/>
+                  <a:pt x="477855" y="3697282"/>
+                  <a:pt x="454748" y="3709642"/>
+                </a:cubicBezTo>
+                <a:lnTo>
+                  <a:pt x="448224" y="3510471"/>
+                </a:lnTo>
+                <a:lnTo>
+                  <a:pt x="443564" y="3408563"/>
+                </a:lnTo>
+                <a:lnTo>
+                  <a:pt x="438902" y="3304407"/>
+                </a:lnTo>
+                <a:lnTo>
+                  <a:pt x="433941" y="3198777"/>
+                </a:lnTo>
+                <a:lnTo>
+                  <a:pt x="427584" y="3092510"/>
+                </a:lnTo>
+                <a:lnTo>
+                  <a:pt x="420988" y="2984390"/>
+                </a:lnTo>
+                <a:lnTo>
+                  <a:pt x="414330" y="2874401"/>
+                </a:lnTo>
+                <a:lnTo>
+                  <a:pt x="406840" y="2762980"/>
+                </a:lnTo>
+                <a:lnTo>
+                  <a:pt x="397745" y="2650566"/>
+                </a:lnTo>
+                <a:lnTo>
+                  <a:pt x="389154" y="2536612"/>
+                </a:lnTo>
+                <a:lnTo>
+                  <a:pt x="379225" y="2421642"/>
+                </a:lnTo>
+                <a:lnTo>
+                  <a:pt x="368316" y="2305627"/>
+                </a:lnTo>
+                <a:lnTo>
+                  <a:pt x="357466" y="2189233"/>
+                </a:lnTo>
+                <a:lnTo>
+                  <a:pt x="344982" y="2071473"/>
+                </a:lnTo>
+                <a:lnTo>
+                  <a:pt x="332466" y="1952216"/>
+                </a:lnTo>
+                <a:lnTo>
+                  <a:pt x="319121" y="1833776"/>
+                </a:lnTo>
+                <a:lnTo>
+                  <a:pt x="304408" y="1713948"/>
+                </a:lnTo>
+                <a:lnTo>
+                  <a:pt x="288685" y="1592703"/>
+                </a:lnTo>
+                <a:lnTo>
+                  <a:pt x="273050" y="1471451"/>
+                </a:lnTo>
+                <a:lnTo>
+                  <a:pt x="255813" y="1350328"/>
+                </a:lnTo>
+                <a:lnTo>
+                  <a:pt x="237060" y="1227080"/>
+                </a:lnTo>
+                <a:lnTo>
+                  <a:pt x="218488" y="1106065"/>
+                </a:lnTo>
+                <a:lnTo>
+                  <a:pt x="198221" y="982940"/>
+                </a:lnTo>
+                <a:lnTo>
+                  <a:pt x="177152" y="858755"/>
+                </a:lnTo>
+                <a:lnTo>
+                  <a:pt x="155551" y="736861"/>
+                </a:lnTo>
+                <a:lnTo>
+                  <a:pt x="131782" y="613645"/>
+                </a:lnTo>
+                <a:lnTo>
+                  <a:pt x="107123" y="490500"/>
+                </a:lnTo>
+                <a:lnTo>
+                  <a:pt x="82552" y="367348"/>
+                </a:lnTo>
+                <a:lnTo>
+                  <a:pt x="55608" y="244762"/>
+                </a:lnTo>
+                <a:lnTo>
+                  <a:pt x="28130" y="122220"/>
+                </a:lnTo>
+                <a:lnTo>
+                  <a:pt x="0" y="0"/>
+                </a:lnTo>
+                <a:close/>
+              </a:path>
+            </a:pathLst>
+          </a:custGeom>
+          <a:solidFill>
+            <a:schemeClr val="bg2">
+              <a:lumMod val="60000"/>
+              <a:lumOff val="40000"/>
+              <a:alpha val="20000"/>
+            </a:schemeClr>
+          </a:solidFill>
+          <a:ln>
+            <a:noFill/>
+          </a:ln>
+        </p:spPr>
+        <p:txBody>
+          <a:bodyPr rtlCol="0" anchor="ctr"/>
+          <a:lstStyle/>
+          <a:p>
+            <a:pPr algn="ctr"/>
+            <a:endParaRPr lang="en-US"/>
+          </a:p>
+        </p:txBody>
+      </p:sp>
+      <p:sp useBgFill="1">
+        <p:nvSpPr>
+          <p:cNvPr id="26" name="Freeform: Shape 25">
+            <a:extLst>
+              <a:ext uri="{FF2B5EF4-FFF2-40B4-BE49-F238E27FC236}">
+                <a16:creationId xmlns:a16="http://schemas.microsoft.com/office/drawing/2014/main" id="{78C6C821-FEE1-4EB6-9590-C021440C77DE}"/>
+              </a:ext>
+              <a:ext uri="{C183D7F6-B498-43B3-948B-1728B52AA6E4}">
+                <adec:decorative xmlns:adec="http://schemas.microsoft.com/office/drawing/2017/decorative" val="1"/>
+              </a:ext>
+            </a:extLst>
+          </p:cNvPr>
+          <p:cNvSpPr>
+            <a:spLocks noGrp="1" noRot="1" noChangeAspect="1" noMove="1" noResize="1" noEditPoints="1" noAdjustHandles="1" noChangeArrowheads="1" noChangeShapeType="1" noTextEdit="1"/>
+          </p:cNvSpPr>
+          <p:nvPr>
+            <p:extLst>
+              <p:ext uri="{386F3935-93C4-4BCD-93E2-E3B085C9AB24}">
+                <p16:designElem xmlns:p16="http://schemas.microsoft.com/office/powerpoint/2015/main" val="1"/>
+              </p:ext>
+            </p:extLst>
+          </p:nvPr>
+        </p:nvSpPr>
+        <p:spPr>
+          <a:xfrm>
+            <a:off x="-3175" y="0"/>
+            <a:ext cx="9700459" cy="6858001"/>
+          </a:xfrm>
+          <a:custGeom>
+            <a:avLst/>
+            <a:gdLst>
+              <a:gd name="connsiteX0" fmla="*/ 0 w 9700459"/>
+              <a:gd name="connsiteY0" fmla="*/ 0 h 6858001"/>
+              <a:gd name="connsiteX1" fmla="*/ 1323975 w 9700459"/>
+              <a:gd name="connsiteY1" fmla="*/ 0 h 6858001"/>
+              <a:gd name="connsiteX2" fmla="*/ 1517015 w 9700459"/>
+              <a:gd name="connsiteY2" fmla="*/ 0 h 6858001"/>
+              <a:gd name="connsiteX3" fmla="*/ 3241265 w 9700459"/>
+              <a:gd name="connsiteY3" fmla="*/ 0 h 6858001"/>
+              <a:gd name="connsiteX4" fmla="*/ 3241265 w 9700459"/>
+              <a:gd name="connsiteY4" fmla="*/ 1 h 6858001"/>
+              <a:gd name="connsiteX5" fmla="*/ 8355744 w 9700459"/>
+              <a:gd name="connsiteY5" fmla="*/ 1 h 6858001"/>
+              <a:gd name="connsiteX6" fmla="*/ 8355744 w 9700459"/>
+              <a:gd name="connsiteY6" fmla="*/ 0 h 6858001"/>
+              <a:gd name="connsiteX7" fmla="*/ 9699282 w 9700459"/>
+              <a:gd name="connsiteY7" fmla="*/ 0 h 6858001"/>
+              <a:gd name="connsiteX8" fmla="*/ 9674237 w 9700459"/>
+              <a:gd name="connsiteY8" fmla="*/ 155677 h 6858001"/>
+              <a:gd name="connsiteX9" fmla="*/ 9650368 w 9700459"/>
+              <a:gd name="connsiteY9" fmla="*/ 310668 h 6858001"/>
+              <a:gd name="connsiteX10" fmla="*/ 9627004 w 9700459"/>
+              <a:gd name="connsiteY10" fmla="*/ 466344 h 6858001"/>
+              <a:gd name="connsiteX11" fmla="*/ 9607001 w 9700459"/>
+              <a:gd name="connsiteY11" fmla="*/ 622707 h 6858001"/>
+              <a:gd name="connsiteX12" fmla="*/ 9586830 w 9700459"/>
+              <a:gd name="connsiteY12" fmla="*/ 778383 h 6858001"/>
+              <a:gd name="connsiteX13" fmla="*/ 9568004 w 9700459"/>
+              <a:gd name="connsiteY13" fmla="*/ 934746 h 6858001"/>
+              <a:gd name="connsiteX14" fmla="*/ 9551868 w 9700459"/>
+              <a:gd name="connsiteY14" fmla="*/ 1089051 h 6858001"/>
+              <a:gd name="connsiteX15" fmla="*/ 9536572 w 9700459"/>
+              <a:gd name="connsiteY15" fmla="*/ 1245413 h 6858001"/>
+              <a:gd name="connsiteX16" fmla="*/ 9522620 w 9700459"/>
+              <a:gd name="connsiteY16" fmla="*/ 1401090 h 6858001"/>
+              <a:gd name="connsiteX17" fmla="*/ 9510518 w 9700459"/>
+              <a:gd name="connsiteY17" fmla="*/ 1554023 h 6858001"/>
+              <a:gd name="connsiteX18" fmla="*/ 9498415 w 9700459"/>
+              <a:gd name="connsiteY18" fmla="*/ 1709014 h 6858001"/>
+              <a:gd name="connsiteX19" fmla="*/ 9488330 w 9700459"/>
+              <a:gd name="connsiteY19" fmla="*/ 1861947 h 6858001"/>
+              <a:gd name="connsiteX20" fmla="*/ 9480430 w 9700459"/>
+              <a:gd name="connsiteY20" fmla="*/ 2014881 h 6858001"/>
+              <a:gd name="connsiteX21" fmla="*/ 9472193 w 9700459"/>
+              <a:gd name="connsiteY21" fmla="*/ 2167128 h 6858001"/>
+              <a:gd name="connsiteX22" fmla="*/ 9465302 w 9700459"/>
+              <a:gd name="connsiteY22" fmla="*/ 2318004 h 6858001"/>
+              <a:gd name="connsiteX23" fmla="*/ 9460427 w 9700459"/>
+              <a:gd name="connsiteY23" fmla="*/ 2467509 h 6858001"/>
+              <a:gd name="connsiteX24" fmla="*/ 9456225 w 9700459"/>
+              <a:gd name="connsiteY24" fmla="*/ 2617013 h 6858001"/>
+              <a:gd name="connsiteX25" fmla="*/ 9452191 w 9700459"/>
+              <a:gd name="connsiteY25" fmla="*/ 2765146 h 6858001"/>
+              <a:gd name="connsiteX26" fmla="*/ 9450342 w 9700459"/>
+              <a:gd name="connsiteY26" fmla="*/ 2911221 h 6858001"/>
+              <a:gd name="connsiteX27" fmla="*/ 9448325 w 9700459"/>
+              <a:gd name="connsiteY27" fmla="*/ 3057297 h 6858001"/>
+              <a:gd name="connsiteX28" fmla="*/ 9447316 w 9700459"/>
+              <a:gd name="connsiteY28" fmla="*/ 3201315 h 6858001"/>
+              <a:gd name="connsiteX29" fmla="*/ 9448325 w 9700459"/>
+              <a:gd name="connsiteY29" fmla="*/ 3343961 h 6858001"/>
+              <a:gd name="connsiteX30" fmla="*/ 9448325 w 9700459"/>
+              <a:gd name="connsiteY30" fmla="*/ 3485236 h 6858001"/>
+              <a:gd name="connsiteX31" fmla="*/ 9450342 w 9700459"/>
+              <a:gd name="connsiteY31" fmla="*/ 3625139 h 6858001"/>
+              <a:gd name="connsiteX32" fmla="*/ 9453367 w 9700459"/>
+              <a:gd name="connsiteY32" fmla="*/ 3762299 h 6858001"/>
+              <a:gd name="connsiteX33" fmla="*/ 9456225 w 9700459"/>
+              <a:gd name="connsiteY33" fmla="*/ 3898087 h 6858001"/>
+              <a:gd name="connsiteX34" fmla="*/ 9459419 w 9700459"/>
+              <a:gd name="connsiteY34" fmla="*/ 4031133 h 6858001"/>
+              <a:gd name="connsiteX35" fmla="*/ 9464293 w 9700459"/>
+              <a:gd name="connsiteY35" fmla="*/ 4163492 h 6858001"/>
+              <a:gd name="connsiteX36" fmla="*/ 9469504 w 9700459"/>
+              <a:gd name="connsiteY36" fmla="*/ 4293793 h 6858001"/>
+              <a:gd name="connsiteX37" fmla="*/ 9474210 w 9700459"/>
+              <a:gd name="connsiteY37" fmla="*/ 4421352 h 6858001"/>
+              <a:gd name="connsiteX38" fmla="*/ 9487490 w 9700459"/>
+              <a:gd name="connsiteY38" fmla="*/ 4670298 h 6858001"/>
+              <a:gd name="connsiteX39" fmla="*/ 9501609 w 9700459"/>
+              <a:gd name="connsiteY39" fmla="*/ 4908956 h 6858001"/>
+              <a:gd name="connsiteX40" fmla="*/ 9516401 w 9700459"/>
+              <a:gd name="connsiteY40" fmla="*/ 5138013 h 6858001"/>
+              <a:gd name="connsiteX41" fmla="*/ 9532706 w 9700459"/>
+              <a:gd name="connsiteY41" fmla="*/ 5354726 h 6858001"/>
+              <a:gd name="connsiteX42" fmla="*/ 9549683 w 9700459"/>
+              <a:gd name="connsiteY42" fmla="*/ 5561838 h 6858001"/>
+              <a:gd name="connsiteX43" fmla="*/ 9568004 w 9700459"/>
+              <a:gd name="connsiteY43" fmla="*/ 5753862 h 6858001"/>
+              <a:gd name="connsiteX44" fmla="*/ 9585990 w 9700459"/>
+              <a:gd name="connsiteY44" fmla="*/ 5934227 h 6858001"/>
+              <a:gd name="connsiteX45" fmla="*/ 9603975 w 9700459"/>
+              <a:gd name="connsiteY45" fmla="*/ 6100191 h 6858001"/>
+              <a:gd name="connsiteX46" fmla="*/ 9620952 w 9700459"/>
+              <a:gd name="connsiteY46" fmla="*/ 6252438 h 6858001"/>
+              <a:gd name="connsiteX47" fmla="*/ 9637089 w 9700459"/>
+              <a:gd name="connsiteY47" fmla="*/ 6387541 h 6858001"/>
+              <a:gd name="connsiteX48" fmla="*/ 9652385 w 9700459"/>
+              <a:gd name="connsiteY48" fmla="*/ 6509613 h 6858001"/>
+              <a:gd name="connsiteX49" fmla="*/ 9665160 w 9700459"/>
+              <a:gd name="connsiteY49" fmla="*/ 6612483 h 6858001"/>
+              <a:gd name="connsiteX50" fmla="*/ 9677262 w 9700459"/>
+              <a:gd name="connsiteY50" fmla="*/ 6698894 h 6858001"/>
+              <a:gd name="connsiteX51" fmla="*/ 9694576 w 9700459"/>
+              <a:gd name="connsiteY51" fmla="*/ 6817538 h 6858001"/>
+              <a:gd name="connsiteX52" fmla="*/ 9700459 w 9700459"/>
+              <a:gd name="connsiteY52" fmla="*/ 6858000 h 6858001"/>
+              <a:gd name="connsiteX53" fmla="*/ 8795105 w 9700459"/>
+              <a:gd name="connsiteY53" fmla="*/ 6858000 h 6858001"/>
+              <a:gd name="connsiteX54" fmla="*/ 8795105 w 9700459"/>
+              <a:gd name="connsiteY54" fmla="*/ 6858001 h 6858001"/>
+              <a:gd name="connsiteX55" fmla="*/ 2704541 w 9700459"/>
+              <a:gd name="connsiteY55" fmla="*/ 6858001 h 6858001"/>
+              <a:gd name="connsiteX56" fmla="*/ 2704541 w 9700459"/>
+              <a:gd name="connsiteY56" fmla="*/ 6858000 h 6858001"/>
+              <a:gd name="connsiteX57" fmla="*/ 1517015 w 9700459"/>
+              <a:gd name="connsiteY57" fmla="*/ 6858000 h 6858001"/>
+              <a:gd name="connsiteX58" fmla="*/ 1323975 w 9700459"/>
+              <a:gd name="connsiteY58" fmla="*/ 6858000 h 6858001"/>
+              <a:gd name="connsiteX59" fmla="*/ 0 w 9700459"/>
+              <a:gd name="connsiteY59" fmla="*/ 6858000 h 6858001"/>
+            </a:gdLst>
+            <a:ahLst/>
+            <a:cxnLst>
+              <a:cxn ang="0">
+                <a:pos x="connsiteX0" y="connsiteY0"/>
+              </a:cxn>
+              <a:cxn ang="0">
+                <a:pos x="connsiteX1" y="connsiteY1"/>
+              </a:cxn>
+              <a:cxn ang="0">
+                <a:pos x="connsiteX2" y="connsiteY2"/>
+              </a:cxn>
+              <a:cxn ang="0">
+                <a:pos x="connsiteX3" y="connsiteY3"/>
+              </a:cxn>
+              <a:cxn ang="0">
+                <a:pos x="connsiteX4" y="connsiteY4"/>
+              </a:cxn>
+              <a:cxn ang="0">
+                <a:pos x="connsiteX5" y="connsiteY5"/>
+              </a:cxn>
+              <a:cxn ang="0">
+                <a:pos x="connsiteX6" y="connsiteY6"/>
+              </a:cxn>
+              <a:cxn ang="0">
+                <a:pos x="connsiteX7" y="connsiteY7"/>
+              </a:cxn>
+              <a:cxn ang="0">
+                <a:pos x="connsiteX8" y="connsiteY8"/>
+              </a:cxn>
+              <a:cxn ang="0">
+                <a:pos x="connsiteX9" y="connsiteY9"/>
+              </a:cxn>
+              <a:cxn ang="0">
+                <a:pos x="connsiteX10" y="connsiteY10"/>
+              </a:cxn>
+              <a:cxn ang="0">
+                <a:pos x="connsiteX11" y="connsiteY11"/>
+              </a:cxn>
+              <a:cxn ang="0">
+                <a:pos x="connsiteX12" y="connsiteY12"/>
+              </a:cxn>
+              <a:cxn ang="0">
+                <a:pos x="connsiteX13" y="connsiteY13"/>
+              </a:cxn>
+              <a:cxn ang="0">
+                <a:pos x="connsiteX14" y="connsiteY14"/>
+              </a:cxn>
+              <a:cxn ang="0">
+                <a:pos x="connsiteX15" y="connsiteY15"/>
+              </a:cxn>
+              <a:cxn ang="0">
+                <a:pos x="connsiteX16" y="connsiteY16"/>
+              </a:cxn>
+              <a:cxn ang="0">
+                <a:pos x="connsiteX17" y="connsiteY17"/>
+              </a:cxn>
+              <a:cxn ang="0">
+                <a:pos x="connsiteX18" y="connsiteY18"/>
+              </a:cxn>
+              <a:cxn ang="0">
+                <a:pos x="connsiteX19" y="connsiteY19"/>
+              </a:cxn>
+              <a:cxn ang="0">
+                <a:pos x="connsiteX20" y="connsiteY20"/>
+              </a:cxn>
+              <a:cxn ang="0">
+                <a:pos x="connsiteX21" y="connsiteY21"/>
+              </a:cxn>
+              <a:cxn ang="0">
+                <a:pos x="connsiteX22" y="connsiteY22"/>
+              </a:cxn>
+              <a:cxn ang="0">
+                <a:pos x="connsiteX23" y="connsiteY23"/>
+              </a:cxn>
+              <a:cxn ang="0">
+                <a:pos x="connsiteX24" y="connsiteY24"/>
+              </a:cxn>
+              <a:cxn ang="0">
+                <a:pos x="connsiteX25" y="connsiteY25"/>
+              </a:cxn>
+              <a:cxn ang="0">
+                <a:pos x="connsiteX26" y="connsiteY26"/>
+              </a:cxn>
+              <a:cxn ang="0">
+                <a:pos x="connsiteX27" y="connsiteY27"/>
+              </a:cxn>
+              <a:cxn ang="0">
+                <a:pos x="connsiteX28" y="connsiteY28"/>
+              </a:cxn>
+              <a:cxn ang="0">
+                <a:pos x="connsiteX29" y="connsiteY29"/>
+              </a:cxn>
+              <a:cxn ang="0">
+                <a:pos x="connsiteX30" y="connsiteY30"/>
+              </a:cxn>
+              <a:cxn ang="0">
+                <a:pos x="connsiteX31" y="connsiteY31"/>
+              </a:cxn>
+              <a:cxn ang="0">
+                <a:pos x="connsiteX32" y="connsiteY32"/>
+              </a:cxn>
+              <a:cxn ang="0">
+                <a:pos x="connsiteX33" y="connsiteY33"/>
+              </a:cxn>
+              <a:cxn ang="0">
+                <a:pos x="connsiteX34" y="connsiteY34"/>
+              </a:cxn>
+              <a:cxn ang="0">
+                <a:pos x="connsiteX35" y="connsiteY35"/>
+              </a:cxn>
+              <a:cxn ang="0">
+                <a:pos x="connsiteX36" y="connsiteY36"/>
+              </a:cxn>
+              <a:cxn ang="0">
+                <a:pos x="connsiteX37" y="connsiteY37"/>
+              </a:cxn>
+              <a:cxn ang="0">
+                <a:pos x="connsiteX38" y="connsiteY38"/>
+              </a:cxn>
+              <a:cxn ang="0">
+                <a:pos x="connsiteX39" y="connsiteY39"/>
+              </a:cxn>
+              <a:cxn ang="0">
+                <a:pos x="connsiteX40" y="connsiteY40"/>
+              </a:cxn>
+              <a:cxn ang="0">
+                <a:pos x="connsiteX41" y="connsiteY41"/>
+              </a:cxn>
+              <a:cxn ang="0">
+                <a:pos x="connsiteX42" y="connsiteY42"/>
+              </a:cxn>
+              <a:cxn ang="0">
+                <a:pos x="connsiteX43" y="connsiteY43"/>
+              </a:cxn>
+              <a:cxn ang="0">
+                <a:pos x="connsiteX44" y="connsiteY44"/>
+              </a:cxn>
+              <a:cxn ang="0">
+                <a:pos x="connsiteX45" y="connsiteY45"/>
+              </a:cxn>
+              <a:cxn ang="0">
+                <a:pos x="connsiteX46" y="connsiteY46"/>
+              </a:cxn>
+              <a:cxn ang="0">
+                <a:pos x="connsiteX47" y="connsiteY47"/>
+              </a:cxn>
+              <a:cxn ang="0">
+                <a:pos x="connsiteX48" y="connsiteY48"/>
+              </a:cxn>
+              <a:cxn ang="0">
+                <a:pos x="connsiteX49" y="connsiteY49"/>
+              </a:cxn>
+              <a:cxn ang="0">
+                <a:pos x="connsiteX50" y="connsiteY50"/>
+              </a:cxn>
+              <a:cxn ang="0">
+                <a:pos x="connsiteX51" y="connsiteY51"/>
+              </a:cxn>
+              <a:cxn ang="0">
+                <a:pos x="connsiteX52" y="connsiteY52"/>
+              </a:cxn>
+              <a:cxn ang="0">
+                <a:pos x="connsiteX53" y="connsiteY53"/>
+              </a:cxn>
+              <a:cxn ang="0">
+                <a:pos x="connsiteX54" y="connsiteY54"/>
+              </a:cxn>
+              <a:cxn ang="0">
+                <a:pos x="connsiteX55" y="connsiteY55"/>
+              </a:cxn>
+              <a:cxn ang="0">
+                <a:pos x="connsiteX56" y="connsiteY56"/>
+              </a:cxn>
+              <a:cxn ang="0">
+                <a:pos x="connsiteX57" y="connsiteY57"/>
+              </a:cxn>
+              <a:cxn ang="0">
+                <a:pos x="connsiteX58" y="connsiteY58"/>
+              </a:cxn>
+              <a:cxn ang="0">
+                <a:pos x="connsiteX59" y="connsiteY59"/>
+              </a:cxn>
+            </a:cxnLst>
+            <a:rect l="l" t="t" r="r" b="b"/>
+            <a:pathLst>
+              <a:path w="9700459" h="6858001">
+                <a:moveTo>
+                  <a:pt x="0" y="0"/>
+                </a:moveTo>
+                <a:lnTo>
+                  <a:pt x="1323975" y="0"/>
+                </a:lnTo>
+                <a:lnTo>
+                  <a:pt x="1517015" y="0"/>
+                </a:lnTo>
+                <a:lnTo>
+                  <a:pt x="3241265" y="0"/>
+                </a:lnTo>
+                <a:lnTo>
+                  <a:pt x="3241265" y="1"/>
+                </a:lnTo>
+                <a:lnTo>
+                  <a:pt x="8355744" y="1"/>
+                </a:lnTo>
+                <a:lnTo>
+                  <a:pt x="8355744" y="0"/>
+                </a:lnTo>
+                <a:lnTo>
+                  <a:pt x="9699282" y="0"/>
+                </a:lnTo>
+                <a:lnTo>
+                  <a:pt x="9674237" y="155677"/>
+                </a:lnTo>
+                <a:lnTo>
+                  <a:pt x="9650368" y="310668"/>
+                </a:lnTo>
+                <a:lnTo>
+                  <a:pt x="9627004" y="466344"/>
+                </a:lnTo>
+                <a:lnTo>
+                  <a:pt x="9607001" y="622707"/>
+                </a:lnTo>
+                <a:lnTo>
+                  <a:pt x="9586830" y="778383"/>
+                </a:lnTo>
+                <a:lnTo>
+                  <a:pt x="9568004" y="934746"/>
+                </a:lnTo>
+                <a:lnTo>
+                  <a:pt x="9551868" y="1089051"/>
+                </a:lnTo>
+                <a:lnTo>
+                  <a:pt x="9536572" y="1245413"/>
+                </a:lnTo>
+                <a:lnTo>
+                  <a:pt x="9522620" y="1401090"/>
+                </a:lnTo>
+                <a:lnTo>
+                  <a:pt x="9510518" y="1554023"/>
+                </a:lnTo>
+                <a:lnTo>
+                  <a:pt x="9498415" y="1709014"/>
+                </a:lnTo>
+                <a:lnTo>
+                  <a:pt x="9488330" y="1861947"/>
+                </a:lnTo>
+                <a:lnTo>
+                  <a:pt x="9480430" y="2014881"/>
+                </a:lnTo>
+                <a:lnTo>
+                  <a:pt x="9472193" y="2167128"/>
+                </a:lnTo>
+                <a:lnTo>
+                  <a:pt x="9465302" y="2318004"/>
+                </a:lnTo>
+                <a:lnTo>
+                  <a:pt x="9460427" y="2467509"/>
+                </a:lnTo>
+                <a:lnTo>
+                  <a:pt x="9456225" y="2617013"/>
+                </a:lnTo>
+                <a:lnTo>
+                  <a:pt x="9452191" y="2765146"/>
+                </a:lnTo>
+                <a:lnTo>
+                  <a:pt x="9450342" y="2911221"/>
+                </a:lnTo>
+                <a:lnTo>
+                  <a:pt x="9448325" y="3057297"/>
+                </a:lnTo>
+                <a:lnTo>
+                  <a:pt x="9447316" y="3201315"/>
+                </a:lnTo>
+                <a:lnTo>
+                  <a:pt x="9448325" y="3343961"/>
+                </a:lnTo>
+                <a:lnTo>
+                  <a:pt x="9448325" y="3485236"/>
+                </a:lnTo>
+                <a:lnTo>
+                  <a:pt x="9450342" y="3625139"/>
+                </a:lnTo>
+                <a:lnTo>
+                  <a:pt x="9453367" y="3762299"/>
+                </a:lnTo>
+                <a:lnTo>
+                  <a:pt x="9456225" y="3898087"/>
+                </a:lnTo>
+                <a:lnTo>
+                  <a:pt x="9459419" y="4031133"/>
+                </a:lnTo>
+                <a:lnTo>
+                  <a:pt x="9464293" y="4163492"/>
+                </a:lnTo>
+                <a:lnTo>
+                  <a:pt x="9469504" y="4293793"/>
+                </a:lnTo>
+                <a:lnTo>
+                  <a:pt x="9474210" y="4421352"/>
+                </a:lnTo>
+                <a:lnTo>
+                  <a:pt x="9487490" y="4670298"/>
+                </a:lnTo>
+                <a:lnTo>
+                  <a:pt x="9501609" y="4908956"/>
+                </a:lnTo>
+                <a:lnTo>
+                  <a:pt x="9516401" y="5138013"/>
+                </a:lnTo>
+                <a:lnTo>
+                  <a:pt x="9532706" y="5354726"/>
+                </a:lnTo>
+                <a:lnTo>
+                  <a:pt x="9549683" y="5561838"/>
+                </a:lnTo>
+                <a:lnTo>
+                  <a:pt x="9568004" y="5753862"/>
+                </a:lnTo>
+                <a:lnTo>
+                  <a:pt x="9585990" y="5934227"/>
+                </a:lnTo>
+                <a:lnTo>
+                  <a:pt x="9603975" y="6100191"/>
+                </a:lnTo>
+                <a:lnTo>
+                  <a:pt x="9620952" y="6252438"/>
+                </a:lnTo>
+                <a:lnTo>
+                  <a:pt x="9637089" y="6387541"/>
+                </a:lnTo>
+                <a:lnTo>
+                  <a:pt x="9652385" y="6509613"/>
+                </a:lnTo>
+                <a:lnTo>
+                  <a:pt x="9665160" y="6612483"/>
+                </a:lnTo>
+                <a:lnTo>
+                  <a:pt x="9677262" y="6698894"/>
+                </a:lnTo>
+                <a:lnTo>
+                  <a:pt x="9694576" y="6817538"/>
+                </a:lnTo>
+                <a:lnTo>
+                  <a:pt x="9700459" y="6858000"/>
+                </a:lnTo>
+                <a:lnTo>
+                  <a:pt x="8795105" y="6858000"/>
+                </a:lnTo>
+                <a:lnTo>
+                  <a:pt x="8795105" y="6858001"/>
+                </a:lnTo>
+                <a:lnTo>
+                  <a:pt x="2704541" y="6858001"/>
+                </a:lnTo>
+                <a:lnTo>
+                  <a:pt x="2704541" y="6858000"/>
+                </a:lnTo>
+                <a:lnTo>
+                  <a:pt x="1517015" y="6858000"/>
+                </a:lnTo>
+                <a:lnTo>
+                  <a:pt x="1323975" y="6858000"/>
+                </a:lnTo>
+                <a:lnTo>
+                  <a:pt x="0" y="6858000"/>
+                </a:lnTo>
+                <a:close/>
+              </a:path>
+            </a:pathLst>
+          </a:custGeom>
+          <a:ln>
+            <a:noFill/>
+          </a:ln>
+        </p:spPr>
+        <p:txBody>
+          <a:bodyPr rot="0" spcFirstLastPara="0" vertOverflow="overflow" horzOverflow="overflow" vert="horz" wrap="square" lIns="91440" tIns="45720" rIns="91440" bIns="45720" numCol="1" spcCol="0" rtlCol="0" fromWordArt="0" anchor="ctr" anchorCtr="0" forceAA="0" compatLnSpc="1">
+            <a:prstTxWarp prst="textNoShape">
+              <a:avLst/>
+            </a:prstTxWarp>
+            <a:noAutofit/>
+          </a:bodyPr>
+          <a:lstStyle/>
+          <a:p>
+            <a:pPr algn="ctr"/>
+            <a:endParaRPr lang="en-US">
+              <a:solidFill>
+                <a:schemeClr val="tx1"/>
+              </a:solidFill>
+            </a:endParaRPr>
+          </a:p>
+        </p:txBody>
+      </p:sp>
+      <p:sp>
+        <p:nvSpPr>
+          <p:cNvPr id="2" name="Título 1">
+            <a:extLst>
+              <a:ext uri="{FF2B5EF4-FFF2-40B4-BE49-F238E27FC236}">
+                <a16:creationId xmlns:a16="http://schemas.microsoft.com/office/drawing/2014/main" id="{0F39DD4F-BB62-8F0D-E6D5-CFFBD13A4423}"/>
+              </a:ext>
+            </a:extLst>
+          </p:cNvPr>
+          <p:cNvSpPr>
+            <a:spLocks noGrp="1"/>
+          </p:cNvSpPr>
+          <p:nvPr>
+            <p:ph type="title"/>
+          </p:nvPr>
+        </p:nvSpPr>
+        <p:spPr>
+          <a:xfrm>
+            <a:off x="1154955" y="1447800"/>
+            <a:ext cx="6974915" cy="3329581"/>
+          </a:xfrm>
+        </p:spPr>
+        <p:txBody>
+          <a:bodyPr vert="horz" lIns="91440" tIns="45720" rIns="91440" bIns="45720" rtlCol="0" anchor="b">
+            <a:normAutofit/>
+          </a:bodyPr>
+          <a:lstStyle/>
+          <a:p>
+            <a:r>
+              <a:rPr lang="en-US" sz="7200" b="0" i="0" kern="1200" dirty="0">
+                <a:solidFill>
+                  <a:schemeClr val="tx2"/>
+                </a:solidFill>
+                <a:latin typeface="+mj-lt"/>
+                <a:ea typeface="+mj-ea"/>
+                <a:cs typeface="+mj-cs"/>
+              </a:rPr>
+              <a:t> </a:t>
+            </a:r>
+          </a:p>
+        </p:txBody>
+      </p:sp>
+      <p:sp>
+        <p:nvSpPr>
+          <p:cNvPr id="28" name="Rectangle 27">
+            <a:extLst>
+              <a:ext uri="{FF2B5EF4-FFF2-40B4-BE49-F238E27FC236}">
+                <a16:creationId xmlns:a16="http://schemas.microsoft.com/office/drawing/2014/main" id="{B61A74B3-E247-44D4-8C48-FAE8E2056401}"/>
+              </a:ext>
+              <a:ext uri="{C183D7F6-B498-43B3-948B-1728B52AA6E4}">
+                <adec:decorative xmlns:adec="http://schemas.microsoft.com/office/drawing/2017/decorative" val="1"/>
+              </a:ext>
+            </a:extLst>
+          </p:cNvPr>
+          <p:cNvSpPr>
+            <a:spLocks noGrp="1" noRot="1" noChangeAspect="1" noMove="1" noResize="1" noEditPoints="1" noAdjustHandles="1" noChangeArrowheads="1" noChangeShapeType="1" noTextEdit="1"/>
+          </p:cNvSpPr>
+          <p:nvPr>
+            <p:extLst>
+              <p:ext uri="{386F3935-93C4-4BCD-93E2-E3B085C9AB24}">
+                <p16:designElem xmlns:p16="http://schemas.microsoft.com/office/powerpoint/2015/main" val="1"/>
+              </p:ext>
+            </p:extLst>
+          </p:nvPr>
+        </p:nvSpPr>
+        <p:spPr>
+          <a:xfrm>
+            <a:off x="10437812" y="0"/>
+            <a:ext cx="685800" cy="1143000"/>
+          </a:xfrm>
+          <a:prstGeom prst="rect">
+            <a:avLst/>
+          </a:prstGeom>
+          <a:solidFill>
+            <a:schemeClr val="accent1"/>
+          </a:solidFill>
+          <a:ln>
+            <a:noFill/>
+          </a:ln>
+        </p:spPr>
+        <p:style>
+          <a:lnRef idx="1">
+            <a:schemeClr val="accent1"/>
+          </a:lnRef>
+          <a:fillRef idx="3">
+            <a:schemeClr val="accent1"/>
+          </a:fillRef>
+          <a:effectRef idx="2">
+            <a:schemeClr val="accent1"/>
+          </a:effectRef>
+          <a:fontRef idx="minor">
+            <a:schemeClr val="lt1"/>
+          </a:fontRef>
+        </p:style>
+        <p:txBody>
+          <a:bodyPr/>
+          <a:lstStyle/>
+          <a:p>
+            <a:endParaRPr lang="es-BO"/>
+          </a:p>
+        </p:txBody>
+      </p:sp>
+      <p:sp>
+        <p:nvSpPr>
+          <p:cNvPr id="5" name="CuadroTexto 4">
+            <a:extLst>
+              <a:ext uri="{FF2B5EF4-FFF2-40B4-BE49-F238E27FC236}">
+                <a16:creationId xmlns:a16="http://schemas.microsoft.com/office/drawing/2014/main" id="{2BAADFEF-AF8B-807E-7AA6-1036E2587576}"/>
+              </a:ext>
+            </a:extLst>
+          </p:cNvPr>
+          <p:cNvSpPr txBox="1"/>
+          <p:nvPr/>
+        </p:nvSpPr>
+        <p:spPr>
+          <a:xfrm>
+            <a:off x="127322" y="300941"/>
+            <a:ext cx="9223688" cy="5816977"/>
+          </a:xfrm>
+          <a:prstGeom prst="rect">
+            <a:avLst/>
+          </a:prstGeom>
+          <a:noFill/>
+        </p:spPr>
+        <p:txBody>
+          <a:bodyPr wrap="square">
+            <a:spAutoFit/>
+          </a:bodyPr>
+          <a:lstStyle/>
+          <a:p>
+            <a:pPr algn="just" rtl="0" fontAlgn="base">
+              <a:spcAft>
+                <a:spcPts val="600"/>
+              </a:spcAft>
+            </a:pPr>
+            <a:r>
+              <a:rPr lang="es-BO" b="0" i="0" dirty="0">
+                <a:solidFill>
+                  <a:srgbClr val="000000"/>
+                </a:solidFill>
+                <a:effectLst/>
+                <a:latin typeface="Calibri" panose="020F0502020204030204" pitchFamily="34" charset="0"/>
+              </a:rPr>
+              <a:t>Escenario 1: Un usuario quiere consultar su saldo en ambas monedas.</a:t>
+            </a:r>
+            <a:r>
+              <a:rPr lang="en-US" b="0" i="0" dirty="0">
+                <a:solidFill>
+                  <a:srgbClr val="000000"/>
+                </a:solidFill>
+                <a:effectLst/>
+                <a:latin typeface="Calibri" panose="020F0502020204030204" pitchFamily="34" charset="0"/>
+              </a:rPr>
+              <a:t> </a:t>
+            </a:r>
+            <a:endParaRPr lang="en-US" b="0" i="0" dirty="0">
+              <a:solidFill>
+                <a:srgbClr val="000000"/>
+              </a:solidFill>
+              <a:effectLst/>
+              <a:latin typeface="Segoe UI" panose="020B0502040204020203" pitchFamily="34" charset="0"/>
+            </a:endParaRPr>
+          </a:p>
+          <a:p>
+            <a:pPr algn="just" rtl="0" fontAlgn="base">
+              <a:spcAft>
+                <a:spcPts val="600"/>
+              </a:spcAft>
+            </a:pPr>
+            <a:r>
+              <a:rPr lang="es-BO" b="0" i="0" dirty="0">
+                <a:solidFill>
+                  <a:srgbClr val="000000"/>
+                </a:solidFill>
+                <a:effectLst/>
+                <a:latin typeface="Calibri" panose="020F0502020204030204" pitchFamily="34" charset="0"/>
+              </a:rPr>
+              <a:t>Justificación: este escenario muestra una de las funcionalidades básicas del sistema, que es permitir a los usuarios ver el saldo de sus cuentas en moneda local y extranjera.</a:t>
+            </a:r>
+            <a:r>
+              <a:rPr lang="en-US" b="0" i="0" dirty="0">
+                <a:solidFill>
+                  <a:srgbClr val="000000"/>
+                </a:solidFill>
+                <a:effectLst/>
+                <a:latin typeface="Calibri" panose="020F0502020204030204" pitchFamily="34" charset="0"/>
+              </a:rPr>
+              <a:t> </a:t>
+            </a:r>
+            <a:endParaRPr lang="en-US" b="0" i="0" dirty="0">
+              <a:solidFill>
+                <a:srgbClr val="000000"/>
+              </a:solidFill>
+              <a:effectLst/>
+              <a:latin typeface="Segoe UI" panose="020B0502040204020203" pitchFamily="34" charset="0"/>
+            </a:endParaRPr>
+          </a:p>
+          <a:p>
+            <a:pPr algn="just" rtl="0" fontAlgn="base">
+              <a:spcAft>
+                <a:spcPts val="600"/>
+              </a:spcAft>
+            </a:pPr>
+            <a:r>
+              <a:rPr lang="es-BO" b="0" i="0" dirty="0">
+                <a:solidFill>
+                  <a:srgbClr val="000000"/>
+                </a:solidFill>
+                <a:effectLst/>
+                <a:latin typeface="Calibri" panose="020F0502020204030204" pitchFamily="34" charset="0"/>
+              </a:rPr>
+              <a:t>Atributos de calidad: usabilidad, rendimiento, seguridad.</a:t>
+            </a:r>
+            <a:r>
+              <a:rPr lang="en-US" b="0" i="0" dirty="0">
+                <a:solidFill>
+                  <a:srgbClr val="000000"/>
+                </a:solidFill>
+                <a:effectLst/>
+                <a:latin typeface="Calibri" panose="020F0502020204030204" pitchFamily="34" charset="0"/>
+              </a:rPr>
+              <a:t> </a:t>
+            </a:r>
+            <a:endParaRPr lang="en-US" b="0" i="0" dirty="0">
+              <a:solidFill>
+                <a:srgbClr val="000000"/>
+              </a:solidFill>
+              <a:effectLst/>
+              <a:latin typeface="Segoe UI" panose="020B0502040204020203" pitchFamily="34" charset="0"/>
+            </a:endParaRPr>
+          </a:p>
+          <a:p>
+            <a:pPr algn="just" rtl="0" fontAlgn="base">
+              <a:spcAft>
+                <a:spcPts val="600"/>
+              </a:spcAft>
+            </a:pPr>
+            <a:r>
+              <a:rPr lang="es-BO" b="0" i="0" dirty="0">
+                <a:solidFill>
+                  <a:srgbClr val="000000"/>
+                </a:solidFill>
+                <a:effectLst/>
+                <a:latin typeface="Calibri" panose="020F0502020204030204" pitchFamily="34" charset="0"/>
+              </a:rPr>
+              <a:t>Estímulos: el usuario inserta su tarjeta y digita su PIN en el cajero automático, luego selecciona la opción de consulta de saldo en el menú principal.</a:t>
+            </a:r>
+            <a:r>
+              <a:rPr lang="en-US" b="0" i="0" dirty="0">
+                <a:solidFill>
+                  <a:srgbClr val="000000"/>
+                </a:solidFill>
+                <a:effectLst/>
+                <a:latin typeface="Calibri" panose="020F0502020204030204" pitchFamily="34" charset="0"/>
+              </a:rPr>
+              <a:t> </a:t>
+            </a:r>
+            <a:endParaRPr lang="en-US" b="0" i="0" dirty="0">
+              <a:solidFill>
+                <a:srgbClr val="000000"/>
+              </a:solidFill>
+              <a:effectLst/>
+              <a:latin typeface="Segoe UI" panose="020B0502040204020203" pitchFamily="34" charset="0"/>
+            </a:endParaRPr>
+          </a:p>
+          <a:p>
+            <a:pPr algn="just" rtl="0" fontAlgn="base">
+              <a:spcAft>
+                <a:spcPts val="600"/>
+              </a:spcAft>
+            </a:pPr>
+            <a:r>
+              <a:rPr lang="es-BO" b="0" i="0" dirty="0">
+                <a:solidFill>
+                  <a:srgbClr val="000000"/>
+                </a:solidFill>
+                <a:effectLst/>
+                <a:latin typeface="Calibri" panose="020F0502020204030204" pitchFamily="34" charset="0"/>
+              </a:rPr>
+              <a:t>Respuesta: el sistema valida la tarjeta y el PIN del usuario, luego accede a la base de datos y muestra el saldo de las cuentas del usuario en moneda local y extranjera en la pantalla del cajero automático.</a:t>
+            </a:r>
+            <a:r>
+              <a:rPr lang="en-US" b="0" i="0" dirty="0">
+                <a:solidFill>
+                  <a:srgbClr val="000000"/>
+                </a:solidFill>
+                <a:effectLst/>
+                <a:latin typeface="Calibri" panose="020F0502020204030204" pitchFamily="34" charset="0"/>
+              </a:rPr>
+              <a:t> </a:t>
+            </a:r>
+            <a:endParaRPr lang="en-US" b="0" i="0" dirty="0">
+              <a:solidFill>
+                <a:srgbClr val="000000"/>
+              </a:solidFill>
+              <a:effectLst/>
+              <a:latin typeface="Segoe UI" panose="020B0502040204020203" pitchFamily="34" charset="0"/>
+            </a:endParaRPr>
+          </a:p>
+          <a:p>
+            <a:pPr algn="just" rtl="0" fontAlgn="base">
+              <a:spcAft>
+                <a:spcPts val="600"/>
+              </a:spcAft>
+            </a:pPr>
+            <a:r>
+              <a:rPr lang="es-BO" b="0" i="0" dirty="0">
+                <a:solidFill>
+                  <a:srgbClr val="000000"/>
+                </a:solidFill>
+                <a:effectLst/>
+                <a:latin typeface="Calibri" panose="020F0502020204030204" pitchFamily="34" charset="0"/>
+              </a:rPr>
+              <a:t>Decisiones de arquitectura: se utiliza un microservicio de autenticación que se encarga de validar la identidad de los usuarios mediante el uso de una tarjeta y un PIN. Se utiliza un microservicio de consulta que se encarga de acceder a la base de datos y mostrar el saldo de las cuentas de los usuarios. Se utiliza un protocolo de comunicación seguro entre los microservicios y la base de datos. Se utiliza una interfaz de usuario sencilla e intuitiva que permite al usuario seleccionar la opción de consulta de saldo fácilmente.</a:t>
+            </a:r>
+            <a:r>
+              <a:rPr lang="en-US" b="0" i="0" dirty="0">
+                <a:solidFill>
+                  <a:srgbClr val="000000"/>
+                </a:solidFill>
+                <a:effectLst/>
+                <a:latin typeface="Calibri" panose="020F0502020204030204" pitchFamily="34" charset="0"/>
+              </a:rPr>
+              <a:t> </a:t>
+            </a:r>
+            <a:endParaRPr lang="en-US" b="0" i="0" dirty="0">
+              <a:solidFill>
+                <a:srgbClr val="000000"/>
+              </a:solidFill>
+              <a:effectLst/>
+              <a:latin typeface="Segoe UI" panose="020B0502040204020203" pitchFamily="34" charset="0"/>
+            </a:endParaRPr>
+          </a:p>
+          <a:p>
+            <a:pPr algn="just" rtl="0" fontAlgn="base">
+              <a:spcAft>
+                <a:spcPts val="600"/>
+              </a:spcAft>
+            </a:pPr>
+            <a:r>
+              <a:rPr lang="es-BO" b="0" i="0" dirty="0">
+                <a:solidFill>
+                  <a:srgbClr val="000000"/>
+                </a:solidFill>
+                <a:effectLst/>
+                <a:latin typeface="Calibri" panose="020F0502020204030204" pitchFamily="34" charset="0"/>
+              </a:rPr>
+              <a:t>Medición: se mide el tiempo de respuesta del sistema desde que el usuario selecciona la opción de consulta de saldo hasta que se muestra el saldo en la pantalla. Se mide el nivel de satisfacción del usuario con la interfaz de usuario y la información mostrada. Se mide el nivel de seguridad del sistema frente a posibles ataques o fraudes.</a:t>
+            </a:r>
+            <a:r>
+              <a:rPr lang="en-US" b="0" i="0" dirty="0">
+                <a:solidFill>
+                  <a:srgbClr val="000000"/>
+                </a:solidFill>
+                <a:effectLst/>
+                <a:latin typeface="Calibri" panose="020F0502020204030204" pitchFamily="34" charset="0"/>
+              </a:rPr>
+              <a:t> </a:t>
+            </a:r>
+            <a:endParaRPr lang="en-US" b="0" i="0" dirty="0">
+              <a:solidFill>
+                <a:srgbClr val="000000"/>
+              </a:solidFill>
+              <a:effectLst/>
+              <a:latin typeface="Segoe UI" panose="020B0502040204020203" pitchFamily="34" charset="0"/>
+            </a:endParaRPr>
+          </a:p>
+        </p:txBody>
+      </p:sp>
+    </p:spTree>
+    <p:extLst>
+      <p:ext uri="{BB962C8B-B14F-4D97-AF65-F5344CB8AC3E}">
+        <p14:creationId xmlns:p14="http://schemas.microsoft.com/office/powerpoint/2010/main" val="2213676287"/>
+      </p:ext>
+    </p:extLst>
+  </p:cSld>
+  <p:clrMapOvr>
+    <a:overrideClrMapping bg1="lt1" tx1="dk1" bg2="lt2" tx2="dk2" accent1="accent1" accent2="accent2" accent3="accent3" accent4="accent4" accent5="accent5" accent6="accent6" hlink="hlink" folHlink="folHlink"/>
+  </p:clrMapOvr>
+</p:sld>
+</file>
+
+<file path=ppt/slides/slide13.xml><?xml version="1.0" encoding="utf-8"?>
+<p:sld xmlns:a="http://schemas.openxmlformats.org/drawingml/2006/main" xmlns:r="http://schemas.openxmlformats.org/officeDocument/2006/relationships" xmlns:p="http://schemas.openxmlformats.org/presentationml/2006/main" show="0">
+  <p:cSld>
+    <p:bg>
+      <p:bgPr>
+        <a:gradFill rotWithShape="1">
+          <a:gsLst>
+            <a:gs pos="0">
+              <a:schemeClr val="bg2">
+                <a:tint val="97000"/>
+                <a:hueMod val="88000"/>
+                <a:satMod val="130000"/>
+                <a:lumMod val="124000"/>
+              </a:schemeClr>
+            </a:gs>
+            <a:gs pos="100000">
+              <a:schemeClr val="bg2">
+                <a:tint val="96000"/>
+                <a:shade val="88000"/>
+                <a:hueMod val="108000"/>
+                <a:satMod val="164000"/>
+                <a:lumMod val="76000"/>
+              </a:schemeClr>
+            </a:gs>
+          </a:gsLst>
+          <a:path path="circle">
+            <a:fillToRect l="45000" t="65000" r="125000" b="100000"/>
+          </a:path>
+        </a:gradFill>
+        <a:effectLst/>
+      </p:bgPr>
+    </p:bg>
+    <p:spTree>
+      <p:nvGrpSpPr>
+        <p:cNvPr id="1" name=""/>
+        <p:cNvGrpSpPr/>
+        <p:nvPr/>
+      </p:nvGrpSpPr>
+      <p:grpSpPr>
+        <a:xfrm>
+          <a:off x="0" y="0"/>
+          <a:ext cx="0" cy="0"/>
+          <a:chOff x="0" y="0"/>
+          <a:chExt cx="0" cy="0"/>
+        </a:xfrm>
+      </p:grpSpPr>
+      <p:sp>
+        <p:nvSpPr>
+          <p:cNvPr id="2" name="Título 1">
+            <a:extLst>
+              <a:ext uri="{FF2B5EF4-FFF2-40B4-BE49-F238E27FC236}">
+                <a16:creationId xmlns:a16="http://schemas.microsoft.com/office/drawing/2014/main" id="{0F39DD4F-BB62-8F0D-E6D5-CFFBD13A4423}"/>
+              </a:ext>
+            </a:extLst>
+          </p:cNvPr>
+          <p:cNvSpPr>
+            <a:spLocks noGrp="1"/>
+          </p:cNvSpPr>
+          <p:nvPr>
+            <p:ph type="title"/>
+          </p:nvPr>
+        </p:nvSpPr>
+        <p:spPr>
+          <a:xfrm>
+            <a:off x="1154955" y="1447800"/>
+            <a:ext cx="6974915" cy="3329581"/>
+          </a:xfrm>
+        </p:spPr>
+        <p:txBody>
+          <a:bodyPr vert="horz" lIns="91440" tIns="45720" rIns="91440" bIns="45720" rtlCol="0" anchor="b">
+            <a:normAutofit/>
+          </a:bodyPr>
+          <a:lstStyle/>
+          <a:p>
+            <a:r>
+              <a:rPr lang="en-US" sz="7200" b="0" i="0" kern="1200" dirty="0">
+                <a:solidFill>
+                  <a:schemeClr val="tx2"/>
+                </a:solidFill>
+                <a:latin typeface="+mj-lt"/>
+                <a:ea typeface="+mj-ea"/>
+                <a:cs typeface="+mj-cs"/>
+              </a:rPr>
+              <a:t> </a:t>
+            </a:r>
+          </a:p>
+        </p:txBody>
+      </p:sp>
+      <p:sp>
+        <p:nvSpPr>
+          <p:cNvPr id="5" name="CuadroTexto 4">
+            <a:extLst>
+              <a:ext uri="{FF2B5EF4-FFF2-40B4-BE49-F238E27FC236}">
+                <a16:creationId xmlns:a16="http://schemas.microsoft.com/office/drawing/2014/main" id="{2BAADFEF-AF8B-807E-7AA6-1036E2587576}"/>
+              </a:ext>
+            </a:extLst>
+          </p:cNvPr>
+          <p:cNvSpPr txBox="1"/>
+          <p:nvPr/>
+        </p:nvSpPr>
+        <p:spPr>
+          <a:xfrm>
+            <a:off x="127321" y="300942"/>
+            <a:ext cx="10220445" cy="6463308"/>
+          </a:xfrm>
+          <a:prstGeom prst="rect">
+            <a:avLst/>
+          </a:prstGeom>
+          <a:noFill/>
+        </p:spPr>
+        <p:txBody>
+          <a:bodyPr wrap="square">
+            <a:spAutoFit/>
+          </a:bodyPr>
+          <a:lstStyle/>
+          <a:p>
+            <a:pPr algn="just" rtl="0" fontAlgn="base"/>
+            <a:r>
+              <a:rPr lang="es-BO" sz="1800" b="0" i="0" dirty="0">
+                <a:solidFill>
+                  <a:srgbClr val="000000"/>
+                </a:solidFill>
+                <a:effectLst/>
+                <a:latin typeface="Calibri" panose="020F0502020204030204" pitchFamily="34" charset="0"/>
+              </a:rPr>
+              <a:t>Escenario 2: Un usuario quiere retirar dinero en moneda extranjera.</a:t>
+            </a:r>
+            <a:r>
+              <a:rPr lang="en-US" sz="1800" b="0" i="0" dirty="0">
+                <a:solidFill>
+                  <a:srgbClr val="000000"/>
+                </a:solidFill>
+                <a:effectLst/>
+                <a:latin typeface="Calibri" panose="020F0502020204030204" pitchFamily="34" charset="0"/>
+              </a:rPr>
+              <a:t> </a:t>
+            </a:r>
+            <a:endParaRPr lang="en-US" b="0" i="0" dirty="0">
+              <a:solidFill>
+                <a:srgbClr val="000000"/>
+              </a:solidFill>
+              <a:effectLst/>
+              <a:latin typeface="Segoe UI" panose="020B0502040204020203" pitchFamily="34" charset="0"/>
+            </a:endParaRPr>
+          </a:p>
+          <a:p>
+            <a:pPr algn="just" rtl="0" fontAlgn="base"/>
+            <a:r>
+              <a:rPr lang="es-BO" sz="1800" b="0" i="0" dirty="0">
+                <a:solidFill>
+                  <a:srgbClr val="000000"/>
+                </a:solidFill>
+                <a:effectLst/>
+                <a:latin typeface="Calibri" panose="020F0502020204030204" pitchFamily="34" charset="0"/>
+              </a:rPr>
+              <a:t>Justificación: este escenario muestra una de las funcionalidades diferenciadoras del sistema, que es permitir a los usuarios retirar dinero en moneda extranjera a una tasa de cambio especificada.</a:t>
+            </a:r>
+            <a:r>
+              <a:rPr lang="en-US" sz="1800" b="0" i="0" dirty="0">
+                <a:solidFill>
+                  <a:srgbClr val="000000"/>
+                </a:solidFill>
+                <a:effectLst/>
+                <a:latin typeface="Calibri" panose="020F0502020204030204" pitchFamily="34" charset="0"/>
+              </a:rPr>
+              <a:t> </a:t>
+            </a:r>
+            <a:endParaRPr lang="en-US" b="0" i="0" dirty="0">
+              <a:solidFill>
+                <a:srgbClr val="000000"/>
+              </a:solidFill>
+              <a:effectLst/>
+              <a:latin typeface="Segoe UI" panose="020B0502040204020203" pitchFamily="34" charset="0"/>
+            </a:endParaRPr>
+          </a:p>
+          <a:p>
+            <a:pPr algn="just" rtl="0" fontAlgn="base"/>
+            <a:r>
+              <a:rPr lang="es-BO" sz="1800" b="0" i="0" dirty="0">
+                <a:solidFill>
+                  <a:srgbClr val="000000"/>
+                </a:solidFill>
+                <a:effectLst/>
+                <a:latin typeface="Calibri" panose="020F0502020204030204" pitchFamily="34" charset="0"/>
+              </a:rPr>
+              <a:t>Atributos de calidad: usabilidad, rendimiento, seguridad, disponibilidad.</a:t>
+            </a:r>
+            <a:r>
+              <a:rPr lang="en-US" sz="1800" b="0" i="0" dirty="0">
+                <a:solidFill>
+                  <a:srgbClr val="000000"/>
+                </a:solidFill>
+                <a:effectLst/>
+                <a:latin typeface="Calibri" panose="020F0502020204030204" pitchFamily="34" charset="0"/>
+              </a:rPr>
+              <a:t> </a:t>
+            </a:r>
+            <a:endParaRPr lang="en-US" b="0" i="0" dirty="0">
+              <a:solidFill>
+                <a:srgbClr val="000000"/>
+              </a:solidFill>
+              <a:effectLst/>
+              <a:latin typeface="Segoe UI" panose="020B0502040204020203" pitchFamily="34" charset="0"/>
+            </a:endParaRPr>
+          </a:p>
+          <a:p>
+            <a:pPr algn="just" rtl="0" fontAlgn="base"/>
+            <a:r>
+              <a:rPr lang="es-BO" sz="1800" b="0" i="0" dirty="0">
+                <a:solidFill>
+                  <a:srgbClr val="000000"/>
+                </a:solidFill>
+                <a:effectLst/>
+                <a:latin typeface="Calibri" panose="020F0502020204030204" pitchFamily="34" charset="0"/>
+              </a:rPr>
+              <a:t>Estímulos: el usuario inserta su tarjeta y digita su PIN en el cajero automático, luego selecciona la opción de retiro en el menú principal, luego selecciona la moneda extranjera y el monto que desea retirar.</a:t>
+            </a:r>
+            <a:r>
+              <a:rPr lang="en-US" sz="1800" b="0" i="0" dirty="0">
+                <a:solidFill>
+                  <a:srgbClr val="000000"/>
+                </a:solidFill>
+                <a:effectLst/>
+                <a:latin typeface="Calibri" panose="020F0502020204030204" pitchFamily="34" charset="0"/>
+              </a:rPr>
+              <a:t> </a:t>
+            </a:r>
+            <a:endParaRPr lang="en-US" b="0" i="0" dirty="0">
+              <a:solidFill>
+                <a:srgbClr val="000000"/>
+              </a:solidFill>
+              <a:effectLst/>
+              <a:latin typeface="Segoe UI" panose="020B0502040204020203" pitchFamily="34" charset="0"/>
+            </a:endParaRPr>
+          </a:p>
+          <a:p>
+            <a:pPr algn="just" rtl="0" fontAlgn="base"/>
+            <a:r>
+              <a:rPr lang="es-BO" sz="1800" b="0" i="0" dirty="0">
+                <a:solidFill>
+                  <a:srgbClr val="000000"/>
+                </a:solidFill>
+                <a:effectLst/>
+                <a:latin typeface="Calibri" panose="020F0502020204030204" pitchFamily="34" charset="0"/>
+              </a:rPr>
+              <a:t>Respuesta: el sistema valida la tarjeta y el PIN del usuario, luego consulta la tasa de cambio vigente y calcula el monto equivalente en moneda local, luego verifica que el usuario tenga saldo suficiente en su cuenta y que el cajero automático tenga efectivo disponible en la moneda extranjera, luego dispensa el dinero al usuario y actualiza el saldo de su cuenta y el inventario del cajero automático, luego emite un recibo al usuario con los detalles de la operación.</a:t>
+            </a:r>
+            <a:r>
+              <a:rPr lang="en-US" sz="1800" b="0" i="0" dirty="0">
+                <a:solidFill>
+                  <a:srgbClr val="000000"/>
+                </a:solidFill>
+                <a:effectLst/>
+                <a:latin typeface="Calibri" panose="020F0502020204030204" pitchFamily="34" charset="0"/>
+              </a:rPr>
+              <a:t> </a:t>
+            </a:r>
+            <a:endParaRPr lang="en-US" b="0" i="0" dirty="0">
+              <a:solidFill>
+                <a:srgbClr val="000000"/>
+              </a:solidFill>
+              <a:effectLst/>
+              <a:latin typeface="Segoe UI" panose="020B0502040204020203" pitchFamily="34" charset="0"/>
+            </a:endParaRPr>
+          </a:p>
+          <a:p>
+            <a:pPr algn="just" rtl="0" fontAlgn="base"/>
+            <a:r>
+              <a:rPr lang="es-BO" sz="1800" b="0" i="0" dirty="0">
+                <a:solidFill>
+                  <a:srgbClr val="000000"/>
+                </a:solidFill>
+                <a:effectLst/>
+                <a:latin typeface="Calibri" panose="020F0502020204030204" pitchFamily="34" charset="0"/>
+              </a:rPr>
+              <a:t>Decisiones de arquitectura: se utiliza un microservicio de autenticación que se encarga de validar la identidad de los usuarios mediante el uso de una tarjeta y un PIN. Se utiliza un microservicio de transacción que se encarga de realizar las operaciones de retiro, depósito y transferencia en moneda local o extranjera. Se utiliza un microservicio de tasas de cambio que se encarga de manejar las tasas de cambio entre las dos monedas y de consultarlas por otros microservicios. Se utiliza un protocolo de comunicación seguro entre los microservicios y la base de datos. Se utiliza una interfaz de usuario sencilla e intuitiva que permite al usuario seleccionar la opción de retiro, la moneda y el monto fácilmente. Se utiliza un mecanismo de reciclaje que permite al cajero automático dispensar y recibir efectivo en ambas monedas.</a:t>
+            </a:r>
+            <a:r>
+              <a:rPr lang="en-US" sz="1800" b="0" i="0" dirty="0">
+                <a:solidFill>
+                  <a:srgbClr val="000000"/>
+                </a:solidFill>
+                <a:effectLst/>
+                <a:latin typeface="Calibri" panose="020F0502020204030204" pitchFamily="34" charset="0"/>
+              </a:rPr>
+              <a:t> </a:t>
+            </a:r>
+            <a:endParaRPr lang="en-US" b="0" i="0" dirty="0">
+              <a:solidFill>
+                <a:srgbClr val="000000"/>
+              </a:solidFill>
+              <a:effectLst/>
+              <a:latin typeface="Segoe UI" panose="020B0502040204020203" pitchFamily="34" charset="0"/>
+            </a:endParaRPr>
+          </a:p>
+          <a:p>
+            <a:pPr algn="just" rtl="0" fontAlgn="base"/>
+            <a:r>
+              <a:rPr lang="es-BO" sz="1800" b="0" i="0" dirty="0">
+                <a:solidFill>
+                  <a:srgbClr val="000000"/>
+                </a:solidFill>
+                <a:effectLst/>
+                <a:latin typeface="Calibri" panose="020F0502020204030204" pitchFamily="34" charset="0"/>
+              </a:rPr>
+              <a:t>Medición: se mide el tiempo de respuesta del sistema desde que el usuario selecciona la opción de retiro hasta que se dispensa el dinero. Se mide el nivel de satisfacción del usuario con la interfaz de usuario, la información mostrada y el recibo emitido. Se mide el nivel de seguridad del sistema frente a posibles ataques o fraudes. Se mide el nivel de disponibilidad del sistema frente a posibles fallas o interrupciones.</a:t>
+            </a:r>
+            <a:r>
+              <a:rPr lang="en-US" sz="1800" b="0" i="0" dirty="0">
+                <a:solidFill>
+                  <a:srgbClr val="000000"/>
+                </a:solidFill>
+                <a:effectLst/>
+                <a:latin typeface="Calibri" panose="020F0502020204030204" pitchFamily="34" charset="0"/>
+              </a:rPr>
+              <a:t> </a:t>
+            </a:r>
+            <a:endParaRPr lang="en-US" b="0" i="0" dirty="0">
+              <a:solidFill>
+                <a:srgbClr val="000000"/>
+              </a:solidFill>
+              <a:effectLst/>
+              <a:latin typeface="Segoe UI" panose="020B0502040204020203" pitchFamily="34" charset="0"/>
+            </a:endParaRPr>
+          </a:p>
+        </p:txBody>
+      </p:sp>
+    </p:spTree>
+    <p:extLst>
+      <p:ext uri="{BB962C8B-B14F-4D97-AF65-F5344CB8AC3E}">
+        <p14:creationId xmlns:p14="http://schemas.microsoft.com/office/powerpoint/2010/main" val="208972397"/>
+      </p:ext>
+    </p:extLst>
+  </p:cSld>
+  <p:clrMapOvr>
+    <a:overrideClrMapping bg1="lt1" tx1="dk1" bg2="lt2" tx2="dk2" accent1="accent1" accent2="accent2" accent3="accent3" accent4="accent4" accent5="accent5" accent6="accent6" hlink="hlink" folHlink="folHlink"/>
+  </p:clrMapOvr>
+</p:sld>
+</file>
+
+<file path=ppt/slides/slide14.xml><?xml version="1.0" encoding="utf-8"?>
+<p:sld xmlns:a="http://schemas.openxmlformats.org/drawingml/2006/main" xmlns:r="http://schemas.openxmlformats.org/officeDocument/2006/relationships" xmlns:p="http://schemas.openxmlformats.org/presentationml/2006/main" show="0">
+  <p:cSld>
+    <p:bg>
+      <p:bgPr>
+        <a:gradFill rotWithShape="1">
+          <a:gsLst>
+            <a:gs pos="0">
+              <a:schemeClr val="bg2">
+                <a:tint val="97000"/>
+                <a:hueMod val="88000"/>
+                <a:satMod val="130000"/>
+                <a:lumMod val="124000"/>
+              </a:schemeClr>
+            </a:gs>
+            <a:gs pos="100000">
+              <a:schemeClr val="bg2">
+                <a:tint val="96000"/>
+                <a:shade val="88000"/>
+                <a:hueMod val="108000"/>
+                <a:satMod val="164000"/>
+                <a:lumMod val="76000"/>
+              </a:schemeClr>
+            </a:gs>
+          </a:gsLst>
+          <a:path path="circle">
+            <a:fillToRect l="45000" t="65000" r="125000" b="100000"/>
+          </a:path>
+        </a:gradFill>
+        <a:effectLst/>
+      </p:bgPr>
+    </p:bg>
+    <p:spTree>
+      <p:nvGrpSpPr>
+        <p:cNvPr id="1" name=""/>
+        <p:cNvGrpSpPr/>
+        <p:nvPr/>
+      </p:nvGrpSpPr>
+      <p:grpSpPr>
+        <a:xfrm>
+          <a:off x="0" y="0"/>
+          <a:ext cx="0" cy="0"/>
+          <a:chOff x="0" y="0"/>
+          <a:chExt cx="0" cy="0"/>
+        </a:xfrm>
+      </p:grpSpPr>
+      <p:sp>
+        <p:nvSpPr>
+          <p:cNvPr id="2" name="Título 1">
+            <a:extLst>
+              <a:ext uri="{FF2B5EF4-FFF2-40B4-BE49-F238E27FC236}">
+                <a16:creationId xmlns:a16="http://schemas.microsoft.com/office/drawing/2014/main" id="{0F39DD4F-BB62-8F0D-E6D5-CFFBD13A4423}"/>
+              </a:ext>
+            </a:extLst>
+          </p:cNvPr>
+          <p:cNvSpPr>
+            <a:spLocks noGrp="1"/>
+          </p:cNvSpPr>
+          <p:nvPr>
+            <p:ph type="title"/>
+          </p:nvPr>
+        </p:nvSpPr>
+        <p:spPr>
+          <a:xfrm>
+            <a:off x="1154955" y="1447800"/>
+            <a:ext cx="6974915" cy="3329581"/>
+          </a:xfrm>
+        </p:spPr>
+        <p:txBody>
+          <a:bodyPr vert="horz" lIns="91440" tIns="45720" rIns="91440" bIns="45720" rtlCol="0" anchor="b">
+            <a:normAutofit/>
+          </a:bodyPr>
+          <a:lstStyle/>
+          <a:p>
+            <a:r>
+              <a:rPr lang="en-US" sz="7200" b="0" i="0" kern="1200" dirty="0">
+                <a:solidFill>
+                  <a:schemeClr val="tx2"/>
+                </a:solidFill>
+                <a:latin typeface="+mj-lt"/>
+                <a:ea typeface="+mj-ea"/>
+                <a:cs typeface="+mj-cs"/>
+              </a:rPr>
+              <a:t> </a:t>
+            </a:r>
+          </a:p>
+        </p:txBody>
+      </p:sp>
+      <p:sp>
+        <p:nvSpPr>
+          <p:cNvPr id="4" name="CuadroTexto 3">
+            <a:extLst>
+              <a:ext uri="{FF2B5EF4-FFF2-40B4-BE49-F238E27FC236}">
+                <a16:creationId xmlns:a16="http://schemas.microsoft.com/office/drawing/2014/main" id="{6B2AE631-0197-0B78-66C2-508E64AD60C9}"/>
+              </a:ext>
+            </a:extLst>
+          </p:cNvPr>
+          <p:cNvSpPr txBox="1"/>
+          <p:nvPr/>
+        </p:nvSpPr>
+        <p:spPr>
+          <a:xfrm>
+            <a:off x="115747" y="150470"/>
+            <a:ext cx="10313043" cy="6463308"/>
+          </a:xfrm>
+          <a:prstGeom prst="rect">
+            <a:avLst/>
+          </a:prstGeom>
+          <a:noFill/>
+        </p:spPr>
+        <p:txBody>
+          <a:bodyPr wrap="square">
+            <a:spAutoFit/>
+          </a:bodyPr>
+          <a:lstStyle/>
+          <a:p>
+            <a:pPr algn="just" rtl="0" fontAlgn="base"/>
+            <a:r>
+              <a:rPr lang="es-BO" sz="1800" b="0" i="0" dirty="0">
+                <a:solidFill>
+                  <a:srgbClr val="000000"/>
+                </a:solidFill>
+                <a:effectLst/>
+                <a:latin typeface="Calibri" panose="020F0502020204030204" pitchFamily="34" charset="0"/>
+              </a:rPr>
+              <a:t>Escenario 3: Un usuario quiere depositar dinero en moneda local.</a:t>
+            </a:r>
+            <a:r>
+              <a:rPr lang="en-US" sz="1800" b="0" i="0" dirty="0">
+                <a:solidFill>
+                  <a:srgbClr val="000000"/>
+                </a:solidFill>
+                <a:effectLst/>
+                <a:latin typeface="Calibri" panose="020F0502020204030204" pitchFamily="34" charset="0"/>
+              </a:rPr>
+              <a:t> </a:t>
+            </a:r>
+            <a:endParaRPr lang="en-US" b="0" i="0" dirty="0">
+              <a:solidFill>
+                <a:srgbClr val="000000"/>
+              </a:solidFill>
+              <a:effectLst/>
+              <a:latin typeface="Segoe UI" panose="020B0502040204020203" pitchFamily="34" charset="0"/>
+            </a:endParaRPr>
+          </a:p>
+          <a:p>
+            <a:pPr algn="just" rtl="0" fontAlgn="base"/>
+            <a:r>
+              <a:rPr lang="es-BO" sz="1800" b="0" i="0" dirty="0">
+                <a:solidFill>
+                  <a:srgbClr val="000000"/>
+                </a:solidFill>
+                <a:effectLst/>
+                <a:latin typeface="Calibri" panose="020F0502020204030204" pitchFamily="34" charset="0"/>
+              </a:rPr>
+              <a:t>Justificación: este escenario muestra una de las funcionalidades básicas del sistema, que es permitir a los usuarios depositar dinero en moneda local en sus cuentas.</a:t>
+            </a:r>
+            <a:r>
+              <a:rPr lang="en-US" sz="1800" b="0" i="0" dirty="0">
+                <a:solidFill>
+                  <a:srgbClr val="000000"/>
+                </a:solidFill>
+                <a:effectLst/>
+                <a:latin typeface="Calibri" panose="020F0502020204030204" pitchFamily="34" charset="0"/>
+              </a:rPr>
+              <a:t> </a:t>
+            </a:r>
+            <a:endParaRPr lang="en-US" b="0" i="0" dirty="0">
+              <a:solidFill>
+                <a:srgbClr val="000000"/>
+              </a:solidFill>
+              <a:effectLst/>
+              <a:latin typeface="Segoe UI" panose="020B0502040204020203" pitchFamily="34" charset="0"/>
+            </a:endParaRPr>
+          </a:p>
+          <a:p>
+            <a:pPr algn="just" rtl="0" fontAlgn="base"/>
+            <a:r>
+              <a:rPr lang="es-BO" sz="1800" b="0" i="0" dirty="0">
+                <a:solidFill>
+                  <a:srgbClr val="000000"/>
+                </a:solidFill>
+                <a:effectLst/>
+                <a:latin typeface="Calibri" panose="020F0502020204030204" pitchFamily="34" charset="0"/>
+              </a:rPr>
+              <a:t>Atributos de calidad: usabilidad, rendimiento, seguridad, disponibilidad.</a:t>
+            </a:r>
+            <a:r>
+              <a:rPr lang="en-US" sz="1800" b="0" i="0" dirty="0">
+                <a:solidFill>
+                  <a:srgbClr val="000000"/>
+                </a:solidFill>
+                <a:effectLst/>
+                <a:latin typeface="Calibri" panose="020F0502020204030204" pitchFamily="34" charset="0"/>
+              </a:rPr>
+              <a:t> </a:t>
+            </a:r>
+            <a:endParaRPr lang="en-US" b="0" i="0" dirty="0">
+              <a:solidFill>
+                <a:srgbClr val="000000"/>
+              </a:solidFill>
+              <a:effectLst/>
+              <a:latin typeface="Segoe UI" panose="020B0502040204020203" pitchFamily="34" charset="0"/>
+            </a:endParaRPr>
+          </a:p>
+          <a:p>
+            <a:pPr algn="just" rtl="0" fontAlgn="base"/>
+            <a:r>
+              <a:rPr lang="es-BO" sz="1800" b="0" i="0" dirty="0">
+                <a:solidFill>
+                  <a:srgbClr val="000000"/>
+                </a:solidFill>
+                <a:effectLst/>
+                <a:latin typeface="Calibri" panose="020F0502020204030204" pitchFamily="34" charset="0"/>
+              </a:rPr>
+              <a:t>Estímulos: el usuario inserta su tarjeta y digita su PIN en el cajero automático, luego selecciona la opción de depósito en el menú principal, luego selecciona la cuenta donde desea depositar el dinero, luego ingresa el dinero en el cajero automático.</a:t>
+            </a:r>
+            <a:r>
+              <a:rPr lang="en-US" sz="1800" b="0" i="0" dirty="0">
+                <a:solidFill>
+                  <a:srgbClr val="000000"/>
+                </a:solidFill>
+                <a:effectLst/>
+                <a:latin typeface="Calibri" panose="020F0502020204030204" pitchFamily="34" charset="0"/>
+              </a:rPr>
+              <a:t> </a:t>
+            </a:r>
+            <a:endParaRPr lang="en-US" b="0" i="0" dirty="0">
+              <a:solidFill>
+                <a:srgbClr val="000000"/>
+              </a:solidFill>
+              <a:effectLst/>
+              <a:latin typeface="Segoe UI" panose="020B0502040204020203" pitchFamily="34" charset="0"/>
+            </a:endParaRPr>
+          </a:p>
+          <a:p>
+            <a:pPr algn="just" rtl="0" fontAlgn="base"/>
+            <a:r>
+              <a:rPr lang="es-BO" sz="1800" b="0" i="0" dirty="0">
+                <a:solidFill>
+                  <a:srgbClr val="000000"/>
+                </a:solidFill>
+                <a:effectLst/>
+                <a:latin typeface="Calibri" panose="020F0502020204030204" pitchFamily="34" charset="0"/>
+              </a:rPr>
+              <a:t>Respuesta: el sistema valida la tarjeta y el PIN del usuario, luego verifica que la cuenta seleccionada sea válida y que el dinero ingresado sea auténtico y de la moneda local, luego acredita el dinero en la cuenta del usuario y actualiza el saldo de su cuenta y el inventario del cajero automático, luego emite un recibo al usuario con los detalles de la operación.</a:t>
+            </a:r>
+            <a:r>
+              <a:rPr lang="en-US" sz="1800" b="0" i="0" dirty="0">
+                <a:solidFill>
+                  <a:srgbClr val="000000"/>
+                </a:solidFill>
+                <a:effectLst/>
+                <a:latin typeface="Calibri" panose="020F0502020204030204" pitchFamily="34" charset="0"/>
+              </a:rPr>
+              <a:t> </a:t>
+            </a:r>
+            <a:endParaRPr lang="en-US" b="0" i="0" dirty="0">
+              <a:solidFill>
+                <a:srgbClr val="000000"/>
+              </a:solidFill>
+              <a:effectLst/>
+              <a:latin typeface="Segoe UI" panose="020B0502040204020203" pitchFamily="34" charset="0"/>
+            </a:endParaRPr>
+          </a:p>
+          <a:p>
+            <a:pPr algn="just" rtl="0" fontAlgn="base"/>
+            <a:r>
+              <a:rPr lang="es-BO" sz="1800" b="0" i="0" dirty="0">
+                <a:solidFill>
+                  <a:srgbClr val="000000"/>
+                </a:solidFill>
+                <a:effectLst/>
+                <a:latin typeface="Calibri" panose="020F0502020204030204" pitchFamily="34" charset="0"/>
+              </a:rPr>
+              <a:t>Decisiones de arquitectura: se utiliza un microservicio de autenticación que se encarga de validar la identidad de los usuarios mediante el uso de una tarjeta y un PIN. Se utiliza un microservicio de transacción que se encarga de realizar las operaciones de retiro, depósito y transferencia en moneda local o extranjera. Se utiliza un protocolo de comunicación seguro entre los microservicios y la base de datos. Se utiliza una interfaz de usuario sencilla e intuitiva que permite al usuario seleccionar la opción de depósito, la cuenta y el monto fácilmente. Se utiliza un mecanismo de reciclaje que permite al cajero automático dispensar y recibir efectivo en ambas monedas. Se utiliza un mecanismo de detección de billetes falsos que rechaza el dinero que no sea auténtico o de la moneda local.</a:t>
+            </a:r>
+            <a:r>
+              <a:rPr lang="en-US" sz="1800" b="0" i="0" dirty="0">
+                <a:solidFill>
+                  <a:srgbClr val="000000"/>
+                </a:solidFill>
+                <a:effectLst/>
+                <a:latin typeface="Calibri" panose="020F0502020204030204" pitchFamily="34" charset="0"/>
+              </a:rPr>
+              <a:t> </a:t>
+            </a:r>
+            <a:endParaRPr lang="en-US" b="0" i="0" dirty="0">
+              <a:solidFill>
+                <a:srgbClr val="000000"/>
+              </a:solidFill>
+              <a:effectLst/>
+              <a:latin typeface="Segoe UI" panose="020B0502040204020203" pitchFamily="34" charset="0"/>
+            </a:endParaRPr>
+          </a:p>
+          <a:p>
+            <a:pPr algn="just" rtl="0" fontAlgn="base"/>
+            <a:r>
+              <a:rPr lang="es-BO" sz="1800" b="0" i="0" dirty="0">
+                <a:solidFill>
+                  <a:srgbClr val="000000"/>
+                </a:solidFill>
+                <a:effectLst/>
+                <a:latin typeface="Calibri" panose="020F0502020204030204" pitchFamily="34" charset="0"/>
+              </a:rPr>
+              <a:t>Medición: se mide el tiempo de respuesta del sistema desde que el usuario selecciona la opción de depósito hasta que se acredita el dinero. Se mide el nivel de satisfacción del usuario con la interfaz de usuario, la información mostrada y el recibo emitido. Se mide el nivel de seguridad del sistema frente a posibles ataques o fraudes. Se mide el nivel de disponibilidad del sistema frente a posibles fallas o interrupciones.</a:t>
+            </a:r>
+            <a:r>
+              <a:rPr lang="en-US" sz="1800" b="0" i="0" dirty="0">
+                <a:solidFill>
+                  <a:srgbClr val="000000"/>
+                </a:solidFill>
+                <a:effectLst/>
+                <a:latin typeface="Calibri" panose="020F0502020204030204" pitchFamily="34" charset="0"/>
+              </a:rPr>
+              <a:t> </a:t>
+            </a:r>
+            <a:endParaRPr lang="en-US" b="0" i="0" dirty="0">
+              <a:solidFill>
+                <a:srgbClr val="000000"/>
+              </a:solidFill>
+              <a:effectLst/>
+              <a:latin typeface="Segoe UI" panose="020B0502040204020203" pitchFamily="34" charset="0"/>
+            </a:endParaRPr>
+          </a:p>
+        </p:txBody>
+      </p:sp>
+    </p:spTree>
+    <p:extLst>
+      <p:ext uri="{BB962C8B-B14F-4D97-AF65-F5344CB8AC3E}">
+        <p14:creationId xmlns:p14="http://schemas.microsoft.com/office/powerpoint/2010/main" val="91970578"/>
+      </p:ext>
+    </p:extLst>
+  </p:cSld>
+  <p:clrMapOvr>
+    <a:overrideClrMapping bg1="lt1" tx1="dk1" bg2="lt2" tx2="dk2" accent1="accent1" accent2="accent2" accent3="accent3" accent4="accent4" accent5="accent5" accent6="accent6" hlink="hlink" folHlink="folHlink"/>
+  </p:clrMapOvr>
+</p:sld>
+</file>
+
+<file path=ppt/slides/slide15.xml><?xml version="1.0" encoding="utf-8"?>
+<p:sld xmlns:a="http://schemas.openxmlformats.org/drawingml/2006/main" xmlns:r="http://schemas.openxmlformats.org/officeDocument/2006/relationships" xmlns:p="http://schemas.openxmlformats.org/presentationml/2006/main" show="0">
+  <p:cSld>
+    <p:bg>
+      <p:bgPr>
+        <a:gradFill rotWithShape="1">
+          <a:gsLst>
+            <a:gs pos="0">
+              <a:schemeClr val="bg2">
+                <a:tint val="97000"/>
+                <a:hueMod val="88000"/>
+                <a:satMod val="130000"/>
+                <a:lumMod val="124000"/>
+              </a:schemeClr>
+            </a:gs>
+            <a:gs pos="100000">
+              <a:schemeClr val="bg2">
+                <a:tint val="96000"/>
+                <a:shade val="88000"/>
+                <a:hueMod val="108000"/>
+                <a:satMod val="164000"/>
+                <a:lumMod val="76000"/>
+              </a:schemeClr>
+            </a:gs>
+          </a:gsLst>
+          <a:path path="circle">
+            <a:fillToRect l="45000" t="65000" r="125000" b="100000"/>
+          </a:path>
+        </a:gradFill>
+        <a:effectLst/>
+      </p:bgPr>
+    </p:bg>
+    <p:spTree>
+      <p:nvGrpSpPr>
+        <p:cNvPr id="1" name=""/>
+        <p:cNvGrpSpPr/>
+        <p:nvPr/>
+      </p:nvGrpSpPr>
+      <p:grpSpPr>
+        <a:xfrm>
+          <a:off x="0" y="0"/>
+          <a:ext cx="0" cy="0"/>
+          <a:chOff x="0" y="0"/>
+          <a:chExt cx="0" cy="0"/>
+        </a:xfrm>
+      </p:grpSpPr>
+      <p:sp>
+        <p:nvSpPr>
+          <p:cNvPr id="2" name="Título 1">
+            <a:extLst>
+              <a:ext uri="{FF2B5EF4-FFF2-40B4-BE49-F238E27FC236}">
+                <a16:creationId xmlns:a16="http://schemas.microsoft.com/office/drawing/2014/main" id="{0F39DD4F-BB62-8F0D-E6D5-CFFBD13A4423}"/>
+              </a:ext>
+            </a:extLst>
+          </p:cNvPr>
+          <p:cNvSpPr>
+            <a:spLocks noGrp="1"/>
+          </p:cNvSpPr>
+          <p:nvPr>
+            <p:ph type="title"/>
+          </p:nvPr>
+        </p:nvSpPr>
+        <p:spPr>
+          <a:xfrm>
+            <a:off x="1154955" y="1447800"/>
+            <a:ext cx="6974915" cy="3329581"/>
+          </a:xfrm>
+        </p:spPr>
+        <p:txBody>
+          <a:bodyPr vert="horz" lIns="91440" tIns="45720" rIns="91440" bIns="45720" rtlCol="0" anchor="b">
+            <a:normAutofit/>
+          </a:bodyPr>
+          <a:lstStyle/>
+          <a:p>
+            <a:r>
+              <a:rPr lang="en-US" sz="7200" b="0" i="0" kern="1200" dirty="0">
+                <a:solidFill>
+                  <a:schemeClr val="tx2"/>
+                </a:solidFill>
+                <a:latin typeface="+mj-lt"/>
+                <a:ea typeface="+mj-ea"/>
+                <a:cs typeface="+mj-cs"/>
+              </a:rPr>
+              <a:t> </a:t>
+            </a:r>
+          </a:p>
+        </p:txBody>
+      </p:sp>
+      <p:sp>
+        <p:nvSpPr>
+          <p:cNvPr id="4" name="CuadroTexto 3">
+            <a:extLst>
+              <a:ext uri="{FF2B5EF4-FFF2-40B4-BE49-F238E27FC236}">
+                <a16:creationId xmlns:a16="http://schemas.microsoft.com/office/drawing/2014/main" id="{6B2AE631-0197-0B78-66C2-508E64AD60C9}"/>
+              </a:ext>
+            </a:extLst>
+          </p:cNvPr>
+          <p:cNvSpPr txBox="1"/>
+          <p:nvPr/>
+        </p:nvSpPr>
+        <p:spPr>
+          <a:xfrm>
+            <a:off x="115747" y="150470"/>
+            <a:ext cx="10579261" cy="6740307"/>
+          </a:xfrm>
+          <a:prstGeom prst="rect">
+            <a:avLst/>
+          </a:prstGeom>
+          <a:noFill/>
+        </p:spPr>
+        <p:txBody>
+          <a:bodyPr wrap="square">
+            <a:spAutoFit/>
+          </a:bodyPr>
+          <a:lstStyle/>
+          <a:p>
+            <a:pPr algn="just" rtl="0" fontAlgn="base"/>
+            <a:r>
+              <a:rPr lang="es-BO" sz="1800" b="0" i="0" dirty="0">
+                <a:solidFill>
+                  <a:srgbClr val="000000"/>
+                </a:solidFill>
+                <a:effectLst/>
+                <a:latin typeface="Calibri" panose="020F0502020204030204" pitchFamily="34" charset="0"/>
+              </a:rPr>
+              <a:t>Escenario 4: Un usuario quiere transferir dinero en moneda extranjera a otra cuenta.</a:t>
+            </a:r>
+            <a:r>
+              <a:rPr lang="en-US" sz="1800" b="0" i="0" dirty="0">
+                <a:solidFill>
+                  <a:srgbClr val="000000"/>
+                </a:solidFill>
+                <a:effectLst/>
+                <a:latin typeface="Calibri" panose="020F0502020204030204" pitchFamily="34" charset="0"/>
+              </a:rPr>
+              <a:t> </a:t>
+            </a:r>
+            <a:endParaRPr lang="en-US" b="0" i="0" dirty="0">
+              <a:solidFill>
+                <a:srgbClr val="000000"/>
+              </a:solidFill>
+              <a:effectLst/>
+              <a:latin typeface="Segoe UI" panose="020B0502040204020203" pitchFamily="34" charset="0"/>
+            </a:endParaRPr>
+          </a:p>
+          <a:p>
+            <a:pPr algn="just" rtl="0" fontAlgn="base"/>
+            <a:r>
+              <a:rPr lang="es-BO" sz="1800" b="0" i="0" dirty="0">
+                <a:solidFill>
+                  <a:srgbClr val="000000"/>
+                </a:solidFill>
+                <a:effectLst/>
+                <a:latin typeface="Calibri" panose="020F0502020204030204" pitchFamily="34" charset="0"/>
+              </a:rPr>
+              <a:t>Justificación: este escenario muestra una de las funcionalidades diferenciadoras del sistema, que es permitir a los usuarios transferir dinero en moneda extranjera a otra cuenta a una tasa de cambio especificada.</a:t>
+            </a:r>
+            <a:r>
+              <a:rPr lang="en-US" sz="1800" b="0" i="0" dirty="0">
+                <a:solidFill>
+                  <a:srgbClr val="000000"/>
+                </a:solidFill>
+                <a:effectLst/>
+                <a:latin typeface="Calibri" panose="020F0502020204030204" pitchFamily="34" charset="0"/>
+              </a:rPr>
+              <a:t> </a:t>
+            </a:r>
+            <a:endParaRPr lang="en-US" b="0" i="0" dirty="0">
+              <a:solidFill>
+                <a:srgbClr val="000000"/>
+              </a:solidFill>
+              <a:effectLst/>
+              <a:latin typeface="Segoe UI" panose="020B0502040204020203" pitchFamily="34" charset="0"/>
+            </a:endParaRPr>
+          </a:p>
+          <a:p>
+            <a:pPr algn="just" rtl="0" fontAlgn="base"/>
+            <a:r>
+              <a:rPr lang="es-BO" sz="1800" b="0" i="0" dirty="0">
+                <a:solidFill>
+                  <a:srgbClr val="000000"/>
+                </a:solidFill>
+                <a:effectLst/>
+                <a:latin typeface="Calibri" panose="020F0502020204030204" pitchFamily="34" charset="0"/>
+              </a:rPr>
+              <a:t>Atributos de calidad: usabilidad, rendimiento, seguridad, disponibilidad.</a:t>
+            </a:r>
+            <a:r>
+              <a:rPr lang="en-US" sz="1800" b="0" i="0" dirty="0">
+                <a:solidFill>
+                  <a:srgbClr val="000000"/>
+                </a:solidFill>
+                <a:effectLst/>
+                <a:latin typeface="Calibri" panose="020F0502020204030204" pitchFamily="34" charset="0"/>
+              </a:rPr>
+              <a:t> </a:t>
+            </a:r>
+            <a:endParaRPr lang="en-US" b="0" i="0" dirty="0">
+              <a:solidFill>
+                <a:srgbClr val="000000"/>
+              </a:solidFill>
+              <a:effectLst/>
+              <a:latin typeface="Segoe UI" panose="020B0502040204020203" pitchFamily="34" charset="0"/>
+            </a:endParaRPr>
+          </a:p>
+          <a:p>
+            <a:pPr algn="just" rtl="0" fontAlgn="base"/>
+            <a:r>
+              <a:rPr lang="es-BO" sz="1800" b="0" i="0" dirty="0">
+                <a:solidFill>
+                  <a:srgbClr val="000000"/>
+                </a:solidFill>
+                <a:effectLst/>
+                <a:latin typeface="Calibri" panose="020F0502020204030204" pitchFamily="34" charset="0"/>
+              </a:rPr>
+              <a:t>Estímulos: el usuario inserta su tarjeta y digita su PIN en el cajero automático, luego selecciona la opción de transferencia en el menú principal, luego selecciona la cuenta de origen y la cuenta de destino, luego selecciona la moneda extranjera y el monto que desea transferir.</a:t>
+            </a:r>
+            <a:r>
+              <a:rPr lang="en-US" sz="1800" b="0" i="0" dirty="0">
+                <a:solidFill>
+                  <a:srgbClr val="000000"/>
+                </a:solidFill>
+                <a:effectLst/>
+                <a:latin typeface="Calibri" panose="020F0502020204030204" pitchFamily="34" charset="0"/>
+              </a:rPr>
+              <a:t> </a:t>
+            </a:r>
+            <a:endParaRPr lang="en-US" b="0" i="0" dirty="0">
+              <a:solidFill>
+                <a:srgbClr val="000000"/>
+              </a:solidFill>
+              <a:effectLst/>
+              <a:latin typeface="Segoe UI" panose="020B0502040204020203" pitchFamily="34" charset="0"/>
+            </a:endParaRPr>
+          </a:p>
+          <a:p>
+            <a:pPr algn="just" rtl="0" fontAlgn="base"/>
+            <a:r>
+              <a:rPr lang="es-BO" sz="1800" b="0" i="0" dirty="0">
+                <a:solidFill>
+                  <a:srgbClr val="000000"/>
+                </a:solidFill>
+                <a:effectLst/>
+                <a:latin typeface="Calibri" panose="020F0502020204030204" pitchFamily="34" charset="0"/>
+              </a:rPr>
+              <a:t>Respuesta: el sistema valida la tarjeta y el PIN del usuario, luego consulta la tasa de cambio vigente y calcula el monto equivalente en moneda local, luego verifica que el usuario tenga saldo suficiente en su cuenta de origen y que la cuenta de destino sea válida, luego debita el dinero de la cuenta de origen y lo acredita en la cuenta de destino, luego actualiza el saldo de ambas cuentas, luego emite un recibo al usuario con los detalles de la operación.</a:t>
+            </a:r>
+            <a:r>
+              <a:rPr lang="en-US" sz="1800" b="0" i="0" dirty="0">
+                <a:solidFill>
+                  <a:srgbClr val="000000"/>
+                </a:solidFill>
+                <a:effectLst/>
+                <a:latin typeface="Calibri" panose="020F0502020204030204" pitchFamily="34" charset="0"/>
+              </a:rPr>
+              <a:t> </a:t>
+            </a:r>
+            <a:endParaRPr lang="en-US" b="0" i="0" dirty="0">
+              <a:solidFill>
+                <a:srgbClr val="000000"/>
+              </a:solidFill>
+              <a:effectLst/>
+              <a:latin typeface="Segoe UI" panose="020B0502040204020203" pitchFamily="34" charset="0"/>
+            </a:endParaRPr>
+          </a:p>
+          <a:p>
+            <a:pPr algn="just" rtl="0" fontAlgn="base"/>
+            <a:r>
+              <a:rPr lang="es-BO" sz="1800" b="0" i="0" dirty="0">
+                <a:solidFill>
+                  <a:srgbClr val="000000"/>
+                </a:solidFill>
+                <a:effectLst/>
+                <a:latin typeface="Calibri" panose="020F0502020204030204" pitchFamily="34" charset="0"/>
+              </a:rPr>
+              <a:t>Decisiones de arquitectura: se utiliza un microservicio de autenticación que se encarga de validar la identidad de los usuarios mediante el uso de una tarjeta y un PIN. Se utiliza un microservicio de transacción que se encarga de realizar las operaciones de retiro, depósito y transferencia en moneda local o extranjera. Se utiliza un microservicio de tasas de cambio que se encarga de manejar las tasas de cambio entre las dos monedas y de consultarlas por otros microservicios. Se utiliza un protocolo de comunicación seguro entre los microservicios y la base de datos. Se utiliza una interfaz de usuario sencilla e intuitiva que permite al usuario seleccionar la opción de transferencia, la cuenta de origen, la cuenta de destino, la moneda y el monto fácilmente.</a:t>
+            </a:r>
+            <a:r>
+              <a:rPr lang="en-US" sz="1800" b="0" i="0" dirty="0">
+                <a:solidFill>
+                  <a:srgbClr val="000000"/>
+                </a:solidFill>
+                <a:effectLst/>
+                <a:latin typeface="Calibri" panose="020F0502020204030204" pitchFamily="34" charset="0"/>
+              </a:rPr>
+              <a:t> </a:t>
+            </a:r>
+            <a:endParaRPr lang="en-US" b="0" i="0" dirty="0">
+              <a:solidFill>
+                <a:srgbClr val="000000"/>
+              </a:solidFill>
+              <a:effectLst/>
+              <a:latin typeface="Segoe UI" panose="020B0502040204020203" pitchFamily="34" charset="0"/>
+            </a:endParaRPr>
+          </a:p>
+          <a:p>
+            <a:pPr algn="just" rtl="0" fontAlgn="base"/>
+            <a:r>
+              <a:rPr lang="es-BO" sz="1800" b="0" i="0" dirty="0">
+                <a:solidFill>
+                  <a:srgbClr val="000000"/>
+                </a:solidFill>
+                <a:effectLst/>
+                <a:latin typeface="Calibri" panose="020F0502020204030204" pitchFamily="34" charset="0"/>
+              </a:rPr>
+              <a:t>Medición: se mide el tiempo de respuesta del sistema desde que el usuario selecciona la opción de transferencia hasta que se acredita el dinero en la cuenta de destino. Se mide el nivel de satisfacción del usuario con la interfaz de usuario, la información mostrada y el recibo emitido. Se mide el nivel de seguridad del sistema frente a posibles ataques o fraudes. Se mide el nivel de disponibilidad del sistema frente a posibles fallas o interrupciones.</a:t>
+            </a:r>
+            <a:r>
+              <a:rPr lang="en-US" sz="1800" b="0" i="0" dirty="0">
+                <a:solidFill>
+                  <a:srgbClr val="000000"/>
+                </a:solidFill>
+                <a:effectLst/>
+                <a:latin typeface="Calibri" panose="020F0502020204030204" pitchFamily="34" charset="0"/>
+              </a:rPr>
+              <a:t> </a:t>
+            </a:r>
+            <a:endParaRPr lang="en-US" b="0" i="0" dirty="0">
+              <a:solidFill>
+                <a:srgbClr val="000000"/>
+              </a:solidFill>
+              <a:effectLst/>
+              <a:latin typeface="Segoe UI" panose="020B0502040204020203" pitchFamily="34" charset="0"/>
+            </a:endParaRPr>
+          </a:p>
+        </p:txBody>
+      </p:sp>
+    </p:spTree>
+    <p:extLst>
+      <p:ext uri="{BB962C8B-B14F-4D97-AF65-F5344CB8AC3E}">
+        <p14:creationId xmlns:p14="http://schemas.microsoft.com/office/powerpoint/2010/main" val="1472864963"/>
+      </p:ext>
+    </p:extLst>
+  </p:cSld>
+  <p:clrMapOvr>
+    <a:overrideClrMapping bg1="lt1" tx1="dk1" bg2="lt2" tx2="dk2" accent1="accent1" accent2="accent2" accent3="accent3" accent4="accent4" accent5="accent5" accent6="accent6" hlink="hlink" folHlink="folHlink"/>
+  </p:clrMapOvr>
+</p:sld>
+</file>
+
+<file path=ppt/slides/slide16.xml><?xml version="1.0" encoding="utf-8"?>
+<p:sld xmlns:a="http://schemas.openxmlformats.org/drawingml/2006/main" xmlns:r="http://schemas.openxmlformats.org/officeDocument/2006/relationships" xmlns:p="http://schemas.openxmlformats.org/presentationml/2006/main" show="0">
+  <p:cSld>
+    <p:bg>
+      <p:bgPr>
+        <a:gradFill rotWithShape="1">
+          <a:gsLst>
+            <a:gs pos="0">
+              <a:schemeClr val="bg2">
+                <a:tint val="97000"/>
+                <a:hueMod val="88000"/>
+                <a:satMod val="130000"/>
+                <a:lumMod val="124000"/>
+              </a:schemeClr>
+            </a:gs>
+            <a:gs pos="100000">
+              <a:schemeClr val="bg2">
+                <a:tint val="96000"/>
+                <a:shade val="88000"/>
+                <a:hueMod val="108000"/>
+                <a:satMod val="164000"/>
+                <a:lumMod val="76000"/>
+              </a:schemeClr>
+            </a:gs>
+          </a:gsLst>
+          <a:path path="circle">
+            <a:fillToRect l="45000" t="65000" r="125000" b="100000"/>
+          </a:path>
+        </a:gradFill>
+        <a:effectLst/>
+      </p:bgPr>
+    </p:bg>
+    <p:spTree>
+      <p:nvGrpSpPr>
+        <p:cNvPr id="1" name=""/>
+        <p:cNvGrpSpPr/>
+        <p:nvPr/>
+      </p:nvGrpSpPr>
+      <p:grpSpPr>
+        <a:xfrm>
+          <a:off x="0" y="0"/>
+          <a:ext cx="0" cy="0"/>
+          <a:chOff x="0" y="0"/>
+          <a:chExt cx="0" cy="0"/>
+        </a:xfrm>
+      </p:grpSpPr>
+      <p:sp>
+        <p:nvSpPr>
+          <p:cNvPr id="2" name="Título 1">
+            <a:extLst>
+              <a:ext uri="{FF2B5EF4-FFF2-40B4-BE49-F238E27FC236}">
+                <a16:creationId xmlns:a16="http://schemas.microsoft.com/office/drawing/2014/main" id="{0F39DD4F-BB62-8F0D-E6D5-CFFBD13A4423}"/>
+              </a:ext>
+            </a:extLst>
+          </p:cNvPr>
+          <p:cNvSpPr>
+            <a:spLocks noGrp="1"/>
+          </p:cNvSpPr>
+          <p:nvPr>
+            <p:ph type="title"/>
+          </p:nvPr>
+        </p:nvSpPr>
+        <p:spPr>
+          <a:xfrm>
+            <a:off x="1154955" y="1447800"/>
+            <a:ext cx="6974915" cy="3329581"/>
+          </a:xfrm>
+        </p:spPr>
+        <p:txBody>
+          <a:bodyPr vert="horz" lIns="91440" tIns="45720" rIns="91440" bIns="45720" rtlCol="0" anchor="b">
+            <a:normAutofit/>
+          </a:bodyPr>
+          <a:lstStyle/>
+          <a:p>
+            <a:r>
+              <a:rPr lang="en-US" sz="7200" b="0" i="0" kern="1200" dirty="0">
+                <a:solidFill>
+                  <a:schemeClr val="tx2"/>
+                </a:solidFill>
+                <a:latin typeface="+mj-lt"/>
+                <a:ea typeface="+mj-ea"/>
+                <a:cs typeface="+mj-cs"/>
+              </a:rPr>
+              <a:t> </a:t>
+            </a:r>
+          </a:p>
+        </p:txBody>
+      </p:sp>
+      <p:sp>
+        <p:nvSpPr>
+          <p:cNvPr id="4" name="CuadroTexto 3">
+            <a:extLst>
+              <a:ext uri="{FF2B5EF4-FFF2-40B4-BE49-F238E27FC236}">
+                <a16:creationId xmlns:a16="http://schemas.microsoft.com/office/drawing/2014/main" id="{6B2AE631-0197-0B78-66C2-508E64AD60C9}"/>
+              </a:ext>
+            </a:extLst>
+          </p:cNvPr>
+          <p:cNvSpPr txBox="1"/>
+          <p:nvPr/>
+        </p:nvSpPr>
+        <p:spPr>
+          <a:xfrm>
+            <a:off x="115748" y="150470"/>
+            <a:ext cx="10289894" cy="6463308"/>
+          </a:xfrm>
+          <a:prstGeom prst="rect">
+            <a:avLst/>
+          </a:prstGeom>
+          <a:noFill/>
+        </p:spPr>
+        <p:txBody>
+          <a:bodyPr wrap="square">
+            <a:spAutoFit/>
+          </a:bodyPr>
+          <a:lstStyle/>
+          <a:p>
+            <a:pPr algn="just" rtl="0" fontAlgn="base"/>
+            <a:r>
+              <a:rPr lang="es-BO" sz="1800" b="0" i="0" dirty="0">
+                <a:solidFill>
+                  <a:srgbClr val="000000"/>
+                </a:solidFill>
+                <a:effectLst/>
+                <a:latin typeface="Calibri" panose="020F0502020204030204" pitchFamily="34" charset="0"/>
+              </a:rPr>
+              <a:t>Escenario 5: Un operador quiere actualizar las tasas de cambio entre las dos monedas.</a:t>
+            </a:r>
+            <a:r>
+              <a:rPr lang="en-US" sz="1800" b="0" i="0" dirty="0">
+                <a:solidFill>
+                  <a:srgbClr val="000000"/>
+                </a:solidFill>
+                <a:effectLst/>
+                <a:latin typeface="Calibri" panose="020F0502020204030204" pitchFamily="34" charset="0"/>
+              </a:rPr>
+              <a:t> </a:t>
+            </a:r>
+            <a:endParaRPr lang="en-US" b="0" i="0" dirty="0">
+              <a:solidFill>
+                <a:srgbClr val="000000"/>
+              </a:solidFill>
+              <a:effectLst/>
+              <a:latin typeface="Segoe UI" panose="020B0502040204020203" pitchFamily="34" charset="0"/>
+            </a:endParaRPr>
+          </a:p>
+          <a:p>
+            <a:pPr algn="just" rtl="0" fontAlgn="base"/>
+            <a:r>
+              <a:rPr lang="es-BO" sz="1800" b="0" i="0" dirty="0">
+                <a:solidFill>
+                  <a:srgbClr val="000000"/>
+                </a:solidFill>
+                <a:effectLst/>
+                <a:latin typeface="Calibri" panose="020F0502020204030204" pitchFamily="34" charset="0"/>
+              </a:rPr>
+              <a:t>Justificación: este escenario muestra una de las funcionalidades de administración del sistema, que es permitir a los operadores actualizar las tasas de cambio entre las dos monedas según el mercado.</a:t>
+            </a:r>
+            <a:r>
+              <a:rPr lang="en-US" sz="1800" b="0" i="0" dirty="0">
+                <a:solidFill>
+                  <a:srgbClr val="000000"/>
+                </a:solidFill>
+                <a:effectLst/>
+                <a:latin typeface="Calibri" panose="020F0502020204030204" pitchFamily="34" charset="0"/>
+              </a:rPr>
+              <a:t> </a:t>
+            </a:r>
+            <a:endParaRPr lang="en-US" b="0" i="0" dirty="0">
+              <a:solidFill>
+                <a:srgbClr val="000000"/>
+              </a:solidFill>
+              <a:effectLst/>
+              <a:latin typeface="Segoe UI" panose="020B0502040204020203" pitchFamily="34" charset="0"/>
+            </a:endParaRPr>
+          </a:p>
+          <a:p>
+            <a:pPr algn="just" rtl="0" fontAlgn="base"/>
+            <a:r>
+              <a:rPr lang="es-BO" sz="1800" b="0" i="0" dirty="0">
+                <a:solidFill>
+                  <a:srgbClr val="000000"/>
+                </a:solidFill>
+                <a:effectLst/>
+                <a:latin typeface="Calibri" panose="020F0502020204030204" pitchFamily="34" charset="0"/>
+              </a:rPr>
+              <a:t>Atributos de calidad: usabilidad, rendimiento, seguridad, consistencia.</a:t>
+            </a:r>
+            <a:r>
+              <a:rPr lang="en-US" sz="1800" b="0" i="0" dirty="0">
+                <a:solidFill>
+                  <a:srgbClr val="000000"/>
+                </a:solidFill>
+                <a:effectLst/>
+                <a:latin typeface="Calibri" panose="020F0502020204030204" pitchFamily="34" charset="0"/>
+              </a:rPr>
+              <a:t> </a:t>
+            </a:r>
+            <a:endParaRPr lang="en-US" b="0" i="0" dirty="0">
+              <a:solidFill>
+                <a:srgbClr val="000000"/>
+              </a:solidFill>
+              <a:effectLst/>
+              <a:latin typeface="Segoe UI" panose="020B0502040204020203" pitchFamily="34" charset="0"/>
+            </a:endParaRPr>
+          </a:p>
+          <a:p>
+            <a:pPr algn="just" rtl="0" fontAlgn="base"/>
+            <a:r>
+              <a:rPr lang="es-BO" sz="1800" b="0" i="0" dirty="0">
+                <a:solidFill>
+                  <a:srgbClr val="000000"/>
+                </a:solidFill>
+                <a:effectLst/>
+                <a:latin typeface="Calibri" panose="020F0502020204030204" pitchFamily="34" charset="0"/>
+              </a:rPr>
+              <a:t>Estímulos: el operador accede al sistema mediante un navegador web, luego ingresa su usuario y contraseña, luego selecciona la opción de gestión de tasas de cambio en el menú principal, luego ingresa las nuevas tasas de cambio entre las dos monedas y confirma la operación.</a:t>
+            </a:r>
+            <a:r>
+              <a:rPr lang="en-US" sz="1800" b="0" i="0" dirty="0">
+                <a:solidFill>
+                  <a:srgbClr val="000000"/>
+                </a:solidFill>
+                <a:effectLst/>
+                <a:latin typeface="Calibri" panose="020F0502020204030204" pitchFamily="34" charset="0"/>
+              </a:rPr>
+              <a:t> </a:t>
+            </a:r>
+            <a:endParaRPr lang="en-US" b="0" i="0" dirty="0">
+              <a:solidFill>
+                <a:srgbClr val="000000"/>
+              </a:solidFill>
+              <a:effectLst/>
+              <a:latin typeface="Segoe UI" panose="020B0502040204020203" pitchFamily="34" charset="0"/>
+            </a:endParaRPr>
+          </a:p>
+          <a:p>
+            <a:pPr algn="just" rtl="0" fontAlgn="base"/>
+            <a:r>
+              <a:rPr lang="es-BO" sz="1800" b="0" i="0" dirty="0">
+                <a:solidFill>
+                  <a:srgbClr val="000000"/>
+                </a:solidFill>
+                <a:effectLst/>
+                <a:latin typeface="Calibri" panose="020F0502020204030204" pitchFamily="34" charset="0"/>
+              </a:rPr>
+              <a:t>Respuesta: el sistema valida el usuario y la contraseña del operador, luego verifica que tenga permisos para modificar las tasas de cambio, luego actualiza las tasas de cambio en la base de datos y las notifica a los demás microservicios, luego muestra un mensaje de confirmación al operador con los detalles de la operación.</a:t>
+            </a:r>
+            <a:r>
+              <a:rPr lang="en-US" sz="1800" b="0" i="0" dirty="0">
+                <a:solidFill>
+                  <a:srgbClr val="000000"/>
+                </a:solidFill>
+                <a:effectLst/>
+                <a:latin typeface="Calibri" panose="020F0502020204030204" pitchFamily="34" charset="0"/>
+              </a:rPr>
+              <a:t> </a:t>
+            </a:r>
+            <a:endParaRPr lang="en-US" b="0" i="0" dirty="0">
+              <a:solidFill>
+                <a:srgbClr val="000000"/>
+              </a:solidFill>
+              <a:effectLst/>
+              <a:latin typeface="Segoe UI" panose="020B0502040204020203" pitchFamily="34" charset="0"/>
+            </a:endParaRPr>
+          </a:p>
+          <a:p>
+            <a:pPr algn="just" rtl="0" fontAlgn="base"/>
+            <a:r>
+              <a:rPr lang="es-BO" sz="1800" b="0" i="0" dirty="0">
+                <a:solidFill>
+                  <a:srgbClr val="000000"/>
+                </a:solidFill>
+                <a:effectLst/>
+                <a:latin typeface="Calibri" panose="020F0502020204030204" pitchFamily="34" charset="0"/>
+              </a:rPr>
+              <a:t>Decisiones de arquitectura: se utiliza un microservicio de administración que se encarga de permitir a los operadores gestionar los cajeros automáticos, los límites de operación, las comisiones y las tasas de cambio. Se utiliza un microservicio de tasas de cambio que se encarga de manejar las tasas de cambio entre las dos monedas y de consultarlas por otros microservicios. Se utiliza un protocolo de comunicación seguro entre los microservicios y la base de datos. Se utiliza una interfaz de usuario sencilla e intuitiva que permite al operador seleccionar la opción de gestión de tasas de cambio, ingresar las nuevas tasas de cambio y confirmar la operación fácilmente. Se utiliza un mecanismo de sincronización que permite mantener la consistencia de las tasas de cambio entre los microservicios y la base de datos.</a:t>
+            </a:r>
+            <a:r>
+              <a:rPr lang="en-US" sz="1800" b="0" i="0" dirty="0">
+                <a:solidFill>
+                  <a:srgbClr val="000000"/>
+                </a:solidFill>
+                <a:effectLst/>
+                <a:latin typeface="Calibri" panose="020F0502020204030204" pitchFamily="34" charset="0"/>
+              </a:rPr>
+              <a:t> </a:t>
+            </a:r>
+            <a:endParaRPr lang="en-US" b="0" i="0" dirty="0">
+              <a:solidFill>
+                <a:srgbClr val="000000"/>
+              </a:solidFill>
+              <a:effectLst/>
+              <a:latin typeface="Segoe UI" panose="020B0502040204020203" pitchFamily="34" charset="0"/>
+            </a:endParaRPr>
+          </a:p>
+          <a:p>
+            <a:pPr algn="just" rtl="0" fontAlgn="base"/>
+            <a:r>
+              <a:rPr lang="es-BO" sz="1800" b="0" i="0" dirty="0">
+                <a:solidFill>
+                  <a:srgbClr val="000000"/>
+                </a:solidFill>
+                <a:effectLst/>
+                <a:latin typeface="Calibri" panose="020F0502020204030204" pitchFamily="34" charset="0"/>
+              </a:rPr>
+              <a:t>Medición: se mide el tiempo de respuesta del sistema desde que el operador ingresa las nuevas tasas de cambio hasta que se muestra el mensaje de confirmación. Se mide el nivel de satisfacción del operador con la interfaz de usuario y la información mostrada. Se mide el nivel de seguridad del sistema frente a posibles ataques o fraudes. Se mide el nivel de consistencia del sistema frente a posibles inconsistencias o conflictos.</a:t>
+            </a:r>
+            <a:r>
+              <a:rPr lang="en-US" sz="1800" b="0" i="0" dirty="0">
+                <a:solidFill>
+                  <a:srgbClr val="000000"/>
+                </a:solidFill>
+                <a:effectLst/>
+                <a:latin typeface="Calibri" panose="020F0502020204030204" pitchFamily="34" charset="0"/>
+              </a:rPr>
+              <a:t> </a:t>
+            </a:r>
+            <a:endParaRPr lang="en-US" b="0" i="0" dirty="0">
+              <a:solidFill>
+                <a:srgbClr val="000000"/>
+              </a:solidFill>
+              <a:effectLst/>
+              <a:latin typeface="Segoe UI" panose="020B0502040204020203" pitchFamily="34" charset="0"/>
+            </a:endParaRPr>
+          </a:p>
+        </p:txBody>
+      </p:sp>
+    </p:spTree>
+    <p:extLst>
+      <p:ext uri="{BB962C8B-B14F-4D97-AF65-F5344CB8AC3E}">
+        <p14:creationId xmlns:p14="http://schemas.microsoft.com/office/powerpoint/2010/main" val="1515517698"/>
+      </p:ext>
+    </p:extLst>
+  </p:cSld>
+  <p:clrMapOvr>
+    <a:overrideClrMapping bg1="lt1" tx1="dk1" bg2="lt2" tx2="dk2" accent1="accent1" accent2="accent2" accent3="accent3" accent4="accent4" accent5="accent5" accent6="accent6" hlink="hlink" folHlink="folHlink"/>
+  </p:clrMapOvr>
+</p:sld>
+</file>
+
+<file path=ppt/slides/slide17.xml><?xml version="1.0" encoding="utf-8"?>
+<p:sld xmlns:a="http://schemas.openxmlformats.org/drawingml/2006/main" xmlns:r="http://schemas.openxmlformats.org/officeDocument/2006/relationships" xmlns:p="http://schemas.openxmlformats.org/presentationml/2006/main" show="0">
+  <p:cSld>
+    <p:bg>
+      <p:bgPr>
+        <a:gradFill rotWithShape="1">
+          <a:gsLst>
+            <a:gs pos="0">
+              <a:schemeClr val="bg2">
+                <a:tint val="97000"/>
+                <a:hueMod val="88000"/>
+                <a:satMod val="130000"/>
+                <a:lumMod val="124000"/>
+              </a:schemeClr>
+            </a:gs>
+            <a:gs pos="100000">
+              <a:schemeClr val="bg2">
+                <a:tint val="96000"/>
+                <a:shade val="88000"/>
+                <a:hueMod val="108000"/>
+                <a:satMod val="164000"/>
+                <a:lumMod val="76000"/>
+              </a:schemeClr>
+            </a:gs>
+          </a:gsLst>
+          <a:path path="circle">
+            <a:fillToRect l="45000" t="65000" r="125000" b="100000"/>
+          </a:path>
+        </a:gradFill>
+        <a:effectLst/>
+      </p:bgPr>
+    </p:bg>
+    <p:spTree>
+      <p:nvGrpSpPr>
+        <p:cNvPr id="1" name=""/>
+        <p:cNvGrpSpPr/>
+        <p:nvPr/>
+      </p:nvGrpSpPr>
+      <p:grpSpPr>
+        <a:xfrm>
+          <a:off x="0" y="0"/>
+          <a:ext cx="0" cy="0"/>
+          <a:chOff x="0" y="0"/>
+          <a:chExt cx="0" cy="0"/>
+        </a:xfrm>
+      </p:grpSpPr>
+      <p:sp>
+        <p:nvSpPr>
+          <p:cNvPr id="2" name="Título 1">
+            <a:extLst>
+              <a:ext uri="{FF2B5EF4-FFF2-40B4-BE49-F238E27FC236}">
+                <a16:creationId xmlns:a16="http://schemas.microsoft.com/office/drawing/2014/main" id="{0F39DD4F-BB62-8F0D-E6D5-CFFBD13A4423}"/>
+              </a:ext>
+            </a:extLst>
+          </p:cNvPr>
+          <p:cNvSpPr>
+            <a:spLocks noGrp="1"/>
+          </p:cNvSpPr>
+          <p:nvPr>
+            <p:ph type="title"/>
+          </p:nvPr>
+        </p:nvSpPr>
+        <p:spPr>
+          <a:xfrm>
+            <a:off x="1154955" y="1447800"/>
+            <a:ext cx="6974915" cy="3329581"/>
+          </a:xfrm>
+        </p:spPr>
+        <p:txBody>
+          <a:bodyPr vert="horz" lIns="91440" tIns="45720" rIns="91440" bIns="45720" rtlCol="0" anchor="b">
+            <a:normAutofit/>
+          </a:bodyPr>
+          <a:lstStyle/>
+          <a:p>
+            <a:r>
+              <a:rPr lang="en-US" sz="7200" b="0" i="0" kern="1200" dirty="0">
+                <a:solidFill>
+                  <a:schemeClr val="tx2"/>
+                </a:solidFill>
+                <a:latin typeface="+mj-lt"/>
+                <a:ea typeface="+mj-ea"/>
+                <a:cs typeface="+mj-cs"/>
+              </a:rPr>
+              <a:t> </a:t>
+            </a:r>
+          </a:p>
+        </p:txBody>
+      </p:sp>
+      <p:sp>
+        <p:nvSpPr>
+          <p:cNvPr id="4" name="CuadroTexto 3">
+            <a:extLst>
+              <a:ext uri="{FF2B5EF4-FFF2-40B4-BE49-F238E27FC236}">
+                <a16:creationId xmlns:a16="http://schemas.microsoft.com/office/drawing/2014/main" id="{6B2AE631-0197-0B78-66C2-508E64AD60C9}"/>
+              </a:ext>
+            </a:extLst>
+          </p:cNvPr>
+          <p:cNvSpPr txBox="1"/>
+          <p:nvPr/>
+        </p:nvSpPr>
+        <p:spPr>
+          <a:xfrm>
+            <a:off x="115747" y="150470"/>
+            <a:ext cx="10579261" cy="6740307"/>
+          </a:xfrm>
+          <a:prstGeom prst="rect">
+            <a:avLst/>
+          </a:prstGeom>
+          <a:noFill/>
+        </p:spPr>
+        <p:txBody>
+          <a:bodyPr wrap="square">
+            <a:spAutoFit/>
+          </a:bodyPr>
+          <a:lstStyle/>
+          <a:p>
+            <a:pPr algn="just" rtl="0" fontAlgn="base"/>
+            <a:r>
+              <a:rPr lang="es-BO" sz="1800" b="0" i="0">
+                <a:solidFill>
+                  <a:srgbClr val="000000"/>
+                </a:solidFill>
+                <a:effectLst/>
+                <a:latin typeface="Calibri" panose="020F0502020204030204" pitchFamily="34" charset="0"/>
+              </a:rPr>
+              <a:t>Escenario 6: Un hacker quiere acceder a la base de datos del sistema y robar la información de los usuarios y las operaciones.</a:t>
+            </a:r>
+            <a:r>
+              <a:rPr lang="en-US" sz="1800" b="0" i="0">
+                <a:solidFill>
+                  <a:srgbClr val="000000"/>
+                </a:solidFill>
+                <a:effectLst/>
+                <a:latin typeface="Calibri" panose="020F0502020204030204" pitchFamily="34" charset="0"/>
+              </a:rPr>
+              <a:t> </a:t>
+            </a:r>
+            <a:endParaRPr lang="en-US" b="0" i="0">
+              <a:solidFill>
+                <a:srgbClr val="000000"/>
+              </a:solidFill>
+              <a:effectLst/>
+              <a:latin typeface="Segoe UI" panose="020B0502040204020203" pitchFamily="34" charset="0"/>
+            </a:endParaRPr>
+          </a:p>
+          <a:p>
+            <a:pPr algn="just" rtl="0" fontAlgn="base"/>
+            <a:r>
+              <a:rPr lang="es-BO" sz="1800" b="0" i="0">
+                <a:solidFill>
+                  <a:srgbClr val="000000"/>
+                </a:solidFill>
+                <a:effectLst/>
+                <a:latin typeface="Calibri" panose="020F0502020204030204" pitchFamily="34" charset="0"/>
+              </a:rPr>
+              <a:t>Justificación: este escenario muestra una de las amenazas a las que se enfrenta el sistema, que es el intento de acceso no autorizado a la base de datos por parte de un agente malicioso.</a:t>
+            </a:r>
+            <a:r>
+              <a:rPr lang="en-US" sz="1800" b="0" i="0">
+                <a:solidFill>
+                  <a:srgbClr val="000000"/>
+                </a:solidFill>
+                <a:effectLst/>
+                <a:latin typeface="Calibri" panose="020F0502020204030204" pitchFamily="34" charset="0"/>
+              </a:rPr>
+              <a:t> </a:t>
+            </a:r>
+            <a:endParaRPr lang="en-US" b="0" i="0">
+              <a:solidFill>
+                <a:srgbClr val="000000"/>
+              </a:solidFill>
+              <a:effectLst/>
+              <a:latin typeface="Segoe UI" panose="020B0502040204020203" pitchFamily="34" charset="0"/>
+            </a:endParaRPr>
+          </a:p>
+          <a:p>
+            <a:pPr algn="just" rtl="0" fontAlgn="base"/>
+            <a:r>
+              <a:rPr lang="es-BO" sz="1800" b="0" i="0">
+                <a:solidFill>
+                  <a:srgbClr val="000000"/>
+                </a:solidFill>
+                <a:effectLst/>
+                <a:latin typeface="Calibri" panose="020F0502020204030204" pitchFamily="34" charset="0"/>
+              </a:rPr>
+              <a:t>Atributos de calidad: seguridad, disponibilidad, confidencialidad, integridad.</a:t>
+            </a:r>
+            <a:r>
+              <a:rPr lang="en-US" sz="1800" b="0" i="0">
+                <a:solidFill>
+                  <a:srgbClr val="000000"/>
+                </a:solidFill>
+                <a:effectLst/>
+                <a:latin typeface="Calibri" panose="020F0502020204030204" pitchFamily="34" charset="0"/>
+              </a:rPr>
+              <a:t> </a:t>
+            </a:r>
+            <a:endParaRPr lang="en-US" b="0" i="0">
+              <a:solidFill>
+                <a:srgbClr val="000000"/>
+              </a:solidFill>
+              <a:effectLst/>
+              <a:latin typeface="Segoe UI" panose="020B0502040204020203" pitchFamily="34" charset="0"/>
+            </a:endParaRPr>
+          </a:p>
+          <a:p>
+            <a:pPr algn="just" rtl="0" fontAlgn="base"/>
+            <a:r>
+              <a:rPr lang="es-BO" sz="1800" b="0" i="0">
+                <a:solidFill>
+                  <a:srgbClr val="000000"/>
+                </a:solidFill>
+                <a:effectLst/>
+                <a:latin typeface="Calibri" panose="020F0502020204030204" pitchFamily="34" charset="0"/>
+              </a:rPr>
+              <a:t>Estímulos: el hacker utiliza una herramienta de escaneo de puertos para detectar los servicios que están expuestos en el sistema, luego utiliza una herramienta de fuerza bruta para intentar adivinar las credenciales de acceso a la base de datos, luego utiliza una herramienta de inyección SQL para intentar extraer la información de la base de datos.</a:t>
+            </a:r>
+            <a:r>
+              <a:rPr lang="en-US" sz="1800" b="0" i="0">
+                <a:solidFill>
+                  <a:srgbClr val="000000"/>
+                </a:solidFill>
+                <a:effectLst/>
+                <a:latin typeface="Calibri" panose="020F0502020204030204" pitchFamily="34" charset="0"/>
+              </a:rPr>
+              <a:t> </a:t>
+            </a:r>
+            <a:endParaRPr lang="en-US" b="0" i="0">
+              <a:solidFill>
+                <a:srgbClr val="000000"/>
+              </a:solidFill>
+              <a:effectLst/>
+              <a:latin typeface="Segoe UI" panose="020B0502040204020203" pitchFamily="34" charset="0"/>
+            </a:endParaRPr>
+          </a:p>
+          <a:p>
+            <a:pPr algn="just" rtl="0" fontAlgn="base"/>
+            <a:r>
+              <a:rPr lang="es-BO" sz="1800" b="0" i="0">
+                <a:solidFill>
+                  <a:srgbClr val="000000"/>
+                </a:solidFill>
+                <a:effectLst/>
+                <a:latin typeface="Calibri" panose="020F0502020204030204" pitchFamily="34" charset="0"/>
+              </a:rPr>
+              <a:t>Respuesta: el sistema detecta los intentos de escaneo de puertos y de fuerza bruta y bloquea las direcciones IP del hacker, luego verifica las credenciales de acceso a la base de datos y rechaza las que no sean válidas, luego valida las consultas SQL y evita las que contengan código malicioso, luego registra los eventos de seguridad y alerta a los administradores del sistema, luego mantiene la disponibilidad, la confidencialidad y la integridad de la información de la base de datos.</a:t>
+            </a:r>
+            <a:r>
+              <a:rPr lang="en-US" sz="1800" b="0" i="0">
+                <a:solidFill>
+                  <a:srgbClr val="000000"/>
+                </a:solidFill>
+                <a:effectLst/>
+                <a:latin typeface="Calibri" panose="020F0502020204030204" pitchFamily="34" charset="0"/>
+              </a:rPr>
+              <a:t> </a:t>
+            </a:r>
+            <a:endParaRPr lang="en-US" b="0" i="0">
+              <a:solidFill>
+                <a:srgbClr val="000000"/>
+              </a:solidFill>
+              <a:effectLst/>
+              <a:latin typeface="Segoe UI" panose="020B0502040204020203" pitchFamily="34" charset="0"/>
+            </a:endParaRPr>
+          </a:p>
+          <a:p>
+            <a:pPr algn="just" rtl="0" fontAlgn="base"/>
+            <a:r>
+              <a:rPr lang="es-BO" sz="1800" b="0" i="0">
+                <a:solidFill>
+                  <a:srgbClr val="000000"/>
+                </a:solidFill>
+                <a:effectLst/>
+                <a:latin typeface="Calibri" panose="020F0502020204030204" pitchFamily="34" charset="0"/>
+              </a:rPr>
+              <a:t>Decisiones de arquitectura: se utiliza un firewall que se encarga de filtrar el tráfico entrante y saliente del sistema y de bloquear los puertos y las direcciones IP sospechosas. Se utiliza un protocolo de comunicación seguro entre los microservicios y la base de datos que se encarga de cifrar los datos y de autenticar las conexiones. Se utiliza un mecanismo de encriptación que se encarga de proteger la información sensible de la base de datos. Se utiliza un mecanismo de validación que se encarga de evitar las consultas SQL mal formadas o maliciosas. Se utiliza un mecanismo de registro y alerta que se encarga de monitorear y notificar los eventos de seguridad.</a:t>
+            </a:r>
+            <a:r>
+              <a:rPr lang="en-US" sz="1800" b="0" i="0">
+                <a:solidFill>
+                  <a:srgbClr val="000000"/>
+                </a:solidFill>
+                <a:effectLst/>
+                <a:latin typeface="Calibri" panose="020F0502020204030204" pitchFamily="34" charset="0"/>
+              </a:rPr>
+              <a:t> </a:t>
+            </a:r>
+            <a:endParaRPr lang="en-US" b="0" i="0">
+              <a:solidFill>
+                <a:srgbClr val="000000"/>
+              </a:solidFill>
+              <a:effectLst/>
+              <a:latin typeface="Segoe UI" panose="020B0502040204020203" pitchFamily="34" charset="0"/>
+            </a:endParaRPr>
+          </a:p>
+          <a:p>
+            <a:pPr algn="just" rtl="0" fontAlgn="base"/>
+            <a:r>
+              <a:rPr lang="es-BO" sz="1800" b="0" i="0">
+                <a:solidFill>
+                  <a:srgbClr val="000000"/>
+                </a:solidFill>
+                <a:effectLst/>
+                <a:latin typeface="Calibri" panose="020F0502020204030204" pitchFamily="34" charset="0"/>
+              </a:rPr>
+              <a:t>Medición: se mide el número y la frecuencia de los intentos de acceso no autorizado a la base de datos. Se mide el nivel de seguridad del sistema frente a posibles ataques o fraudes. Se mide el nivel de disponibilidad, confidencialidad e integridad del sistema frente a posibles interrupciones, filtraciones o alteraciones.</a:t>
+            </a:r>
+            <a:r>
+              <a:rPr lang="en-US" sz="1800" b="0" i="0">
+                <a:solidFill>
+                  <a:srgbClr val="000000"/>
+                </a:solidFill>
+                <a:effectLst/>
+                <a:latin typeface="Calibri" panose="020F0502020204030204" pitchFamily="34" charset="0"/>
+              </a:rPr>
+              <a:t> </a:t>
+            </a:r>
+            <a:endParaRPr lang="en-US" b="0" i="0">
+              <a:solidFill>
+                <a:srgbClr val="000000"/>
+              </a:solidFill>
+              <a:effectLst/>
+              <a:latin typeface="Segoe UI" panose="020B0502040204020203" pitchFamily="34" charset="0"/>
+            </a:endParaRPr>
+          </a:p>
+        </p:txBody>
+      </p:sp>
+    </p:spTree>
+    <p:extLst>
+      <p:ext uri="{BB962C8B-B14F-4D97-AF65-F5344CB8AC3E}">
+        <p14:creationId xmlns:p14="http://schemas.microsoft.com/office/powerpoint/2010/main" val="1491742869"/>
+      </p:ext>
+    </p:extLst>
+  </p:cSld>
+  <p:clrMapOvr>
+    <a:overrideClrMapping bg1="lt1" tx1="dk1" bg2="lt2" tx2="dk2" accent1="accent1" accent2="accent2" accent3="accent3" accent4="accent4" accent5="accent5" accent6="accent6" hlink="hlink" folHlink="folHlink"/>
+  </p:clrMapOvr>
+</p:sld>
+</file>
+
+<file path=ppt/slides/slide18.xml><?xml version="1.0" encoding="utf-8"?>
+<p:sld xmlns:a="http://schemas.openxmlformats.org/drawingml/2006/main" xmlns:r="http://schemas.openxmlformats.org/officeDocument/2006/relationships" xmlns:p="http://schemas.openxmlformats.org/presentationml/2006/main" show="0">
+  <p:cSld>
+    <p:bg>
+      <p:bgPr>
+        <a:gradFill rotWithShape="1">
+          <a:gsLst>
+            <a:gs pos="0">
+              <a:schemeClr val="bg2">
+                <a:tint val="97000"/>
+                <a:hueMod val="88000"/>
+                <a:satMod val="130000"/>
+                <a:lumMod val="124000"/>
+              </a:schemeClr>
+            </a:gs>
+            <a:gs pos="100000">
+              <a:schemeClr val="bg2">
+                <a:tint val="96000"/>
+                <a:shade val="88000"/>
+                <a:hueMod val="108000"/>
+                <a:satMod val="164000"/>
+                <a:lumMod val="76000"/>
+              </a:schemeClr>
+            </a:gs>
+          </a:gsLst>
+          <a:path path="circle">
+            <a:fillToRect l="45000" t="65000" r="125000" b="100000"/>
+          </a:path>
+        </a:gradFill>
+        <a:effectLst/>
+      </p:bgPr>
+    </p:bg>
+    <p:spTree>
+      <p:nvGrpSpPr>
+        <p:cNvPr id="1" name=""/>
+        <p:cNvGrpSpPr/>
+        <p:nvPr/>
+      </p:nvGrpSpPr>
+      <p:grpSpPr>
+        <a:xfrm>
+          <a:off x="0" y="0"/>
+          <a:ext cx="0" cy="0"/>
+          <a:chOff x="0" y="0"/>
+          <a:chExt cx="0" cy="0"/>
+        </a:xfrm>
+      </p:grpSpPr>
+      <p:sp>
+        <p:nvSpPr>
+          <p:cNvPr id="2" name="Título 1">
+            <a:extLst>
+              <a:ext uri="{FF2B5EF4-FFF2-40B4-BE49-F238E27FC236}">
+                <a16:creationId xmlns:a16="http://schemas.microsoft.com/office/drawing/2014/main" id="{0F39DD4F-BB62-8F0D-E6D5-CFFBD13A4423}"/>
+              </a:ext>
+            </a:extLst>
+          </p:cNvPr>
+          <p:cNvSpPr>
+            <a:spLocks noGrp="1"/>
+          </p:cNvSpPr>
+          <p:nvPr>
+            <p:ph type="title"/>
+          </p:nvPr>
+        </p:nvSpPr>
+        <p:spPr>
+          <a:xfrm>
+            <a:off x="1154955" y="1447800"/>
+            <a:ext cx="6974915" cy="3329581"/>
+          </a:xfrm>
+        </p:spPr>
+        <p:txBody>
+          <a:bodyPr vert="horz" lIns="91440" tIns="45720" rIns="91440" bIns="45720" rtlCol="0" anchor="b">
+            <a:normAutofit/>
+          </a:bodyPr>
+          <a:lstStyle/>
+          <a:p>
+            <a:r>
+              <a:rPr lang="en-US" sz="7200" b="0" i="0" kern="1200" dirty="0">
+                <a:solidFill>
+                  <a:schemeClr val="tx2"/>
+                </a:solidFill>
+                <a:latin typeface="+mj-lt"/>
+                <a:ea typeface="+mj-ea"/>
+                <a:cs typeface="+mj-cs"/>
+              </a:rPr>
+              <a:t> </a:t>
+            </a:r>
+          </a:p>
+        </p:txBody>
+      </p:sp>
+      <p:sp>
+        <p:nvSpPr>
+          <p:cNvPr id="4" name="CuadroTexto 3">
+            <a:extLst>
+              <a:ext uri="{FF2B5EF4-FFF2-40B4-BE49-F238E27FC236}">
+                <a16:creationId xmlns:a16="http://schemas.microsoft.com/office/drawing/2014/main" id="{6B2AE631-0197-0B78-66C2-508E64AD60C9}"/>
+              </a:ext>
+            </a:extLst>
+          </p:cNvPr>
+          <p:cNvSpPr txBox="1"/>
+          <p:nvPr/>
+        </p:nvSpPr>
+        <p:spPr>
+          <a:xfrm>
+            <a:off x="115747" y="150470"/>
+            <a:ext cx="10579261" cy="7017306"/>
+          </a:xfrm>
+          <a:prstGeom prst="rect">
+            <a:avLst/>
+          </a:prstGeom>
+          <a:noFill/>
+        </p:spPr>
+        <p:txBody>
+          <a:bodyPr wrap="square">
+            <a:spAutoFit/>
+          </a:bodyPr>
+          <a:lstStyle/>
+          <a:p>
+            <a:pPr algn="just" rtl="0" fontAlgn="base"/>
+            <a:r>
+              <a:rPr lang="es-BO" sz="1800" b="0" i="0" dirty="0">
+                <a:solidFill>
+                  <a:srgbClr val="000000"/>
+                </a:solidFill>
+                <a:effectLst/>
+                <a:latin typeface="Calibri" panose="020F0502020204030204" pitchFamily="34" charset="0"/>
+              </a:rPr>
+              <a:t>Escenario 7: Un usuario quiere recibir un recibo por correo electrónico de la operación que realizó en el cajero automático.</a:t>
+            </a:r>
+            <a:r>
+              <a:rPr lang="en-US" sz="1800" b="0" i="0" dirty="0">
+                <a:solidFill>
+                  <a:srgbClr val="000000"/>
+                </a:solidFill>
+                <a:effectLst/>
+                <a:latin typeface="Calibri" panose="020F0502020204030204" pitchFamily="34" charset="0"/>
+              </a:rPr>
+              <a:t> </a:t>
+            </a:r>
+            <a:endParaRPr lang="en-US" b="0" i="0" dirty="0">
+              <a:solidFill>
+                <a:srgbClr val="000000"/>
+              </a:solidFill>
+              <a:effectLst/>
+              <a:latin typeface="Segoe UI" panose="020B0502040204020203" pitchFamily="34" charset="0"/>
+            </a:endParaRPr>
+          </a:p>
+          <a:p>
+            <a:pPr algn="just" rtl="0" fontAlgn="base"/>
+            <a:r>
+              <a:rPr lang="es-BO" sz="1800" b="0" i="0" dirty="0">
+                <a:solidFill>
+                  <a:srgbClr val="000000"/>
+                </a:solidFill>
+                <a:effectLst/>
+                <a:latin typeface="Calibri" panose="020F0502020204030204" pitchFamily="34" charset="0"/>
+              </a:rPr>
+              <a:t>Justificación: este escenario muestra una de las funcionalidades complementarias del sistema, que es permitir a los usuarios recibir un recibo por correo electrónico de la operación que realizaron en el cajero automático.</a:t>
+            </a:r>
+            <a:r>
+              <a:rPr lang="en-US" sz="1800" b="0" i="0" dirty="0">
+                <a:solidFill>
+                  <a:srgbClr val="000000"/>
+                </a:solidFill>
+                <a:effectLst/>
+                <a:latin typeface="Calibri" panose="020F0502020204030204" pitchFamily="34" charset="0"/>
+              </a:rPr>
+              <a:t> </a:t>
+            </a:r>
+            <a:endParaRPr lang="en-US" b="0" i="0" dirty="0">
+              <a:solidFill>
+                <a:srgbClr val="000000"/>
+              </a:solidFill>
+              <a:effectLst/>
+              <a:latin typeface="Segoe UI" panose="020B0502040204020203" pitchFamily="34" charset="0"/>
+            </a:endParaRPr>
+          </a:p>
+          <a:p>
+            <a:pPr algn="just" rtl="0" fontAlgn="base"/>
+            <a:r>
+              <a:rPr lang="es-BO" sz="1800" b="0" i="0" dirty="0">
+                <a:solidFill>
+                  <a:srgbClr val="000000"/>
+                </a:solidFill>
+                <a:effectLst/>
+                <a:latin typeface="Calibri" panose="020F0502020204030204" pitchFamily="34" charset="0"/>
+              </a:rPr>
+              <a:t>Atributos de calidad: usabilidad, rendimiento, seguridad, disponibilidad.</a:t>
+            </a:r>
+            <a:r>
+              <a:rPr lang="en-US" sz="1800" b="0" i="0" dirty="0">
+                <a:solidFill>
+                  <a:srgbClr val="000000"/>
+                </a:solidFill>
+                <a:effectLst/>
+                <a:latin typeface="Calibri" panose="020F0502020204030204" pitchFamily="34" charset="0"/>
+              </a:rPr>
+              <a:t> </a:t>
+            </a:r>
+            <a:endParaRPr lang="en-US" b="0" i="0" dirty="0">
+              <a:solidFill>
+                <a:srgbClr val="000000"/>
+              </a:solidFill>
+              <a:effectLst/>
+              <a:latin typeface="Segoe UI" panose="020B0502040204020203" pitchFamily="34" charset="0"/>
+            </a:endParaRPr>
+          </a:p>
+          <a:p>
+            <a:pPr algn="just" rtl="0" fontAlgn="base"/>
+            <a:r>
+              <a:rPr lang="es-BO" sz="1800" b="0" i="0" dirty="0">
+                <a:solidFill>
+                  <a:srgbClr val="000000"/>
+                </a:solidFill>
+                <a:effectLst/>
+                <a:latin typeface="Calibri" panose="020F0502020204030204" pitchFamily="34" charset="0"/>
+              </a:rPr>
+              <a:t>Estímulos: el usuario inserta su tarjeta y digita su PIN en el cajero automático, luego realiza una operación de retiro, depósito, transferencia o consulta, luego selecciona la opción de recibir un recibo por correo electrónico en el menú final, luego ingresa su dirección de correo electrónico y confirma la operación.</a:t>
+            </a:r>
+            <a:r>
+              <a:rPr lang="en-US" sz="1800" b="0" i="0" dirty="0">
+                <a:solidFill>
+                  <a:srgbClr val="000000"/>
+                </a:solidFill>
+                <a:effectLst/>
+                <a:latin typeface="Calibri" panose="020F0502020204030204" pitchFamily="34" charset="0"/>
+              </a:rPr>
+              <a:t> </a:t>
+            </a:r>
+            <a:endParaRPr lang="en-US" b="0" i="0" dirty="0">
+              <a:solidFill>
+                <a:srgbClr val="000000"/>
+              </a:solidFill>
+              <a:effectLst/>
+              <a:latin typeface="Segoe UI" panose="020B0502040204020203" pitchFamily="34" charset="0"/>
+            </a:endParaRPr>
+          </a:p>
+          <a:p>
+            <a:pPr algn="just" rtl="0" fontAlgn="base"/>
+            <a:r>
+              <a:rPr lang="es-BO" sz="1800" b="0" i="0" dirty="0">
+                <a:solidFill>
+                  <a:srgbClr val="000000"/>
+                </a:solidFill>
+                <a:effectLst/>
+                <a:latin typeface="Calibri" panose="020F0502020204030204" pitchFamily="34" charset="0"/>
+              </a:rPr>
+              <a:t>Respuesta: el sistema valida la tarjeta y el PIN del usuario, luego realiza la operación solicitada por el usuario, luego verifica que la dirección de correo electrónico ingresada por el usuario sea válida, luego envía un recibo por correo electrónico al usuario con los detalles de la operación, luego muestra un mensaje de confirmación al usuario en la pantalla del cajero automático.</a:t>
+            </a:r>
+            <a:r>
+              <a:rPr lang="en-US" sz="1800" b="0" i="0" dirty="0">
+                <a:solidFill>
+                  <a:srgbClr val="000000"/>
+                </a:solidFill>
+                <a:effectLst/>
+                <a:latin typeface="Calibri" panose="020F0502020204030204" pitchFamily="34" charset="0"/>
+              </a:rPr>
+              <a:t> </a:t>
+            </a:r>
+            <a:endParaRPr lang="en-US" b="0" i="0" dirty="0">
+              <a:solidFill>
+                <a:srgbClr val="000000"/>
+              </a:solidFill>
+              <a:effectLst/>
+              <a:latin typeface="Segoe UI" panose="020B0502040204020203" pitchFamily="34" charset="0"/>
+            </a:endParaRPr>
+          </a:p>
+          <a:p>
+            <a:pPr algn="just" rtl="0" fontAlgn="base"/>
+            <a:r>
+              <a:rPr lang="es-BO" sz="1800" b="0" i="0" dirty="0">
+                <a:solidFill>
+                  <a:srgbClr val="000000"/>
+                </a:solidFill>
+                <a:effectLst/>
+                <a:latin typeface="Calibri" panose="020F0502020204030204" pitchFamily="34" charset="0"/>
+              </a:rPr>
+              <a:t>Decisiones de arquitectura: se utiliza un microservicio de autenticación que se encarga de validar la identidad de los usuarios mediante el uso de una tarjeta y un PIN. Se utiliza un microservicio de transacción que se encarga de realizar las operaciones de retiro, depósito, transferencia y consulta en moneda local o extranjera. Se utiliza un microservicio de notificación que se encarga de enviar mensajes de confirmación, alertas y recibos a los usuarios por correo electrónico o SMS. Se utiliza un protocolo de comunicación seguro entre los microservicios y la base de datos. Se utiliza una interfaz de usuario sencilla e intuitiva que permite al usuario seleccionar la opción de recibir un recibo por correo electrónico, ingresar su dirección de correo electrónico y confirmar la operación fácilmente.</a:t>
+            </a:r>
+            <a:r>
+              <a:rPr lang="en-US" sz="1800" b="0" i="0" dirty="0">
+                <a:solidFill>
+                  <a:srgbClr val="000000"/>
+                </a:solidFill>
+                <a:effectLst/>
+                <a:latin typeface="Calibri" panose="020F0502020204030204" pitchFamily="34" charset="0"/>
+              </a:rPr>
+              <a:t> </a:t>
+            </a:r>
+            <a:endParaRPr lang="en-US" b="0" i="0" dirty="0">
+              <a:solidFill>
+                <a:srgbClr val="000000"/>
+              </a:solidFill>
+              <a:effectLst/>
+              <a:latin typeface="Segoe UI" panose="020B0502040204020203" pitchFamily="34" charset="0"/>
+            </a:endParaRPr>
+          </a:p>
+          <a:p>
+            <a:pPr algn="just" rtl="0" fontAlgn="base"/>
+            <a:r>
+              <a:rPr lang="es-BO" sz="1800" b="0" i="0" dirty="0">
+                <a:solidFill>
+                  <a:srgbClr val="000000"/>
+                </a:solidFill>
+                <a:effectLst/>
+                <a:latin typeface="Calibri" panose="020F0502020204030204" pitchFamily="34" charset="0"/>
+              </a:rPr>
+              <a:t>Medición: se mide el tiempo de respuesta del sistema desde que el usuario selecciona la opción de recibir un recibo por correo electrónico hasta que se muestra el mensaje de confirmación. Se mide el nivel de satisfacción del usuario con la interfaz de usuario, la información mostrada y el recibo enviado. Se mide el nivel de seguridad del sistema frente a posibles ataques o fraudes. Se mide el nivel de disponibilidad del sistema frente a posibles fallas o interrupciones.</a:t>
+            </a:r>
+            <a:r>
+              <a:rPr lang="en-US" sz="1800" b="0" i="0" dirty="0">
+                <a:solidFill>
+                  <a:srgbClr val="000000"/>
+                </a:solidFill>
+                <a:effectLst/>
+                <a:latin typeface="Calibri" panose="020F0502020204030204" pitchFamily="34" charset="0"/>
+              </a:rPr>
+              <a:t> </a:t>
+            </a:r>
+            <a:endParaRPr lang="en-US" b="0" i="0" dirty="0">
+              <a:solidFill>
+                <a:srgbClr val="000000"/>
+              </a:solidFill>
+              <a:effectLst/>
+              <a:latin typeface="Segoe UI" panose="020B0502040204020203" pitchFamily="34" charset="0"/>
+            </a:endParaRPr>
+          </a:p>
+        </p:txBody>
+      </p:sp>
+    </p:spTree>
+    <p:extLst>
+      <p:ext uri="{BB962C8B-B14F-4D97-AF65-F5344CB8AC3E}">
+        <p14:creationId xmlns:p14="http://schemas.microsoft.com/office/powerpoint/2010/main" val="3411408215"/>
+      </p:ext>
+    </p:extLst>
+  </p:cSld>
+  <p:clrMapOvr>
+    <a:overrideClrMapping bg1="lt1" tx1="dk1" bg2="lt2" tx2="dk2" accent1="accent1" accent2="accent2" accent3="accent3" accent4="accent4" accent5="accent5" accent6="accent6" hlink="hlink" folHlink="folHlink"/>
+  </p:clrMapOvr>
+</p:sld>
+</file>
+
+<file path=ppt/slides/slide19.xml><?xml version="1.0" encoding="utf-8"?>
+<p:sld xmlns:a="http://schemas.openxmlformats.org/drawingml/2006/main" xmlns:r="http://schemas.openxmlformats.org/officeDocument/2006/relationships" xmlns:p="http://schemas.openxmlformats.org/presentationml/2006/main" show="0">
+  <p:cSld>
+    <p:bg>
+      <p:bgPr>
+        <a:gradFill rotWithShape="1">
+          <a:gsLst>
+            <a:gs pos="0">
+              <a:schemeClr val="bg2">
+                <a:tint val="97000"/>
+                <a:hueMod val="88000"/>
+                <a:satMod val="130000"/>
+                <a:lumMod val="124000"/>
+              </a:schemeClr>
+            </a:gs>
+            <a:gs pos="100000">
+              <a:schemeClr val="bg2">
+                <a:tint val="96000"/>
+                <a:shade val="88000"/>
+                <a:hueMod val="108000"/>
+                <a:satMod val="164000"/>
+                <a:lumMod val="76000"/>
+              </a:schemeClr>
+            </a:gs>
+          </a:gsLst>
+          <a:path path="circle">
+            <a:fillToRect l="45000" t="65000" r="125000" b="100000"/>
+          </a:path>
+        </a:gradFill>
+        <a:effectLst/>
+      </p:bgPr>
+    </p:bg>
+    <p:spTree>
+      <p:nvGrpSpPr>
+        <p:cNvPr id="1" name=""/>
+        <p:cNvGrpSpPr/>
+        <p:nvPr/>
+      </p:nvGrpSpPr>
+      <p:grpSpPr>
+        <a:xfrm>
+          <a:off x="0" y="0"/>
+          <a:ext cx="0" cy="0"/>
+          <a:chOff x="0" y="0"/>
+          <a:chExt cx="0" cy="0"/>
+        </a:xfrm>
+      </p:grpSpPr>
+      <p:sp>
+        <p:nvSpPr>
+          <p:cNvPr id="2" name="Título 1">
+            <a:extLst>
+              <a:ext uri="{FF2B5EF4-FFF2-40B4-BE49-F238E27FC236}">
+                <a16:creationId xmlns:a16="http://schemas.microsoft.com/office/drawing/2014/main" id="{0F39DD4F-BB62-8F0D-E6D5-CFFBD13A4423}"/>
+              </a:ext>
+            </a:extLst>
+          </p:cNvPr>
+          <p:cNvSpPr>
+            <a:spLocks noGrp="1"/>
+          </p:cNvSpPr>
+          <p:nvPr>
+            <p:ph type="title"/>
+          </p:nvPr>
+        </p:nvSpPr>
+        <p:spPr>
+          <a:xfrm>
+            <a:off x="1154955" y="1447800"/>
+            <a:ext cx="6974915" cy="3329581"/>
+          </a:xfrm>
+        </p:spPr>
+        <p:txBody>
+          <a:bodyPr vert="horz" lIns="91440" tIns="45720" rIns="91440" bIns="45720" rtlCol="0" anchor="b">
+            <a:normAutofit/>
+          </a:bodyPr>
+          <a:lstStyle/>
+          <a:p>
+            <a:r>
+              <a:rPr lang="en-US" sz="7200" b="0" i="0" kern="1200" dirty="0">
+                <a:solidFill>
+                  <a:schemeClr val="tx2"/>
+                </a:solidFill>
+                <a:latin typeface="+mj-lt"/>
+                <a:ea typeface="+mj-ea"/>
+                <a:cs typeface="+mj-cs"/>
+              </a:rPr>
+              <a:t> </a:t>
+            </a:r>
+          </a:p>
+        </p:txBody>
+      </p:sp>
+      <p:sp>
+        <p:nvSpPr>
+          <p:cNvPr id="4" name="CuadroTexto 3">
+            <a:extLst>
+              <a:ext uri="{FF2B5EF4-FFF2-40B4-BE49-F238E27FC236}">
+                <a16:creationId xmlns:a16="http://schemas.microsoft.com/office/drawing/2014/main" id="{6B2AE631-0197-0B78-66C2-508E64AD60C9}"/>
+              </a:ext>
+            </a:extLst>
+          </p:cNvPr>
+          <p:cNvSpPr txBox="1"/>
+          <p:nvPr/>
+        </p:nvSpPr>
+        <p:spPr>
+          <a:xfrm>
+            <a:off x="30105" y="0"/>
+            <a:ext cx="11567728" cy="6001643"/>
+          </a:xfrm>
+          <a:prstGeom prst="rect">
+            <a:avLst/>
+          </a:prstGeom>
+          <a:noFill/>
+        </p:spPr>
+        <p:txBody>
+          <a:bodyPr wrap="square">
+            <a:spAutoFit/>
+          </a:bodyPr>
+          <a:lstStyle/>
+          <a:p>
+            <a:pPr algn="just" rtl="0" fontAlgn="base"/>
+            <a:r>
+              <a:rPr lang="es-BO" sz="1600" b="0" i="0" dirty="0">
+                <a:solidFill>
+                  <a:srgbClr val="000000"/>
+                </a:solidFill>
+                <a:effectLst/>
+                <a:latin typeface="Calibri" panose="020F0502020204030204" pitchFamily="34" charset="0"/>
+              </a:rPr>
+              <a:t>Escenario 8: Un usuario quiere recibir una alerta por SMS si su saldo en moneda extranjera baja de un cierto umbral.</a:t>
+            </a:r>
+            <a:r>
+              <a:rPr lang="en-US" sz="1600" b="0" i="0" dirty="0">
+                <a:solidFill>
+                  <a:srgbClr val="000000"/>
+                </a:solidFill>
+                <a:effectLst/>
+                <a:latin typeface="Calibri" panose="020F0502020204030204" pitchFamily="34" charset="0"/>
+              </a:rPr>
+              <a:t> </a:t>
+            </a:r>
+            <a:endParaRPr lang="en-US" sz="1600" b="0" i="0" dirty="0">
+              <a:solidFill>
+                <a:srgbClr val="000000"/>
+              </a:solidFill>
+              <a:effectLst/>
+              <a:latin typeface="Segoe UI" panose="020B0502040204020203" pitchFamily="34" charset="0"/>
+            </a:endParaRPr>
+          </a:p>
+          <a:p>
+            <a:pPr algn="just" rtl="0" fontAlgn="base"/>
+            <a:r>
+              <a:rPr lang="es-BO" sz="1600" b="0" i="0" dirty="0">
+                <a:solidFill>
+                  <a:srgbClr val="000000"/>
+                </a:solidFill>
+                <a:effectLst/>
+                <a:latin typeface="Calibri" panose="020F0502020204030204" pitchFamily="34" charset="0"/>
+              </a:rPr>
+              <a:t>Justificación: este escenario muestra una de las funcionalidades de notificación del sistema, que es permitir a los usuarios recibir una alerta por SMS si su saldo en moneda extranjera baja de un cierto umbral que ellos mismos pueden configurar.</a:t>
+            </a:r>
+            <a:r>
+              <a:rPr lang="en-US" sz="1600" b="0" i="0" dirty="0">
+                <a:solidFill>
+                  <a:srgbClr val="000000"/>
+                </a:solidFill>
+                <a:effectLst/>
+                <a:latin typeface="Calibri" panose="020F0502020204030204" pitchFamily="34" charset="0"/>
+              </a:rPr>
+              <a:t> </a:t>
+            </a:r>
+            <a:endParaRPr lang="en-US" sz="1600" b="0" i="0" dirty="0">
+              <a:solidFill>
+                <a:srgbClr val="000000"/>
+              </a:solidFill>
+              <a:effectLst/>
+              <a:latin typeface="Segoe UI" panose="020B0502040204020203" pitchFamily="34" charset="0"/>
+            </a:endParaRPr>
+          </a:p>
+          <a:p>
+            <a:pPr algn="just" rtl="0" fontAlgn="base"/>
+            <a:r>
+              <a:rPr lang="es-BO" sz="1600" b="0" i="0" dirty="0">
+                <a:solidFill>
+                  <a:srgbClr val="000000"/>
+                </a:solidFill>
+                <a:effectLst/>
+                <a:latin typeface="Calibri" panose="020F0502020204030204" pitchFamily="34" charset="0"/>
+              </a:rPr>
+              <a:t>Atributos de calidad: usabilidad, rendimiento, seguridad, disponibilidad.</a:t>
+            </a:r>
+            <a:r>
+              <a:rPr lang="en-US" sz="1600" b="0" i="0" dirty="0">
+                <a:solidFill>
+                  <a:srgbClr val="000000"/>
+                </a:solidFill>
+                <a:effectLst/>
+                <a:latin typeface="Calibri" panose="020F0502020204030204" pitchFamily="34" charset="0"/>
+              </a:rPr>
+              <a:t> </a:t>
+            </a:r>
+            <a:endParaRPr lang="en-US" sz="1600" b="0" i="0" dirty="0">
+              <a:solidFill>
+                <a:srgbClr val="000000"/>
+              </a:solidFill>
+              <a:effectLst/>
+              <a:latin typeface="Segoe UI" panose="020B0502040204020203" pitchFamily="34" charset="0"/>
+            </a:endParaRPr>
+          </a:p>
+          <a:p>
+            <a:pPr algn="just" rtl="0" fontAlgn="base"/>
+            <a:r>
+              <a:rPr lang="es-BO" sz="1600" b="0" i="0" dirty="0">
+                <a:solidFill>
+                  <a:srgbClr val="000000"/>
+                </a:solidFill>
+                <a:effectLst/>
+                <a:latin typeface="Calibri" panose="020F0502020204030204" pitchFamily="34" charset="0"/>
+              </a:rPr>
+              <a:t>Estímulos: el usuario inserta su tarjeta y digita su PIN en el cajero automático, luego selecciona la opción de configuración en el menú principal, luego selecciona la opción de alertas en el menú de configuración, luego selecciona la opción de alerta por SMS en el menú de alertas, luego ingresa su número de teléfono y el umbral de saldo en moneda extranjera que desea establecer y confirma la operación.</a:t>
+            </a:r>
+            <a:r>
+              <a:rPr lang="en-US" sz="1600" b="0" i="0" dirty="0">
+                <a:solidFill>
+                  <a:srgbClr val="000000"/>
+                </a:solidFill>
+                <a:effectLst/>
+                <a:latin typeface="Calibri" panose="020F0502020204030204" pitchFamily="34" charset="0"/>
+              </a:rPr>
+              <a:t> </a:t>
+            </a:r>
+            <a:endParaRPr lang="en-US" sz="1600" b="0" i="0" dirty="0">
+              <a:solidFill>
+                <a:srgbClr val="000000"/>
+              </a:solidFill>
+              <a:effectLst/>
+              <a:latin typeface="Segoe UI" panose="020B0502040204020203" pitchFamily="34" charset="0"/>
+            </a:endParaRPr>
+          </a:p>
+          <a:p>
+            <a:pPr algn="just" rtl="0" fontAlgn="base"/>
+            <a:r>
+              <a:rPr lang="es-BO" sz="1600" b="0" i="0" dirty="0">
+                <a:solidFill>
+                  <a:srgbClr val="000000"/>
+                </a:solidFill>
+                <a:effectLst/>
+                <a:latin typeface="Calibri" panose="020F0502020204030204" pitchFamily="34" charset="0"/>
+              </a:rPr>
+              <a:t>Respuesta: el sistema valida la tarjeta y el PIN del usuario, luego muestra el menú de configuración al usuario, luego muestra el menú de alertas al usuario con las opciones disponibles, luego verifica que el número de teléfono y el umbral de saldo ingresados por el usuario sean válidos, luego guarda la configuración de alerta por SMS del usuario en la base de datos, luego muestra un mensaje de confirmación al usuario en la pantalla del cajero automático. Si en algún momento el saldo del usuario en moneda extranjera baja del umbral establecido, el sistema envía un SMS al usuario con el saldo actual y una advertencia.</a:t>
+            </a:r>
+            <a:r>
+              <a:rPr lang="en-US" sz="1600" b="0" i="0" dirty="0">
+                <a:solidFill>
+                  <a:srgbClr val="000000"/>
+                </a:solidFill>
+                <a:effectLst/>
+                <a:latin typeface="Calibri" panose="020F0502020204030204" pitchFamily="34" charset="0"/>
+              </a:rPr>
+              <a:t> </a:t>
+            </a:r>
+            <a:endParaRPr lang="en-US" sz="1600" b="0" i="0" dirty="0">
+              <a:solidFill>
+                <a:srgbClr val="000000"/>
+              </a:solidFill>
+              <a:effectLst/>
+              <a:latin typeface="Segoe UI" panose="020B0502040204020203" pitchFamily="34" charset="0"/>
+            </a:endParaRPr>
+          </a:p>
+          <a:p>
+            <a:pPr algn="just" rtl="0" fontAlgn="base"/>
+            <a:r>
+              <a:rPr lang="es-BO" sz="1600" b="0" i="0" dirty="0">
+                <a:solidFill>
+                  <a:srgbClr val="000000"/>
+                </a:solidFill>
+                <a:effectLst/>
+                <a:latin typeface="Calibri" panose="020F0502020204030204" pitchFamily="34" charset="0"/>
+              </a:rPr>
+              <a:t>Decisiones de arquitectura: se utiliza un microservicio de autenticación que se encarga de validar la identidad de los usuarios mediante el uso de una tarjeta y un PIN. Se utiliza un microservicio de configuración que se encarga de permitir a los usuarios configurar las alertas por SMS. Se utiliza un microservicio de notificación que se encarga de enviar mensajes de confirmación, alertas y recibos a los usuarios por correo electrónico o SMS. Se utiliza un protocolo de comunicación seguro entre los microservicios y la base de datos. Se utiliza una interfaz de usuario sencilla e intuitiva que permite al usuario seleccionar la opción de configuración, la opción de alertas, la opción de alerta por SMS, ingresar su número de teléfono y el umbral de saldo y confirmar la operación fácilmente. Se utiliza un mecanismo de verificación que se encarga de validar el número de teléfono y el umbral de saldo ingresados por el usuario. Se utiliza un mecanismo de envío que se encarga de enviar los SMS a los usuarios mediante un proveedor externo.</a:t>
+            </a:r>
+            <a:r>
+              <a:rPr lang="en-US" sz="1600" b="0" i="0" dirty="0">
+                <a:solidFill>
+                  <a:srgbClr val="000000"/>
+                </a:solidFill>
+                <a:effectLst/>
+                <a:latin typeface="Calibri" panose="020F0502020204030204" pitchFamily="34" charset="0"/>
+              </a:rPr>
+              <a:t> </a:t>
+            </a:r>
+            <a:endParaRPr lang="en-US" sz="1600" b="0" i="0" dirty="0">
+              <a:solidFill>
+                <a:srgbClr val="000000"/>
+              </a:solidFill>
+              <a:effectLst/>
+              <a:latin typeface="Segoe UI" panose="020B0502040204020203" pitchFamily="34" charset="0"/>
+            </a:endParaRPr>
+          </a:p>
+          <a:p>
+            <a:pPr algn="just" rtl="0" fontAlgn="base"/>
+            <a:r>
+              <a:rPr lang="es-BO" sz="1600" b="0" i="0" dirty="0">
+                <a:solidFill>
+                  <a:srgbClr val="000000"/>
+                </a:solidFill>
+                <a:effectLst/>
+                <a:latin typeface="Calibri" panose="020F0502020204030204" pitchFamily="34" charset="0"/>
+              </a:rPr>
+              <a:t>Medición: se mide el tiempo de respuesta del sistema desde que el usuario selecciona la opción de configuración hasta que se muestra el mensaje de confirmación. Se mide el tiempo de envío del SMS desde que se detecta el saldo bajo hasta que se recibe el SMS. Se mide el nivel de satisfacción del usuario con la interfaz de usuario, la información mostrada y el SMS enviado. Se mide el nivel de seguridad del sistema frente a posibles ataques o fraudes. Se mide el nivel de disponibilidad del sistema frente a posibles fallas o interrupciones.</a:t>
+            </a:r>
+            <a:r>
+              <a:rPr lang="en-US" sz="1600" b="0" i="0" dirty="0">
+                <a:solidFill>
+                  <a:srgbClr val="000000"/>
+                </a:solidFill>
+                <a:effectLst/>
+                <a:latin typeface="Calibri" panose="020F0502020204030204" pitchFamily="34" charset="0"/>
+              </a:rPr>
+              <a:t> </a:t>
+            </a:r>
+            <a:endParaRPr lang="en-US" sz="1600" b="0" i="0" dirty="0">
+              <a:solidFill>
+                <a:srgbClr val="000000"/>
+              </a:solidFill>
+              <a:effectLst/>
+              <a:latin typeface="Segoe UI" panose="020B0502040204020203" pitchFamily="34" charset="0"/>
+            </a:endParaRPr>
+          </a:p>
+        </p:txBody>
+      </p:sp>
+    </p:spTree>
+    <p:extLst>
+      <p:ext uri="{BB962C8B-B14F-4D97-AF65-F5344CB8AC3E}">
+        <p14:creationId xmlns:p14="http://schemas.microsoft.com/office/powerpoint/2010/main" val="435736933"/>
+      </p:ext>
+    </p:extLst>
+  </p:cSld>
+  <p:clrMapOvr>
+    <a:overrideClrMapping bg1="lt1" tx1="dk1" bg2="lt2" tx2="dk2" accent1="accent1" accent2="accent2" accent3="accent3" accent4="accent4" accent5="accent5" accent6="accent6" hlink="hlink" folHlink="folHlink"/>
+  </p:clrMapOvr>
+</p:sld>
+</file>
+
 <file path=ppt/slides/slide2.xml><?xml version="1.0" encoding="utf-8"?>
 <p:sld xmlns:a="http://schemas.openxmlformats.org/drawingml/2006/main" xmlns:r="http://schemas.openxmlformats.org/officeDocument/2006/relationships" xmlns:p="http://schemas.openxmlformats.org/presentationml/2006/main">
   <p:cSld>
@@ -7611,6 +11712,346 @@
   </p:cSld>
   <p:clrMapOvr>
     <a:masterClrMapping/>
+  </p:clrMapOvr>
+</p:sld>
+</file>
+
+<file path=ppt/slides/slide20.xml><?xml version="1.0" encoding="utf-8"?>
+<p:sld xmlns:a="http://schemas.openxmlformats.org/drawingml/2006/main" xmlns:r="http://schemas.openxmlformats.org/officeDocument/2006/relationships" xmlns:p="http://schemas.openxmlformats.org/presentationml/2006/main" show="0">
+  <p:cSld>
+    <p:bg>
+      <p:bgPr>
+        <a:gradFill rotWithShape="1">
+          <a:gsLst>
+            <a:gs pos="0">
+              <a:schemeClr val="bg2">
+                <a:tint val="97000"/>
+                <a:hueMod val="88000"/>
+                <a:satMod val="130000"/>
+                <a:lumMod val="124000"/>
+              </a:schemeClr>
+            </a:gs>
+            <a:gs pos="100000">
+              <a:schemeClr val="bg2">
+                <a:tint val="96000"/>
+                <a:shade val="88000"/>
+                <a:hueMod val="108000"/>
+                <a:satMod val="164000"/>
+                <a:lumMod val="76000"/>
+              </a:schemeClr>
+            </a:gs>
+          </a:gsLst>
+          <a:path path="circle">
+            <a:fillToRect l="45000" t="65000" r="125000" b="100000"/>
+          </a:path>
+        </a:gradFill>
+        <a:effectLst/>
+      </p:bgPr>
+    </p:bg>
+    <p:spTree>
+      <p:nvGrpSpPr>
+        <p:cNvPr id="1" name=""/>
+        <p:cNvGrpSpPr/>
+        <p:nvPr/>
+      </p:nvGrpSpPr>
+      <p:grpSpPr>
+        <a:xfrm>
+          <a:off x="0" y="0"/>
+          <a:ext cx="0" cy="0"/>
+          <a:chOff x="0" y="0"/>
+          <a:chExt cx="0" cy="0"/>
+        </a:xfrm>
+      </p:grpSpPr>
+      <p:sp>
+        <p:nvSpPr>
+          <p:cNvPr id="2" name="Título 1">
+            <a:extLst>
+              <a:ext uri="{FF2B5EF4-FFF2-40B4-BE49-F238E27FC236}">
+                <a16:creationId xmlns:a16="http://schemas.microsoft.com/office/drawing/2014/main" id="{0F39DD4F-BB62-8F0D-E6D5-CFFBD13A4423}"/>
+              </a:ext>
+            </a:extLst>
+          </p:cNvPr>
+          <p:cNvSpPr>
+            <a:spLocks noGrp="1"/>
+          </p:cNvSpPr>
+          <p:nvPr>
+            <p:ph type="title"/>
+          </p:nvPr>
+        </p:nvSpPr>
+        <p:spPr>
+          <a:xfrm>
+            <a:off x="1154955" y="1447800"/>
+            <a:ext cx="6974915" cy="3329581"/>
+          </a:xfrm>
+        </p:spPr>
+        <p:txBody>
+          <a:bodyPr vert="horz" lIns="91440" tIns="45720" rIns="91440" bIns="45720" rtlCol="0" anchor="b">
+            <a:normAutofit/>
+          </a:bodyPr>
+          <a:lstStyle/>
+          <a:p>
+            <a:r>
+              <a:rPr lang="en-US" sz="7200" b="0" i="0" kern="1200" dirty="0">
+                <a:solidFill>
+                  <a:schemeClr val="tx2"/>
+                </a:solidFill>
+                <a:latin typeface="+mj-lt"/>
+                <a:ea typeface="+mj-ea"/>
+                <a:cs typeface="+mj-cs"/>
+              </a:rPr>
+              <a:t> </a:t>
+            </a:r>
+          </a:p>
+        </p:txBody>
+      </p:sp>
+      <p:sp>
+        <p:nvSpPr>
+          <p:cNvPr id="4" name="CuadroTexto 3">
+            <a:extLst>
+              <a:ext uri="{FF2B5EF4-FFF2-40B4-BE49-F238E27FC236}">
+                <a16:creationId xmlns:a16="http://schemas.microsoft.com/office/drawing/2014/main" id="{6B2AE631-0197-0B78-66C2-508E64AD60C9}"/>
+              </a:ext>
+            </a:extLst>
+          </p:cNvPr>
+          <p:cNvSpPr txBox="1"/>
+          <p:nvPr/>
+        </p:nvSpPr>
+        <p:spPr>
+          <a:xfrm>
+            <a:off x="115747" y="150470"/>
+            <a:ext cx="10579261" cy="6740307"/>
+          </a:xfrm>
+          <a:prstGeom prst="rect">
+            <a:avLst/>
+          </a:prstGeom>
+          <a:noFill/>
+        </p:spPr>
+        <p:txBody>
+          <a:bodyPr wrap="square">
+            <a:spAutoFit/>
+          </a:bodyPr>
+          <a:lstStyle/>
+          <a:p>
+            <a:pPr algn="just" rtl="0" fontAlgn="base"/>
+            <a:r>
+              <a:rPr lang="es-BO" sz="1800" b="0" i="0">
+                <a:solidFill>
+                  <a:srgbClr val="000000"/>
+                </a:solidFill>
+                <a:effectLst/>
+                <a:latin typeface="Calibri" panose="020F0502020204030204" pitchFamily="34" charset="0"/>
+              </a:rPr>
+              <a:t>Escenario 9: Un administrador quiere monitorear el estado y el rendimiento de los microservicios del sistema.</a:t>
+            </a:r>
+            <a:r>
+              <a:rPr lang="en-US" sz="1800" b="0" i="0">
+                <a:solidFill>
+                  <a:srgbClr val="000000"/>
+                </a:solidFill>
+                <a:effectLst/>
+                <a:latin typeface="Calibri" panose="020F0502020204030204" pitchFamily="34" charset="0"/>
+              </a:rPr>
+              <a:t> </a:t>
+            </a:r>
+            <a:endParaRPr lang="en-US" b="0" i="0">
+              <a:solidFill>
+                <a:srgbClr val="000000"/>
+              </a:solidFill>
+              <a:effectLst/>
+              <a:latin typeface="Segoe UI" panose="020B0502040204020203" pitchFamily="34" charset="0"/>
+            </a:endParaRPr>
+          </a:p>
+          <a:p>
+            <a:pPr algn="just" rtl="0" fontAlgn="base"/>
+            <a:r>
+              <a:rPr lang="es-BO" sz="1800" b="0" i="0">
+                <a:solidFill>
+                  <a:srgbClr val="000000"/>
+                </a:solidFill>
+                <a:effectLst/>
+                <a:latin typeface="Calibri" panose="020F0502020204030204" pitchFamily="34" charset="0"/>
+              </a:rPr>
+              <a:t>Justificación: este escenario muestra una de las funcionalidades de observabilidad del sistema, que es permitir a los administradores monitorear el estado y el rendimiento de los microservicios del sistema, así como identificar y solucionar posibles problemas o anomalías.</a:t>
+            </a:r>
+            <a:r>
+              <a:rPr lang="en-US" sz="1800" b="0" i="0">
+                <a:solidFill>
+                  <a:srgbClr val="000000"/>
+                </a:solidFill>
+                <a:effectLst/>
+                <a:latin typeface="Calibri" panose="020F0502020204030204" pitchFamily="34" charset="0"/>
+              </a:rPr>
+              <a:t> </a:t>
+            </a:r>
+            <a:endParaRPr lang="en-US" b="0" i="0">
+              <a:solidFill>
+                <a:srgbClr val="000000"/>
+              </a:solidFill>
+              <a:effectLst/>
+              <a:latin typeface="Segoe UI" panose="020B0502040204020203" pitchFamily="34" charset="0"/>
+            </a:endParaRPr>
+          </a:p>
+          <a:p>
+            <a:pPr algn="just" rtl="0" fontAlgn="base"/>
+            <a:r>
+              <a:rPr lang="es-BO" sz="1800" b="0" i="0">
+                <a:solidFill>
+                  <a:srgbClr val="000000"/>
+                </a:solidFill>
+                <a:effectLst/>
+                <a:latin typeface="Calibri" panose="020F0502020204030204" pitchFamily="34" charset="0"/>
+              </a:rPr>
+              <a:t>Atributos de calidad: rendimiento, disponibilidad, mantenibilidad, escalabilidad.</a:t>
+            </a:r>
+            <a:r>
+              <a:rPr lang="en-US" sz="1800" b="0" i="0">
+                <a:solidFill>
+                  <a:srgbClr val="000000"/>
+                </a:solidFill>
+                <a:effectLst/>
+                <a:latin typeface="Calibri" panose="020F0502020204030204" pitchFamily="34" charset="0"/>
+              </a:rPr>
+              <a:t> </a:t>
+            </a:r>
+            <a:endParaRPr lang="en-US" b="0" i="0">
+              <a:solidFill>
+                <a:srgbClr val="000000"/>
+              </a:solidFill>
+              <a:effectLst/>
+              <a:latin typeface="Segoe UI" panose="020B0502040204020203" pitchFamily="34" charset="0"/>
+            </a:endParaRPr>
+          </a:p>
+          <a:p>
+            <a:pPr algn="just" rtl="0" fontAlgn="base"/>
+            <a:r>
+              <a:rPr lang="es-BO" sz="1800" b="0" i="0">
+                <a:solidFill>
+                  <a:srgbClr val="000000"/>
+                </a:solidFill>
+                <a:effectLst/>
+                <a:latin typeface="Calibri" panose="020F0502020204030204" pitchFamily="34" charset="0"/>
+              </a:rPr>
+              <a:t>Estímulos: el administrador accede al sistema mediante un navegador web, luego ingresa su usuario y contraseña, luego selecciona la opción de monitoreo en el menú principal, luego visualiza un panel con las métricas, los registros y los rastreos de los microservicios del sistema.</a:t>
+            </a:r>
+            <a:r>
+              <a:rPr lang="en-US" sz="1800" b="0" i="0">
+                <a:solidFill>
+                  <a:srgbClr val="000000"/>
+                </a:solidFill>
+                <a:effectLst/>
+                <a:latin typeface="Calibri" panose="020F0502020204030204" pitchFamily="34" charset="0"/>
+              </a:rPr>
+              <a:t> </a:t>
+            </a:r>
+            <a:endParaRPr lang="en-US" b="0" i="0">
+              <a:solidFill>
+                <a:srgbClr val="000000"/>
+              </a:solidFill>
+              <a:effectLst/>
+              <a:latin typeface="Segoe UI" panose="020B0502040204020203" pitchFamily="34" charset="0"/>
+            </a:endParaRPr>
+          </a:p>
+          <a:p>
+            <a:pPr algn="just" rtl="0" fontAlgn="base"/>
+            <a:r>
+              <a:rPr lang="es-BO" sz="1800" b="0" i="0">
+                <a:solidFill>
+                  <a:srgbClr val="000000"/>
+                </a:solidFill>
+                <a:effectLst/>
+                <a:latin typeface="Calibri" panose="020F0502020204030204" pitchFamily="34" charset="0"/>
+              </a:rPr>
+              <a:t>Respuesta: el sistema valida el usuario y la contraseña del administrador, luego muestra el menú principal al administrador, luego muestra el panel de monitoreo al administrador con las métricas, los registros y los rastreos de los microservicios del sistema, que incluyen información sobre el uso de recursos, el tiempo de respuesta, el número de peticiones, el número de errores, el número de instancias, etc. El sistema permite al administrador filtrar, ordenar, agrupar y comparar los datos según diferentes criterios, así como crear alarmas, acciones y reportes personalizados.</a:t>
+            </a:r>
+            <a:r>
+              <a:rPr lang="en-US" sz="1800" b="0" i="0">
+                <a:solidFill>
+                  <a:srgbClr val="000000"/>
+                </a:solidFill>
+                <a:effectLst/>
+                <a:latin typeface="Calibri" panose="020F0502020204030204" pitchFamily="34" charset="0"/>
+              </a:rPr>
+              <a:t> </a:t>
+            </a:r>
+            <a:endParaRPr lang="en-US" b="0" i="0">
+              <a:solidFill>
+                <a:srgbClr val="000000"/>
+              </a:solidFill>
+              <a:effectLst/>
+              <a:latin typeface="Segoe UI" panose="020B0502040204020203" pitchFamily="34" charset="0"/>
+            </a:endParaRPr>
+          </a:p>
+          <a:p>
+            <a:pPr algn="just" rtl="0" fontAlgn="base"/>
+            <a:r>
+              <a:rPr lang="es-BO" sz="1800" b="0" i="0">
+                <a:solidFill>
+                  <a:srgbClr val="000000"/>
+                </a:solidFill>
+                <a:effectLst/>
+                <a:latin typeface="Calibri" panose="020F0502020204030204" pitchFamily="34" charset="0"/>
+              </a:rPr>
+              <a:t>Decisiones de arquitectura: se utiliza un microservicio de administración que se encarga de permitir a los administradores acceder al sistema y seleccionar la opción de monitoreo. Se utiliza un servicio externo de monitoreo y observabilidad que se encarga de recopilar, almacenar y analizar las métricas, los registros y los rastreos de los microservicios del sistema. Se utiliza un protocolo de comunicación seguro entre el microservicio de administración y el servicio externo de monitoreo y observabilidad. Se utiliza una interfaz de usuario sencilla e intuitiva que permite al administrador visualizar el panel de monitoreo y manipular los datos fácilmente.</a:t>
+            </a:r>
+            <a:r>
+              <a:rPr lang="en-US" sz="1800" b="0" i="0">
+                <a:solidFill>
+                  <a:srgbClr val="000000"/>
+                </a:solidFill>
+                <a:effectLst/>
+                <a:latin typeface="Calibri" panose="020F0502020204030204" pitchFamily="34" charset="0"/>
+              </a:rPr>
+              <a:t> </a:t>
+            </a:r>
+            <a:endParaRPr lang="en-US" b="0" i="0">
+              <a:solidFill>
+                <a:srgbClr val="000000"/>
+              </a:solidFill>
+              <a:effectLst/>
+              <a:latin typeface="Segoe UI" panose="020B0502040204020203" pitchFamily="34" charset="0"/>
+            </a:endParaRPr>
+          </a:p>
+          <a:p>
+            <a:pPr algn="just" rtl="0" fontAlgn="base"/>
+            <a:r>
+              <a:rPr lang="es-BO" sz="1800" b="0" i="0">
+                <a:solidFill>
+                  <a:srgbClr val="000000"/>
+                </a:solidFill>
+                <a:effectLst/>
+                <a:latin typeface="Calibri" panose="020F0502020204030204" pitchFamily="34" charset="0"/>
+              </a:rPr>
+              <a:t>Medición: se mide el tiempo de respuesta del sistema desde que el administrador selecciona la opción de monitoreo hasta que se muestra el panel de monitoreo. Se mide el nivel de satisfacción del administrador con la interfaz de usuario y la información mostrada. Se mide el nivel de rendimiento, disponibilidad, mantenibilidad y escalabilidad de los microservicios del sistema.</a:t>
+            </a:r>
+            <a:r>
+              <a:rPr lang="en-US" sz="1800" b="0" i="0">
+                <a:solidFill>
+                  <a:srgbClr val="000000"/>
+                </a:solidFill>
+                <a:effectLst/>
+                <a:latin typeface="Calibri" panose="020F0502020204030204" pitchFamily="34" charset="0"/>
+              </a:rPr>
+              <a:t> </a:t>
+            </a:r>
+            <a:endParaRPr lang="en-US" b="0" i="0">
+              <a:solidFill>
+                <a:srgbClr val="000000"/>
+              </a:solidFill>
+              <a:effectLst/>
+              <a:latin typeface="Segoe UI" panose="020B0502040204020203" pitchFamily="34" charset="0"/>
+            </a:endParaRPr>
+          </a:p>
+        </p:txBody>
+      </p:sp>
+    </p:spTree>
+    <p:extLst>
+      <p:ext uri="{BB962C8B-B14F-4D97-AF65-F5344CB8AC3E}">
+        <p14:creationId xmlns:p14="http://schemas.microsoft.com/office/powerpoint/2010/main" val="201242456"/>
+      </p:ext>
+    </p:extLst>
+  </p:cSld>
+  <p:clrMapOvr>
+    <a:overrideClrMapping bg1="lt1" tx1="dk1" bg2="lt2" tx2="dk2" accent1="accent1" accent2="accent2" accent3="accent3" accent4="accent4" accent5="accent5" accent6="accent6" hlink="hlink" folHlink="folHlink"/>
   </p:clrMapOvr>
 </p:sld>
 </file>
@@ -14100,4 +18541,348 @@
     </a:ext>
   </a:extLst>
 </a:theme>
+</file>
+
+<file path=ppt/theme/themeOverride1.xml><?xml version="1.0" encoding="utf-8"?>
+<a:themeOverride xmlns:a="http://schemas.openxmlformats.org/drawingml/2006/main">
+  <a:clrScheme name="Ion">
+    <a:dk1>
+      <a:sysClr val="windowText" lastClr="000000"/>
+    </a:dk1>
+    <a:lt1>
+      <a:sysClr val="window" lastClr="FFFFFF"/>
+    </a:lt1>
+    <a:dk2>
+      <a:srgbClr val="1E5155"/>
+    </a:dk2>
+    <a:lt2>
+      <a:srgbClr val="EBEBEB"/>
+    </a:lt2>
+    <a:accent1>
+      <a:srgbClr val="B01513"/>
+    </a:accent1>
+    <a:accent2>
+      <a:srgbClr val="EA6312"/>
+    </a:accent2>
+    <a:accent3>
+      <a:srgbClr val="E6B729"/>
+    </a:accent3>
+    <a:accent4>
+      <a:srgbClr val="6AAC90"/>
+    </a:accent4>
+    <a:accent5>
+      <a:srgbClr val="54849A"/>
+    </a:accent5>
+    <a:accent6>
+      <a:srgbClr val="9E5E9B"/>
+    </a:accent6>
+    <a:hlink>
+      <a:srgbClr val="58C1BA"/>
+    </a:hlink>
+    <a:folHlink>
+      <a:srgbClr val="9DFFCB"/>
+    </a:folHlink>
+  </a:clrScheme>
+</a:themeOverride>
+</file>
+
+<file path=ppt/theme/themeOverride2.xml><?xml version="1.0" encoding="utf-8"?>
+<a:themeOverride xmlns:a="http://schemas.openxmlformats.org/drawingml/2006/main">
+  <a:clrScheme name="Ion">
+    <a:dk1>
+      <a:sysClr val="windowText" lastClr="000000"/>
+    </a:dk1>
+    <a:lt1>
+      <a:sysClr val="window" lastClr="FFFFFF"/>
+    </a:lt1>
+    <a:dk2>
+      <a:srgbClr val="1E5155"/>
+    </a:dk2>
+    <a:lt2>
+      <a:srgbClr val="EBEBEB"/>
+    </a:lt2>
+    <a:accent1>
+      <a:srgbClr val="B01513"/>
+    </a:accent1>
+    <a:accent2>
+      <a:srgbClr val="EA6312"/>
+    </a:accent2>
+    <a:accent3>
+      <a:srgbClr val="E6B729"/>
+    </a:accent3>
+    <a:accent4>
+      <a:srgbClr val="6AAC90"/>
+    </a:accent4>
+    <a:accent5>
+      <a:srgbClr val="54849A"/>
+    </a:accent5>
+    <a:accent6>
+      <a:srgbClr val="9E5E9B"/>
+    </a:accent6>
+    <a:hlink>
+      <a:srgbClr val="58C1BA"/>
+    </a:hlink>
+    <a:folHlink>
+      <a:srgbClr val="9DFFCB"/>
+    </a:folHlink>
+  </a:clrScheme>
+</a:themeOverride>
+</file>
+
+<file path=ppt/theme/themeOverride3.xml><?xml version="1.0" encoding="utf-8"?>
+<a:themeOverride xmlns:a="http://schemas.openxmlformats.org/drawingml/2006/main">
+  <a:clrScheme name="Ion">
+    <a:dk1>
+      <a:sysClr val="windowText" lastClr="000000"/>
+    </a:dk1>
+    <a:lt1>
+      <a:sysClr val="window" lastClr="FFFFFF"/>
+    </a:lt1>
+    <a:dk2>
+      <a:srgbClr val="1E5155"/>
+    </a:dk2>
+    <a:lt2>
+      <a:srgbClr val="EBEBEB"/>
+    </a:lt2>
+    <a:accent1>
+      <a:srgbClr val="B01513"/>
+    </a:accent1>
+    <a:accent2>
+      <a:srgbClr val="EA6312"/>
+    </a:accent2>
+    <a:accent3>
+      <a:srgbClr val="E6B729"/>
+    </a:accent3>
+    <a:accent4>
+      <a:srgbClr val="6AAC90"/>
+    </a:accent4>
+    <a:accent5>
+      <a:srgbClr val="54849A"/>
+    </a:accent5>
+    <a:accent6>
+      <a:srgbClr val="9E5E9B"/>
+    </a:accent6>
+    <a:hlink>
+      <a:srgbClr val="58C1BA"/>
+    </a:hlink>
+    <a:folHlink>
+      <a:srgbClr val="9DFFCB"/>
+    </a:folHlink>
+  </a:clrScheme>
+</a:themeOverride>
+</file>
+
+<file path=ppt/theme/themeOverride4.xml><?xml version="1.0" encoding="utf-8"?>
+<a:themeOverride xmlns:a="http://schemas.openxmlformats.org/drawingml/2006/main">
+  <a:clrScheme name="Ion">
+    <a:dk1>
+      <a:sysClr val="windowText" lastClr="000000"/>
+    </a:dk1>
+    <a:lt1>
+      <a:sysClr val="window" lastClr="FFFFFF"/>
+    </a:lt1>
+    <a:dk2>
+      <a:srgbClr val="1E5155"/>
+    </a:dk2>
+    <a:lt2>
+      <a:srgbClr val="EBEBEB"/>
+    </a:lt2>
+    <a:accent1>
+      <a:srgbClr val="B01513"/>
+    </a:accent1>
+    <a:accent2>
+      <a:srgbClr val="EA6312"/>
+    </a:accent2>
+    <a:accent3>
+      <a:srgbClr val="E6B729"/>
+    </a:accent3>
+    <a:accent4>
+      <a:srgbClr val="6AAC90"/>
+    </a:accent4>
+    <a:accent5>
+      <a:srgbClr val="54849A"/>
+    </a:accent5>
+    <a:accent6>
+      <a:srgbClr val="9E5E9B"/>
+    </a:accent6>
+    <a:hlink>
+      <a:srgbClr val="58C1BA"/>
+    </a:hlink>
+    <a:folHlink>
+      <a:srgbClr val="9DFFCB"/>
+    </a:folHlink>
+  </a:clrScheme>
+</a:themeOverride>
+</file>
+
+<file path=ppt/theme/themeOverride5.xml><?xml version="1.0" encoding="utf-8"?>
+<a:themeOverride xmlns:a="http://schemas.openxmlformats.org/drawingml/2006/main">
+  <a:clrScheme name="Ion">
+    <a:dk1>
+      <a:sysClr val="windowText" lastClr="000000"/>
+    </a:dk1>
+    <a:lt1>
+      <a:sysClr val="window" lastClr="FFFFFF"/>
+    </a:lt1>
+    <a:dk2>
+      <a:srgbClr val="1E5155"/>
+    </a:dk2>
+    <a:lt2>
+      <a:srgbClr val="EBEBEB"/>
+    </a:lt2>
+    <a:accent1>
+      <a:srgbClr val="B01513"/>
+    </a:accent1>
+    <a:accent2>
+      <a:srgbClr val="EA6312"/>
+    </a:accent2>
+    <a:accent3>
+      <a:srgbClr val="E6B729"/>
+    </a:accent3>
+    <a:accent4>
+      <a:srgbClr val="6AAC90"/>
+    </a:accent4>
+    <a:accent5>
+      <a:srgbClr val="54849A"/>
+    </a:accent5>
+    <a:accent6>
+      <a:srgbClr val="9E5E9B"/>
+    </a:accent6>
+    <a:hlink>
+      <a:srgbClr val="58C1BA"/>
+    </a:hlink>
+    <a:folHlink>
+      <a:srgbClr val="9DFFCB"/>
+    </a:folHlink>
+  </a:clrScheme>
+</a:themeOverride>
+</file>
+
+<file path=ppt/theme/themeOverride6.xml><?xml version="1.0" encoding="utf-8"?>
+<a:themeOverride xmlns:a="http://schemas.openxmlformats.org/drawingml/2006/main">
+  <a:clrScheme name="Ion">
+    <a:dk1>
+      <a:sysClr val="windowText" lastClr="000000"/>
+    </a:dk1>
+    <a:lt1>
+      <a:sysClr val="window" lastClr="FFFFFF"/>
+    </a:lt1>
+    <a:dk2>
+      <a:srgbClr val="1E5155"/>
+    </a:dk2>
+    <a:lt2>
+      <a:srgbClr val="EBEBEB"/>
+    </a:lt2>
+    <a:accent1>
+      <a:srgbClr val="B01513"/>
+    </a:accent1>
+    <a:accent2>
+      <a:srgbClr val="EA6312"/>
+    </a:accent2>
+    <a:accent3>
+      <a:srgbClr val="E6B729"/>
+    </a:accent3>
+    <a:accent4>
+      <a:srgbClr val="6AAC90"/>
+    </a:accent4>
+    <a:accent5>
+      <a:srgbClr val="54849A"/>
+    </a:accent5>
+    <a:accent6>
+      <a:srgbClr val="9E5E9B"/>
+    </a:accent6>
+    <a:hlink>
+      <a:srgbClr val="58C1BA"/>
+    </a:hlink>
+    <a:folHlink>
+      <a:srgbClr val="9DFFCB"/>
+    </a:folHlink>
+  </a:clrScheme>
+</a:themeOverride>
+</file>
+
+<file path=ppt/theme/themeOverride7.xml><?xml version="1.0" encoding="utf-8"?>
+<a:themeOverride xmlns:a="http://schemas.openxmlformats.org/drawingml/2006/main">
+  <a:clrScheme name="Ion">
+    <a:dk1>
+      <a:sysClr val="windowText" lastClr="000000"/>
+    </a:dk1>
+    <a:lt1>
+      <a:sysClr val="window" lastClr="FFFFFF"/>
+    </a:lt1>
+    <a:dk2>
+      <a:srgbClr val="1E5155"/>
+    </a:dk2>
+    <a:lt2>
+      <a:srgbClr val="EBEBEB"/>
+    </a:lt2>
+    <a:accent1>
+      <a:srgbClr val="B01513"/>
+    </a:accent1>
+    <a:accent2>
+      <a:srgbClr val="EA6312"/>
+    </a:accent2>
+    <a:accent3>
+      <a:srgbClr val="E6B729"/>
+    </a:accent3>
+    <a:accent4>
+      <a:srgbClr val="6AAC90"/>
+    </a:accent4>
+    <a:accent5>
+      <a:srgbClr val="54849A"/>
+    </a:accent5>
+    <a:accent6>
+      <a:srgbClr val="9E5E9B"/>
+    </a:accent6>
+    <a:hlink>
+      <a:srgbClr val="58C1BA"/>
+    </a:hlink>
+    <a:folHlink>
+      <a:srgbClr val="9DFFCB"/>
+    </a:folHlink>
+  </a:clrScheme>
+</a:themeOverride>
+</file>
+
+<file path=ppt/theme/themeOverride8.xml><?xml version="1.0" encoding="utf-8"?>
+<a:themeOverride xmlns:a="http://schemas.openxmlformats.org/drawingml/2006/main">
+  <a:clrScheme name="Ion">
+    <a:dk1>
+      <a:sysClr val="windowText" lastClr="000000"/>
+    </a:dk1>
+    <a:lt1>
+      <a:sysClr val="window" lastClr="FFFFFF"/>
+    </a:lt1>
+    <a:dk2>
+      <a:srgbClr val="1E5155"/>
+    </a:dk2>
+    <a:lt2>
+      <a:srgbClr val="EBEBEB"/>
+    </a:lt2>
+    <a:accent1>
+      <a:srgbClr val="B01513"/>
+    </a:accent1>
+    <a:accent2>
+      <a:srgbClr val="EA6312"/>
+    </a:accent2>
+    <a:accent3>
+      <a:srgbClr val="E6B729"/>
+    </a:accent3>
+    <a:accent4>
+      <a:srgbClr val="6AAC90"/>
+    </a:accent4>
+    <a:accent5>
+      <a:srgbClr val="54849A"/>
+    </a:accent5>
+    <a:accent6>
+      <a:srgbClr val="9E5E9B"/>
+    </a:accent6>
+    <a:hlink>
+      <a:srgbClr val="58C1BA"/>
+    </a:hlink>
+    <a:folHlink>
+      <a:srgbClr val="9DFFCB"/>
+    </a:folHlink>
+  </a:clrScheme>
+</a:themeOverride>
 </file>